--- a/Introduction/Part_0/Data Science 101.pptx
+++ b/Introduction/Part_0/Data Science 101.pptx
@@ -5,11 +5,19 @@
     <p:sldMasterId id="2147483660" r:id="rId1"/>
   </p:sldMasterIdLst>
   <p:notesMasterIdLst>
-    <p:notesMasterId r:id="rId4"/>
+    <p:notesMasterId r:id="rId12"/>
   </p:notesMasterIdLst>
   <p:sldIdLst>
     <p:sldId id="887" r:id="rId2"/>
     <p:sldId id="888" r:id="rId3"/>
+    <p:sldId id="890" r:id="rId4"/>
+    <p:sldId id="891" r:id="rId5"/>
+    <p:sldId id="892" r:id="rId6"/>
+    <p:sldId id="893" r:id="rId7"/>
+    <p:sldId id="894" r:id="rId8"/>
+    <p:sldId id="895" r:id="rId9"/>
+    <p:sldId id="896" r:id="rId10"/>
+    <p:sldId id="897" r:id="rId11"/>
   </p:sldIdLst>
   <p:sldSz cx="9144000" cy="5143500" type="screen16x9"/>
   <p:notesSz cx="6858000" cy="9144000"/>
@@ -4579,6 +4587,307 @@
 </p:sld>
 </file>
 
+<file path=ppt/slides/slide10.xml><?xml version="1.0" encoding="utf-8"?>
+<p:sld xmlns:a="http://schemas.openxmlformats.org/drawingml/2006/main" xmlns:r="http://schemas.openxmlformats.org/officeDocument/2006/relationships" xmlns:p="http://schemas.openxmlformats.org/presentationml/2006/main">
+  <p:cSld>
+    <p:bg>
+      <p:bgPr>
+        <a:solidFill>
+          <a:schemeClr val="bg1"/>
+        </a:solidFill>
+        <a:effectLst/>
+      </p:bgPr>
+    </p:bg>
+    <p:spTree>
+      <p:nvGrpSpPr>
+        <p:cNvPr id="1" name=""/>
+        <p:cNvGrpSpPr/>
+        <p:nvPr/>
+      </p:nvGrpSpPr>
+      <p:grpSpPr>
+        <a:xfrm>
+          <a:off x="0" y="0"/>
+          <a:ext cx="0" cy="0"/>
+          <a:chOff x="0" y="0"/>
+          <a:chExt cx="0" cy="0"/>
+        </a:xfrm>
+      </p:grpSpPr>
+      <p:sp>
+        <p:nvSpPr>
+          <p:cNvPr id="39" name="Rectangle 38">
+            <a:extLst>
+              <a:ext uri="{FF2B5EF4-FFF2-40B4-BE49-F238E27FC236}">
+                <a16:creationId xmlns:a16="http://schemas.microsoft.com/office/drawing/2014/main" id="{156189E5-8A3E-4CFD-B71B-CCD0F8495E56}"/>
+              </a:ext>
+              <a:ext uri="{C183D7F6-B498-43B3-948B-1728B52AA6E4}">
+                <adec:decorative xmlns:adec="http://schemas.microsoft.com/office/drawing/2017/decorative" val="1"/>
+              </a:ext>
+            </a:extLst>
+          </p:cNvPr>
+          <p:cNvSpPr>
+            <a:spLocks noGrp="1" noRot="1" noChangeAspect="1" noMove="1" noResize="1" noEditPoints="1" noAdjustHandles="1" noChangeArrowheads="1" noChangeShapeType="1" noTextEdit="1"/>
+          </p:cNvSpPr>
+          <p:nvPr>
+            <p:extLst>
+              <p:ext uri="{386F3935-93C4-4BCD-93E2-E3B085C9AB24}">
+                <p16:designElem xmlns:p16="http://schemas.microsoft.com/office/powerpoint/2015/main" val="1"/>
+              </p:ext>
+            </p:extLst>
+          </p:nvPr>
+        </p:nvSpPr>
+        <p:spPr>
+          <a:xfrm>
+            <a:off x="0" y="0"/>
+            <a:ext cx="3597275" cy="5143500"/>
+          </a:xfrm>
+          <a:prstGeom prst="rect">
+            <a:avLst/>
+          </a:prstGeom>
+          <a:solidFill>
+            <a:schemeClr val="tx1">
+              <a:alpha val="60000"/>
+            </a:schemeClr>
+          </a:solidFill>
+          <a:ln>
+            <a:noFill/>
+          </a:ln>
+        </p:spPr>
+        <p:style>
+          <a:lnRef idx="2">
+            <a:schemeClr val="accent1">
+              <a:shade val="50000"/>
+            </a:schemeClr>
+          </a:lnRef>
+          <a:fillRef idx="1">
+            <a:schemeClr val="accent1"/>
+          </a:fillRef>
+          <a:effectRef idx="0">
+            <a:schemeClr val="accent1"/>
+          </a:effectRef>
+          <a:fontRef idx="minor">
+            <a:schemeClr val="lt1"/>
+          </a:fontRef>
+        </p:style>
+        <p:txBody>
+          <a:bodyPr rtlCol="0" anchor="ctr"/>
+          <a:lstStyle/>
+          <a:p>
+            <a:pPr marL="0" marR="0" lvl="0" indent="0" algn="ctr" defTabSz="914400" rtl="0" eaLnBrk="1" fontAlgn="auto" latinLnBrk="0" hangingPunct="1">
+              <a:lnSpc>
+                <a:spcPct val="100000"/>
+              </a:lnSpc>
+              <a:spcBef>
+                <a:spcPts val="0"/>
+              </a:spcBef>
+              <a:spcAft>
+                <a:spcPts val="0"/>
+              </a:spcAft>
+              <a:buClrTx/>
+              <a:buSzTx/>
+              <a:buFontTx/>
+              <a:buNone/>
+              <a:tabLst/>
+              <a:defRPr/>
+            </a:pPr>
+            <a:endParaRPr kumimoji="0" lang="en-US" sz="1800" b="0" i="0" u="none" strike="noStrike" kern="1200" cap="none" spc="0" normalizeH="0" baseline="0" noProof="0">
+              <a:ln>
+                <a:noFill/>
+              </a:ln>
+              <a:solidFill>
+                <a:prstClr val="white"/>
+              </a:solidFill>
+              <a:effectLst/>
+              <a:uLnTx/>
+              <a:uFillTx/>
+              <a:latin typeface="Calibri" panose="020F0502020204030204"/>
+              <a:ea typeface="+mn-ea"/>
+              <a:cs typeface="+mn-cs"/>
+            </a:endParaRPr>
+          </a:p>
+        </p:txBody>
+      </p:sp>
+      <p:sp>
+        <p:nvSpPr>
+          <p:cNvPr id="41" name="Rectangle 40">
+            <a:extLst>
+              <a:ext uri="{FF2B5EF4-FFF2-40B4-BE49-F238E27FC236}">
+                <a16:creationId xmlns:a16="http://schemas.microsoft.com/office/drawing/2014/main" id="{BE95D989-81FA-4BAD-9AD5-E46CEDA91B36}"/>
+              </a:ext>
+              <a:ext uri="{C183D7F6-B498-43B3-948B-1728B52AA6E4}">
+                <adec:decorative xmlns:adec="http://schemas.microsoft.com/office/drawing/2017/decorative" val="1"/>
+              </a:ext>
+            </a:extLst>
+          </p:cNvPr>
+          <p:cNvSpPr>
+            <a:spLocks noGrp="1" noRot="1" noChangeAspect="1" noMove="1" noResize="1" noEditPoints="1" noAdjustHandles="1" noChangeArrowheads="1" noChangeShapeType="1" noTextEdit="1"/>
+          </p:cNvSpPr>
+          <p:nvPr>
+            <p:extLst>
+              <p:ext uri="{386F3935-93C4-4BCD-93E2-E3B085C9AB24}">
+                <p16:designElem xmlns:p16="http://schemas.microsoft.com/office/powerpoint/2015/main" val="1"/>
+              </p:ext>
+            </p:extLst>
+          </p:nvPr>
+        </p:nvSpPr>
+        <p:spPr>
+          <a:xfrm>
+            <a:off x="0" y="0"/>
+            <a:ext cx="3490719" cy="5143500"/>
+          </a:xfrm>
+          <a:prstGeom prst="rect">
+            <a:avLst/>
+          </a:prstGeom>
+          <a:solidFill>
+            <a:schemeClr val="tx1">
+              <a:lumMod val="75000"/>
+              <a:lumOff val="25000"/>
+              <a:alpha val="80000"/>
+            </a:schemeClr>
+          </a:solidFill>
+          <a:ln>
+            <a:noFill/>
+          </a:ln>
+        </p:spPr>
+        <p:style>
+          <a:lnRef idx="2">
+            <a:schemeClr val="accent1">
+              <a:shade val="50000"/>
+            </a:schemeClr>
+          </a:lnRef>
+          <a:fillRef idx="1">
+            <a:schemeClr val="accent1"/>
+          </a:fillRef>
+          <a:effectRef idx="0">
+            <a:schemeClr val="accent1"/>
+          </a:effectRef>
+          <a:fontRef idx="minor">
+            <a:schemeClr val="lt1"/>
+          </a:fontRef>
+        </p:style>
+        <p:txBody>
+          <a:bodyPr rtlCol="0" anchor="ctr"/>
+          <a:lstStyle/>
+          <a:p>
+            <a:pPr marL="0" marR="0" lvl="0" indent="0" algn="ctr" defTabSz="914400" rtl="0" eaLnBrk="1" fontAlgn="auto" latinLnBrk="0" hangingPunct="1">
+              <a:lnSpc>
+                <a:spcPct val="100000"/>
+              </a:lnSpc>
+              <a:spcBef>
+                <a:spcPts val="0"/>
+              </a:spcBef>
+              <a:spcAft>
+                <a:spcPts val="0"/>
+              </a:spcAft>
+              <a:buClrTx/>
+              <a:buSzTx/>
+              <a:buFontTx/>
+              <a:buNone/>
+              <a:tabLst/>
+              <a:defRPr/>
+            </a:pPr>
+            <a:endParaRPr kumimoji="0" lang="en-US" sz="1800" b="0" i="0" u="none" strike="noStrike" kern="1200" cap="none" spc="0" normalizeH="0" baseline="0" noProof="0">
+              <a:ln>
+                <a:noFill/>
+              </a:ln>
+              <a:solidFill>
+                <a:prstClr val="white"/>
+              </a:solidFill>
+              <a:effectLst/>
+              <a:uLnTx/>
+              <a:uFillTx/>
+              <a:latin typeface="Calibri" panose="020F0502020204030204"/>
+              <a:ea typeface="+mn-ea"/>
+              <a:cs typeface="+mn-cs"/>
+            </a:endParaRPr>
+          </a:p>
+        </p:txBody>
+      </p:sp>
+      <p:sp>
+        <p:nvSpPr>
+          <p:cNvPr id="2" name="Title 1">
+            <a:extLst>
+              <a:ext uri="{FF2B5EF4-FFF2-40B4-BE49-F238E27FC236}">
+                <a16:creationId xmlns:a16="http://schemas.microsoft.com/office/drawing/2014/main" id="{DF753F17-EDC8-4652-A59B-0C2719DF6AB4}"/>
+              </a:ext>
+            </a:extLst>
+          </p:cNvPr>
+          <p:cNvSpPr>
+            <a:spLocks noGrp="1"/>
+          </p:cNvSpPr>
+          <p:nvPr>
+            <p:ph type="ctrTitle"/>
+          </p:nvPr>
+        </p:nvSpPr>
+        <p:spPr>
+          <a:xfrm>
+            <a:off x="603504" y="840213"/>
+            <a:ext cx="2511171" cy="2107407"/>
+          </a:xfrm>
+        </p:spPr>
+        <p:txBody>
+          <a:bodyPr vert="horz" lIns="91440" tIns="45720" rIns="91440" bIns="45720" rtlCol="0" anchor="b">
+            <a:normAutofit/>
+          </a:bodyPr>
+          <a:lstStyle/>
+          <a:p>
+            <a:pPr algn="l" defTabSz="914400"/>
+            <a:endParaRPr lang="en-US" sz="3000" kern="1200">
+              <a:solidFill>
+                <a:schemeClr val="bg1">
+                  <a:lumMod val="85000"/>
+                  <a:lumOff val="15000"/>
+                </a:schemeClr>
+              </a:solidFill>
+              <a:latin typeface="+mj-lt"/>
+              <a:ea typeface="+mj-ea"/>
+              <a:cs typeface="+mj-cs"/>
+            </a:endParaRPr>
+          </a:p>
+        </p:txBody>
+      </p:sp>
+      <p:pic>
+        <p:nvPicPr>
+          <p:cNvPr id="16" name="Picture 15">
+            <a:extLst>
+              <a:ext uri="{FF2B5EF4-FFF2-40B4-BE49-F238E27FC236}">
+                <a16:creationId xmlns:a16="http://schemas.microsoft.com/office/drawing/2014/main" id="{4793F586-F6D9-4BC9-A8D5-D18B3FDFE00E}"/>
+              </a:ext>
+            </a:extLst>
+          </p:cNvPr>
+          <p:cNvPicPr>
+            <a:picLocks noChangeAspect="1"/>
+          </p:cNvPicPr>
+          <p:nvPr/>
+        </p:nvPicPr>
+        <p:blipFill>
+          <a:blip r:embed="rId2"/>
+          <a:stretch>
+            <a:fillRect/>
+          </a:stretch>
+        </p:blipFill>
+        <p:spPr>
+          <a:xfrm>
+            <a:off x="4212889" y="482600"/>
+            <a:ext cx="4329843" cy="4178299"/>
+          </a:xfrm>
+          <a:prstGeom prst="rect">
+            <a:avLst/>
+          </a:prstGeom>
+        </p:spPr>
+      </p:pic>
+    </p:spTree>
+    <p:extLst>
+      <p:ext uri="{BB962C8B-B14F-4D97-AF65-F5344CB8AC3E}">
+        <p14:creationId xmlns:p14="http://schemas.microsoft.com/office/powerpoint/2010/main" val="3728876733"/>
+      </p:ext>
+    </p:extLst>
+  </p:cSld>
+  <p:clrMapOvr>
+    <a:masterClrMapping/>
+  </p:clrMapOvr>
+</p:sld>
+</file>
+
 <file path=ppt/slides/slide2.xml><?xml version="1.0" encoding="utf-8"?>
 <p:sld xmlns:a="http://schemas.openxmlformats.org/drawingml/2006/main" xmlns:r="http://schemas.openxmlformats.org/officeDocument/2006/relationships" xmlns:p="http://schemas.openxmlformats.org/presentationml/2006/main">
   <p:cSld>
@@ -4810,6 +5119,1643 @@
     <p:extLst>
       <p:ext uri="{BB962C8B-B14F-4D97-AF65-F5344CB8AC3E}">
         <p14:creationId xmlns:p14="http://schemas.microsoft.com/office/powerpoint/2010/main" val="640394626"/>
+      </p:ext>
+    </p:extLst>
+  </p:cSld>
+  <p:clrMapOvr>
+    <a:masterClrMapping/>
+  </p:clrMapOvr>
+</p:sld>
+</file>
+
+<file path=ppt/slides/slide3.xml><?xml version="1.0" encoding="utf-8"?>
+<p:sld xmlns:a="http://schemas.openxmlformats.org/drawingml/2006/main" xmlns:r="http://schemas.openxmlformats.org/officeDocument/2006/relationships" xmlns:p="http://schemas.openxmlformats.org/presentationml/2006/main">
+  <p:cSld>
+    <p:bg>
+      <p:bgPr>
+        <a:solidFill>
+          <a:schemeClr val="bg1"/>
+        </a:solidFill>
+        <a:effectLst/>
+      </p:bgPr>
+    </p:bg>
+    <p:spTree>
+      <p:nvGrpSpPr>
+        <p:cNvPr id="1" name=""/>
+        <p:cNvGrpSpPr/>
+        <p:nvPr/>
+      </p:nvGrpSpPr>
+      <p:grpSpPr>
+        <a:xfrm>
+          <a:off x="0" y="0"/>
+          <a:ext cx="0" cy="0"/>
+          <a:chOff x="0" y="0"/>
+          <a:chExt cx="0" cy="0"/>
+        </a:xfrm>
+      </p:grpSpPr>
+      <p:sp>
+        <p:nvSpPr>
+          <p:cNvPr id="71" name="Rectangle 70">
+            <a:extLst>
+              <a:ext uri="{FF2B5EF4-FFF2-40B4-BE49-F238E27FC236}">
+                <a16:creationId xmlns:a16="http://schemas.microsoft.com/office/drawing/2014/main" id="{867D4867-5BA7-4462-B2F6-A23F4A622AA7}"/>
+              </a:ext>
+              <a:ext uri="{C183D7F6-B498-43B3-948B-1728B52AA6E4}">
+                <adec:decorative xmlns:adec="http://schemas.microsoft.com/office/drawing/2017/decorative" val="1"/>
+              </a:ext>
+            </a:extLst>
+          </p:cNvPr>
+          <p:cNvSpPr>
+            <a:spLocks noGrp="1" noRot="1" noChangeAspect="1" noMove="1" noResize="1" noEditPoints="1" noAdjustHandles="1" noChangeArrowheads="1" noChangeShapeType="1" noTextEdit="1"/>
+          </p:cNvSpPr>
+          <p:nvPr>
+            <p:extLst>
+              <p:ext uri="{386F3935-93C4-4BCD-93E2-E3B085C9AB24}">
+                <p16:designElem xmlns:p16="http://schemas.microsoft.com/office/powerpoint/2015/main" val="1"/>
+              </p:ext>
+            </p:extLst>
+          </p:nvPr>
+        </p:nvSpPr>
+        <p:spPr>
+          <a:xfrm>
+            <a:off x="0" y="0"/>
+            <a:ext cx="3490722" cy="5143500"/>
+          </a:xfrm>
+          <a:prstGeom prst="rect">
+            <a:avLst/>
+          </a:prstGeom>
+          <a:solidFill>
+            <a:schemeClr val="tx1">
+              <a:lumMod val="75000"/>
+              <a:lumOff val="25000"/>
+            </a:schemeClr>
+          </a:solidFill>
+          <a:ln>
+            <a:noFill/>
+          </a:ln>
+        </p:spPr>
+        <p:style>
+          <a:lnRef idx="0">
+            <a:scrgbClr r="0" g="0" b="0"/>
+          </a:lnRef>
+          <a:fillRef idx="0">
+            <a:scrgbClr r="0" g="0" b="0"/>
+          </a:fillRef>
+          <a:effectRef idx="0">
+            <a:scrgbClr r="0" g="0" b="0"/>
+          </a:effectRef>
+          <a:fontRef idx="minor">
+            <a:schemeClr val="lt1"/>
+          </a:fontRef>
+        </p:style>
+        <p:txBody>
+          <a:bodyPr rtlCol="0" anchor="ctr"/>
+          <a:lstStyle/>
+          <a:p>
+            <a:pPr algn="ctr"/>
+            <a:endParaRPr lang="en-US"/>
+          </a:p>
+        </p:txBody>
+      </p:sp>
+      <p:sp>
+        <p:nvSpPr>
+          <p:cNvPr id="3" name="Title 2">
+            <a:extLst>
+              <a:ext uri="{FF2B5EF4-FFF2-40B4-BE49-F238E27FC236}">
+                <a16:creationId xmlns:a16="http://schemas.microsoft.com/office/drawing/2014/main" id="{63240F59-B728-4E62-8E4F-FC897FCAA564}"/>
+              </a:ext>
+            </a:extLst>
+          </p:cNvPr>
+          <p:cNvSpPr>
+            <a:spLocks noGrp="1"/>
+          </p:cNvSpPr>
+          <p:nvPr>
+            <p:ph type="title"/>
+          </p:nvPr>
+        </p:nvSpPr>
+        <p:spPr>
+          <a:xfrm>
+            <a:off x="482600" y="482600"/>
+            <a:ext cx="2522980" cy="1197986"/>
+          </a:xfrm>
+          <a:noFill/>
+          <a:ln w="19050">
+            <a:solidFill>
+              <a:schemeClr val="bg1"/>
+            </a:solidFill>
+          </a:ln>
+        </p:spPr>
+        <p:txBody>
+          <a:bodyPr wrap="square">
+            <a:normAutofit/>
+          </a:bodyPr>
+          <a:lstStyle/>
+          <a:p>
+            <a:pPr algn="ctr"/>
+            <a:r>
+              <a:rPr lang="en-US" sz="2100" dirty="0"/>
+              <a:t>Business Understanding</a:t>
+            </a:r>
+          </a:p>
+        </p:txBody>
+      </p:sp>
+      <p:sp>
+        <p:nvSpPr>
+          <p:cNvPr id="2" name="Content Placeholder 1">
+            <a:extLst>
+              <a:ext uri="{FF2B5EF4-FFF2-40B4-BE49-F238E27FC236}">
+                <a16:creationId xmlns:a16="http://schemas.microsoft.com/office/drawing/2014/main" id="{B45B095B-64D1-4F3C-990E-3AD62B6A5031}"/>
+              </a:ext>
+            </a:extLst>
+          </p:cNvPr>
+          <p:cNvSpPr>
+            <a:spLocks noGrp="1"/>
+          </p:cNvSpPr>
+          <p:nvPr>
+            <p:ph idx="1"/>
+          </p:nvPr>
+        </p:nvSpPr>
+        <p:spPr>
+          <a:xfrm>
+            <a:off x="482601" y="1978533"/>
+            <a:ext cx="2522980" cy="2561716"/>
+          </a:xfrm>
+        </p:spPr>
+        <p:txBody>
+          <a:bodyPr>
+            <a:normAutofit/>
+          </a:bodyPr>
+          <a:lstStyle/>
+          <a:p>
+            <a:r>
+              <a:rPr lang="en-US" sz="1500" dirty="0">
+                <a:solidFill>
+                  <a:schemeClr val="bg1"/>
+                </a:solidFill>
+              </a:rPr>
+              <a:t>What are the project objectives?</a:t>
+            </a:r>
+          </a:p>
+          <a:p>
+            <a:pPr lvl="1"/>
+            <a:r>
+              <a:rPr lang="en-US" sz="1500" dirty="0">
+                <a:solidFill>
+                  <a:schemeClr val="bg1"/>
+                </a:solidFill>
+              </a:rPr>
+              <a:t>How to integrate?</a:t>
+            </a:r>
+          </a:p>
+          <a:p>
+            <a:r>
+              <a:rPr lang="en-US" sz="1500" dirty="0">
+                <a:solidFill>
+                  <a:schemeClr val="bg1"/>
+                </a:solidFill>
+              </a:rPr>
+              <a:t>Possible outcomes, good and bad.</a:t>
+            </a:r>
+          </a:p>
+          <a:p>
+            <a:r>
+              <a:rPr lang="en-US" sz="1500" dirty="0">
+                <a:solidFill>
+                  <a:schemeClr val="bg1"/>
+                </a:solidFill>
+              </a:rPr>
+              <a:t>Criteria for project success?</a:t>
+            </a:r>
+          </a:p>
+          <a:p>
+            <a:r>
+              <a:rPr lang="en-US" sz="1500" dirty="0">
+                <a:solidFill>
+                  <a:schemeClr val="bg1"/>
+                </a:solidFill>
+              </a:rPr>
+              <a:t>Conversion to a data science type problem.</a:t>
+            </a:r>
+          </a:p>
+        </p:txBody>
+      </p:sp>
+      <p:pic>
+        <p:nvPicPr>
+          <p:cNvPr id="1026" name="Picture 2" descr="https://upload.wikimedia.org/wikipedia/commons/thumb/b/b9/CRISP-DM_Process_Diagram.png/800px-CRISP-DM_Process_Diagram.png">
+            <a:extLst>
+              <a:ext uri="{FF2B5EF4-FFF2-40B4-BE49-F238E27FC236}">
+                <a16:creationId xmlns:a16="http://schemas.microsoft.com/office/drawing/2014/main" id="{421C6C38-E4E0-497E-97E9-11A0E5ED52CA}"/>
+              </a:ext>
+            </a:extLst>
+          </p:cNvPr>
+          <p:cNvPicPr>
+            <a:picLocks noChangeAspect="1" noChangeArrowheads="1"/>
+          </p:cNvPicPr>
+          <p:nvPr/>
+        </p:nvPicPr>
+        <p:blipFill>
+          <a:blip r:embed="rId2">
+            <a:extLst>
+              <a:ext uri="{28A0092B-C50C-407E-A947-70E740481C1C}">
+                <a14:useLocalDpi xmlns:a14="http://schemas.microsoft.com/office/drawing/2010/main" val="0"/>
+              </a:ext>
+            </a:extLst>
+          </a:blip>
+          <a:srcRect/>
+          <a:stretch>
+            <a:fillRect/>
+          </a:stretch>
+        </p:blipFill>
+        <p:spPr bwMode="auto">
+          <a:xfrm>
+            <a:off x="4293608" y="482600"/>
+            <a:ext cx="4047504" cy="4057649"/>
+          </a:xfrm>
+          <a:prstGeom prst="rect">
+            <a:avLst/>
+          </a:prstGeom>
+          <a:noFill/>
+          <a:extLst>
+            <a:ext uri="{909E8E84-426E-40DD-AFC4-6F175D3DCCD1}">
+              <a14:hiddenFill xmlns:a14="http://schemas.microsoft.com/office/drawing/2010/main">
+                <a:solidFill>
+                  <a:srgbClr val="FFFFFF"/>
+                </a:solidFill>
+              </a14:hiddenFill>
+            </a:ext>
+          </a:extLst>
+        </p:spPr>
+      </p:pic>
+    </p:spTree>
+    <p:extLst>
+      <p:ext uri="{BB962C8B-B14F-4D97-AF65-F5344CB8AC3E}">
+        <p14:creationId xmlns:p14="http://schemas.microsoft.com/office/powerpoint/2010/main" val="1897945659"/>
+      </p:ext>
+    </p:extLst>
+  </p:cSld>
+  <p:clrMapOvr>
+    <a:masterClrMapping/>
+  </p:clrMapOvr>
+</p:sld>
+</file>
+
+<file path=ppt/slides/slide4.xml><?xml version="1.0" encoding="utf-8"?>
+<p:sld xmlns:a="http://schemas.openxmlformats.org/drawingml/2006/main" xmlns:r="http://schemas.openxmlformats.org/officeDocument/2006/relationships" xmlns:p="http://schemas.openxmlformats.org/presentationml/2006/main">
+  <p:cSld>
+    <p:bg>
+      <p:bgPr>
+        <a:solidFill>
+          <a:schemeClr val="bg1"/>
+        </a:solidFill>
+        <a:effectLst/>
+      </p:bgPr>
+    </p:bg>
+    <p:spTree>
+      <p:nvGrpSpPr>
+        <p:cNvPr id="1" name=""/>
+        <p:cNvGrpSpPr/>
+        <p:nvPr/>
+      </p:nvGrpSpPr>
+      <p:grpSpPr>
+        <a:xfrm>
+          <a:off x="0" y="0"/>
+          <a:ext cx="0" cy="0"/>
+          <a:chOff x="0" y="0"/>
+          <a:chExt cx="0" cy="0"/>
+        </a:xfrm>
+      </p:grpSpPr>
+      <p:sp>
+        <p:nvSpPr>
+          <p:cNvPr id="71" name="Rectangle 70">
+            <a:extLst>
+              <a:ext uri="{FF2B5EF4-FFF2-40B4-BE49-F238E27FC236}">
+                <a16:creationId xmlns:a16="http://schemas.microsoft.com/office/drawing/2014/main" id="{867D4867-5BA7-4462-B2F6-A23F4A622AA7}"/>
+              </a:ext>
+              <a:ext uri="{C183D7F6-B498-43B3-948B-1728B52AA6E4}">
+                <adec:decorative xmlns:adec="http://schemas.microsoft.com/office/drawing/2017/decorative" val="1"/>
+              </a:ext>
+            </a:extLst>
+          </p:cNvPr>
+          <p:cNvSpPr>
+            <a:spLocks noGrp="1" noRot="1" noChangeAspect="1" noMove="1" noResize="1" noEditPoints="1" noAdjustHandles="1" noChangeArrowheads="1" noChangeShapeType="1" noTextEdit="1"/>
+          </p:cNvSpPr>
+          <p:nvPr>
+            <p:extLst>
+              <p:ext uri="{386F3935-93C4-4BCD-93E2-E3B085C9AB24}">
+                <p16:designElem xmlns:p16="http://schemas.microsoft.com/office/powerpoint/2015/main" val="1"/>
+              </p:ext>
+            </p:extLst>
+          </p:nvPr>
+        </p:nvSpPr>
+        <p:spPr>
+          <a:xfrm>
+            <a:off x="0" y="0"/>
+            <a:ext cx="3490722" cy="5143500"/>
+          </a:xfrm>
+          <a:prstGeom prst="rect">
+            <a:avLst/>
+          </a:prstGeom>
+          <a:solidFill>
+            <a:schemeClr val="tx1">
+              <a:lumMod val="75000"/>
+              <a:lumOff val="25000"/>
+            </a:schemeClr>
+          </a:solidFill>
+          <a:ln>
+            <a:noFill/>
+          </a:ln>
+        </p:spPr>
+        <p:style>
+          <a:lnRef idx="0">
+            <a:scrgbClr r="0" g="0" b="0"/>
+          </a:lnRef>
+          <a:fillRef idx="0">
+            <a:scrgbClr r="0" g="0" b="0"/>
+          </a:fillRef>
+          <a:effectRef idx="0">
+            <a:scrgbClr r="0" g="0" b="0"/>
+          </a:effectRef>
+          <a:fontRef idx="minor">
+            <a:schemeClr val="lt1"/>
+          </a:fontRef>
+        </p:style>
+        <p:txBody>
+          <a:bodyPr rtlCol="0" anchor="ctr"/>
+          <a:lstStyle/>
+          <a:p>
+            <a:pPr algn="ctr"/>
+            <a:endParaRPr lang="en-US"/>
+          </a:p>
+        </p:txBody>
+      </p:sp>
+      <p:sp>
+        <p:nvSpPr>
+          <p:cNvPr id="3" name="Title 2">
+            <a:extLst>
+              <a:ext uri="{FF2B5EF4-FFF2-40B4-BE49-F238E27FC236}">
+                <a16:creationId xmlns:a16="http://schemas.microsoft.com/office/drawing/2014/main" id="{63240F59-B728-4E62-8E4F-FC897FCAA564}"/>
+              </a:ext>
+            </a:extLst>
+          </p:cNvPr>
+          <p:cNvSpPr>
+            <a:spLocks noGrp="1"/>
+          </p:cNvSpPr>
+          <p:nvPr>
+            <p:ph type="title"/>
+          </p:nvPr>
+        </p:nvSpPr>
+        <p:spPr>
+          <a:xfrm>
+            <a:off x="482600" y="482600"/>
+            <a:ext cx="2522980" cy="1197986"/>
+          </a:xfrm>
+          <a:noFill/>
+          <a:ln w="19050">
+            <a:solidFill>
+              <a:schemeClr val="bg1"/>
+            </a:solidFill>
+          </a:ln>
+        </p:spPr>
+        <p:txBody>
+          <a:bodyPr wrap="square">
+            <a:normAutofit/>
+          </a:bodyPr>
+          <a:lstStyle/>
+          <a:p>
+            <a:pPr algn="ctr"/>
+            <a:r>
+              <a:rPr lang="en-US" sz="2100" dirty="0"/>
+              <a:t>Data Understanding</a:t>
+            </a:r>
+          </a:p>
+        </p:txBody>
+      </p:sp>
+      <p:sp>
+        <p:nvSpPr>
+          <p:cNvPr id="2" name="Content Placeholder 1">
+            <a:extLst>
+              <a:ext uri="{FF2B5EF4-FFF2-40B4-BE49-F238E27FC236}">
+                <a16:creationId xmlns:a16="http://schemas.microsoft.com/office/drawing/2014/main" id="{B45B095B-64D1-4F3C-990E-3AD62B6A5031}"/>
+              </a:ext>
+            </a:extLst>
+          </p:cNvPr>
+          <p:cNvSpPr>
+            <a:spLocks noGrp="1"/>
+          </p:cNvSpPr>
+          <p:nvPr>
+            <p:ph idx="1"/>
+          </p:nvPr>
+        </p:nvSpPr>
+        <p:spPr>
+          <a:xfrm>
+            <a:off x="482601" y="1978533"/>
+            <a:ext cx="2522980" cy="2561716"/>
+          </a:xfrm>
+        </p:spPr>
+        <p:txBody>
+          <a:bodyPr>
+            <a:normAutofit/>
+          </a:bodyPr>
+          <a:lstStyle/>
+          <a:p>
+            <a:r>
+              <a:rPr lang="en-US" sz="1500" dirty="0">
+                <a:solidFill>
+                  <a:schemeClr val="bg1"/>
+                </a:solidFill>
+              </a:rPr>
+              <a:t>Data collection:</a:t>
+            </a:r>
+          </a:p>
+          <a:p>
+            <a:pPr lvl="1"/>
+            <a:r>
+              <a:rPr lang="en-US" sz="1500" dirty="0">
+                <a:solidFill>
+                  <a:schemeClr val="bg1"/>
+                </a:solidFill>
+              </a:rPr>
+              <a:t>Contacting different teams.</a:t>
+            </a:r>
+          </a:p>
+          <a:p>
+            <a:pPr lvl="1"/>
+            <a:r>
+              <a:rPr lang="en-US" sz="1500" dirty="0">
+                <a:solidFill>
+                  <a:schemeClr val="bg1"/>
+                </a:solidFill>
+              </a:rPr>
+              <a:t>Understanding what is available / needed.</a:t>
+            </a:r>
+          </a:p>
+          <a:p>
+            <a:r>
+              <a:rPr lang="en-US" sz="1500" dirty="0">
+                <a:solidFill>
+                  <a:schemeClr val="bg1"/>
+                </a:solidFill>
+              </a:rPr>
+              <a:t>Exploratory Data Analysis</a:t>
+            </a:r>
+          </a:p>
+          <a:p>
+            <a:pPr lvl="1"/>
+            <a:r>
+              <a:rPr lang="en-US" sz="1500" dirty="0">
+                <a:solidFill>
+                  <a:schemeClr val="bg1"/>
+                </a:solidFill>
+              </a:rPr>
+              <a:t>Quality of data (from a prediction standpoint)</a:t>
+            </a:r>
+          </a:p>
+          <a:p>
+            <a:pPr lvl="1"/>
+            <a:r>
+              <a:rPr lang="en-US" sz="1500" dirty="0">
+                <a:solidFill>
+                  <a:schemeClr val="bg1"/>
+                </a:solidFill>
+              </a:rPr>
+              <a:t>Redundancies?</a:t>
+            </a:r>
+          </a:p>
+        </p:txBody>
+      </p:sp>
+      <p:pic>
+        <p:nvPicPr>
+          <p:cNvPr id="1026" name="Picture 2" descr="https://upload.wikimedia.org/wikipedia/commons/thumb/b/b9/CRISP-DM_Process_Diagram.png/800px-CRISP-DM_Process_Diagram.png">
+            <a:extLst>
+              <a:ext uri="{FF2B5EF4-FFF2-40B4-BE49-F238E27FC236}">
+                <a16:creationId xmlns:a16="http://schemas.microsoft.com/office/drawing/2014/main" id="{421C6C38-E4E0-497E-97E9-11A0E5ED52CA}"/>
+              </a:ext>
+            </a:extLst>
+          </p:cNvPr>
+          <p:cNvPicPr>
+            <a:picLocks noChangeAspect="1" noChangeArrowheads="1"/>
+          </p:cNvPicPr>
+          <p:nvPr/>
+        </p:nvPicPr>
+        <p:blipFill>
+          <a:blip r:embed="rId2">
+            <a:extLst>
+              <a:ext uri="{28A0092B-C50C-407E-A947-70E740481C1C}">
+                <a14:useLocalDpi xmlns:a14="http://schemas.microsoft.com/office/drawing/2010/main" val="0"/>
+              </a:ext>
+            </a:extLst>
+          </a:blip>
+          <a:srcRect/>
+          <a:stretch>
+            <a:fillRect/>
+          </a:stretch>
+        </p:blipFill>
+        <p:spPr bwMode="auto">
+          <a:xfrm>
+            <a:off x="4293608" y="482600"/>
+            <a:ext cx="4047504" cy="4057649"/>
+          </a:xfrm>
+          <a:prstGeom prst="rect">
+            <a:avLst/>
+          </a:prstGeom>
+          <a:noFill/>
+          <a:extLst>
+            <a:ext uri="{909E8E84-426E-40DD-AFC4-6F175D3DCCD1}">
+              <a14:hiddenFill xmlns:a14="http://schemas.microsoft.com/office/drawing/2010/main">
+                <a:solidFill>
+                  <a:srgbClr val="FFFFFF"/>
+                </a:solidFill>
+              </a14:hiddenFill>
+            </a:ext>
+          </a:extLst>
+        </p:spPr>
+      </p:pic>
+    </p:spTree>
+    <p:extLst>
+      <p:ext uri="{BB962C8B-B14F-4D97-AF65-F5344CB8AC3E}">
+        <p14:creationId xmlns:p14="http://schemas.microsoft.com/office/powerpoint/2010/main" val="1170414256"/>
+      </p:ext>
+    </p:extLst>
+  </p:cSld>
+  <p:clrMapOvr>
+    <a:masterClrMapping/>
+  </p:clrMapOvr>
+</p:sld>
+</file>
+
+<file path=ppt/slides/slide5.xml><?xml version="1.0" encoding="utf-8"?>
+<p:sld xmlns:a="http://schemas.openxmlformats.org/drawingml/2006/main" xmlns:r="http://schemas.openxmlformats.org/officeDocument/2006/relationships" xmlns:p="http://schemas.openxmlformats.org/presentationml/2006/main">
+  <p:cSld>
+    <p:bg>
+      <p:bgPr>
+        <a:solidFill>
+          <a:schemeClr val="bg1"/>
+        </a:solidFill>
+        <a:effectLst/>
+      </p:bgPr>
+    </p:bg>
+    <p:spTree>
+      <p:nvGrpSpPr>
+        <p:cNvPr id="1" name=""/>
+        <p:cNvGrpSpPr/>
+        <p:nvPr/>
+      </p:nvGrpSpPr>
+      <p:grpSpPr>
+        <a:xfrm>
+          <a:off x="0" y="0"/>
+          <a:ext cx="0" cy="0"/>
+          <a:chOff x="0" y="0"/>
+          <a:chExt cx="0" cy="0"/>
+        </a:xfrm>
+      </p:grpSpPr>
+      <p:sp>
+        <p:nvSpPr>
+          <p:cNvPr id="71" name="Rectangle 70">
+            <a:extLst>
+              <a:ext uri="{FF2B5EF4-FFF2-40B4-BE49-F238E27FC236}">
+                <a16:creationId xmlns:a16="http://schemas.microsoft.com/office/drawing/2014/main" id="{867D4867-5BA7-4462-B2F6-A23F4A622AA7}"/>
+              </a:ext>
+              <a:ext uri="{C183D7F6-B498-43B3-948B-1728B52AA6E4}">
+                <adec:decorative xmlns:adec="http://schemas.microsoft.com/office/drawing/2017/decorative" val="1"/>
+              </a:ext>
+            </a:extLst>
+          </p:cNvPr>
+          <p:cNvSpPr>
+            <a:spLocks noGrp="1" noRot="1" noChangeAspect="1" noMove="1" noResize="1" noEditPoints="1" noAdjustHandles="1" noChangeArrowheads="1" noChangeShapeType="1" noTextEdit="1"/>
+          </p:cNvSpPr>
+          <p:nvPr>
+            <p:extLst>
+              <p:ext uri="{386F3935-93C4-4BCD-93E2-E3B085C9AB24}">
+                <p16:designElem xmlns:p16="http://schemas.microsoft.com/office/powerpoint/2015/main" val="1"/>
+              </p:ext>
+            </p:extLst>
+          </p:nvPr>
+        </p:nvSpPr>
+        <p:spPr>
+          <a:xfrm>
+            <a:off x="0" y="0"/>
+            <a:ext cx="3490722" cy="5143500"/>
+          </a:xfrm>
+          <a:prstGeom prst="rect">
+            <a:avLst/>
+          </a:prstGeom>
+          <a:solidFill>
+            <a:schemeClr val="tx1">
+              <a:lumMod val="75000"/>
+              <a:lumOff val="25000"/>
+            </a:schemeClr>
+          </a:solidFill>
+          <a:ln>
+            <a:noFill/>
+          </a:ln>
+        </p:spPr>
+        <p:style>
+          <a:lnRef idx="0">
+            <a:scrgbClr r="0" g="0" b="0"/>
+          </a:lnRef>
+          <a:fillRef idx="0">
+            <a:scrgbClr r="0" g="0" b="0"/>
+          </a:fillRef>
+          <a:effectRef idx="0">
+            <a:scrgbClr r="0" g="0" b="0"/>
+          </a:effectRef>
+          <a:fontRef idx="minor">
+            <a:schemeClr val="lt1"/>
+          </a:fontRef>
+        </p:style>
+        <p:txBody>
+          <a:bodyPr rtlCol="0" anchor="ctr"/>
+          <a:lstStyle/>
+          <a:p>
+            <a:pPr algn="ctr"/>
+            <a:endParaRPr lang="en-US"/>
+          </a:p>
+        </p:txBody>
+      </p:sp>
+      <p:sp>
+        <p:nvSpPr>
+          <p:cNvPr id="3" name="Title 2">
+            <a:extLst>
+              <a:ext uri="{FF2B5EF4-FFF2-40B4-BE49-F238E27FC236}">
+                <a16:creationId xmlns:a16="http://schemas.microsoft.com/office/drawing/2014/main" id="{63240F59-B728-4E62-8E4F-FC897FCAA564}"/>
+              </a:ext>
+            </a:extLst>
+          </p:cNvPr>
+          <p:cNvSpPr>
+            <a:spLocks noGrp="1"/>
+          </p:cNvSpPr>
+          <p:nvPr>
+            <p:ph type="title"/>
+          </p:nvPr>
+        </p:nvSpPr>
+        <p:spPr>
+          <a:xfrm>
+            <a:off x="482600" y="482600"/>
+            <a:ext cx="2522980" cy="1197986"/>
+          </a:xfrm>
+          <a:noFill/>
+          <a:ln w="19050">
+            <a:solidFill>
+              <a:schemeClr val="bg1"/>
+            </a:solidFill>
+          </a:ln>
+        </p:spPr>
+        <p:txBody>
+          <a:bodyPr wrap="square">
+            <a:normAutofit/>
+          </a:bodyPr>
+          <a:lstStyle/>
+          <a:p>
+            <a:pPr algn="ctr"/>
+            <a:r>
+              <a:rPr lang="en-US" sz="2100" dirty="0"/>
+              <a:t>Data Preparation</a:t>
+            </a:r>
+          </a:p>
+        </p:txBody>
+      </p:sp>
+      <p:sp>
+        <p:nvSpPr>
+          <p:cNvPr id="2" name="Content Placeholder 1">
+            <a:extLst>
+              <a:ext uri="{FF2B5EF4-FFF2-40B4-BE49-F238E27FC236}">
+                <a16:creationId xmlns:a16="http://schemas.microsoft.com/office/drawing/2014/main" id="{B45B095B-64D1-4F3C-990E-3AD62B6A5031}"/>
+              </a:ext>
+            </a:extLst>
+          </p:cNvPr>
+          <p:cNvSpPr>
+            <a:spLocks noGrp="1"/>
+          </p:cNvSpPr>
+          <p:nvPr>
+            <p:ph idx="1"/>
+          </p:nvPr>
+        </p:nvSpPr>
+        <p:spPr>
+          <a:xfrm>
+            <a:off x="482601" y="1978533"/>
+            <a:ext cx="2522980" cy="2561716"/>
+          </a:xfrm>
+        </p:spPr>
+        <p:txBody>
+          <a:bodyPr>
+            <a:normAutofit/>
+          </a:bodyPr>
+          <a:lstStyle/>
+          <a:p>
+            <a:r>
+              <a:rPr lang="en-US" sz="1500" dirty="0">
+                <a:solidFill>
+                  <a:schemeClr val="bg1"/>
+                </a:solidFill>
+              </a:rPr>
+              <a:t>Creating base analytics table.</a:t>
+            </a:r>
+          </a:p>
+          <a:p>
+            <a:r>
+              <a:rPr lang="en-US" sz="1500" dirty="0">
+                <a:solidFill>
+                  <a:schemeClr val="bg1"/>
+                </a:solidFill>
+              </a:rPr>
+              <a:t>Create unique fields, tease out more information.</a:t>
+            </a:r>
+          </a:p>
+          <a:p>
+            <a:r>
+              <a:rPr lang="en-US" sz="1500" dirty="0">
+                <a:solidFill>
+                  <a:schemeClr val="bg1"/>
+                </a:solidFill>
+              </a:rPr>
+              <a:t>Creating dummy variables (as needed)</a:t>
+            </a:r>
+          </a:p>
+        </p:txBody>
+      </p:sp>
+      <p:pic>
+        <p:nvPicPr>
+          <p:cNvPr id="1026" name="Picture 2" descr="https://upload.wikimedia.org/wikipedia/commons/thumb/b/b9/CRISP-DM_Process_Diagram.png/800px-CRISP-DM_Process_Diagram.png">
+            <a:extLst>
+              <a:ext uri="{FF2B5EF4-FFF2-40B4-BE49-F238E27FC236}">
+                <a16:creationId xmlns:a16="http://schemas.microsoft.com/office/drawing/2014/main" id="{421C6C38-E4E0-497E-97E9-11A0E5ED52CA}"/>
+              </a:ext>
+            </a:extLst>
+          </p:cNvPr>
+          <p:cNvPicPr>
+            <a:picLocks noChangeAspect="1" noChangeArrowheads="1"/>
+          </p:cNvPicPr>
+          <p:nvPr/>
+        </p:nvPicPr>
+        <p:blipFill>
+          <a:blip r:embed="rId2">
+            <a:extLst>
+              <a:ext uri="{28A0092B-C50C-407E-A947-70E740481C1C}">
+                <a14:useLocalDpi xmlns:a14="http://schemas.microsoft.com/office/drawing/2010/main" val="0"/>
+              </a:ext>
+            </a:extLst>
+          </a:blip>
+          <a:srcRect/>
+          <a:stretch>
+            <a:fillRect/>
+          </a:stretch>
+        </p:blipFill>
+        <p:spPr bwMode="auto">
+          <a:xfrm>
+            <a:off x="4293608" y="482600"/>
+            <a:ext cx="4047504" cy="4057649"/>
+          </a:xfrm>
+          <a:prstGeom prst="rect">
+            <a:avLst/>
+          </a:prstGeom>
+          <a:noFill/>
+          <a:extLst>
+            <a:ext uri="{909E8E84-426E-40DD-AFC4-6F175D3DCCD1}">
+              <a14:hiddenFill xmlns:a14="http://schemas.microsoft.com/office/drawing/2010/main">
+                <a:solidFill>
+                  <a:srgbClr val="FFFFFF"/>
+                </a:solidFill>
+              </a14:hiddenFill>
+            </a:ext>
+          </a:extLst>
+        </p:spPr>
+      </p:pic>
+    </p:spTree>
+    <p:extLst>
+      <p:ext uri="{BB962C8B-B14F-4D97-AF65-F5344CB8AC3E}">
+        <p14:creationId xmlns:p14="http://schemas.microsoft.com/office/powerpoint/2010/main" val="1523803648"/>
+      </p:ext>
+    </p:extLst>
+  </p:cSld>
+  <p:clrMapOvr>
+    <a:masterClrMapping/>
+  </p:clrMapOvr>
+</p:sld>
+</file>
+
+<file path=ppt/slides/slide6.xml><?xml version="1.0" encoding="utf-8"?>
+<p:sld xmlns:a="http://schemas.openxmlformats.org/drawingml/2006/main" xmlns:r="http://schemas.openxmlformats.org/officeDocument/2006/relationships" xmlns:p="http://schemas.openxmlformats.org/presentationml/2006/main">
+  <p:cSld>
+    <p:bg>
+      <p:bgPr>
+        <a:solidFill>
+          <a:schemeClr val="bg1"/>
+        </a:solidFill>
+        <a:effectLst/>
+      </p:bgPr>
+    </p:bg>
+    <p:spTree>
+      <p:nvGrpSpPr>
+        <p:cNvPr id="1" name=""/>
+        <p:cNvGrpSpPr/>
+        <p:nvPr/>
+      </p:nvGrpSpPr>
+      <p:grpSpPr>
+        <a:xfrm>
+          <a:off x="0" y="0"/>
+          <a:ext cx="0" cy="0"/>
+          <a:chOff x="0" y="0"/>
+          <a:chExt cx="0" cy="0"/>
+        </a:xfrm>
+      </p:grpSpPr>
+      <p:sp>
+        <p:nvSpPr>
+          <p:cNvPr id="71" name="Rectangle 70">
+            <a:extLst>
+              <a:ext uri="{FF2B5EF4-FFF2-40B4-BE49-F238E27FC236}">
+                <a16:creationId xmlns:a16="http://schemas.microsoft.com/office/drawing/2014/main" id="{867D4867-5BA7-4462-B2F6-A23F4A622AA7}"/>
+              </a:ext>
+              <a:ext uri="{C183D7F6-B498-43B3-948B-1728B52AA6E4}">
+                <adec:decorative xmlns:adec="http://schemas.microsoft.com/office/drawing/2017/decorative" val="1"/>
+              </a:ext>
+            </a:extLst>
+          </p:cNvPr>
+          <p:cNvSpPr>
+            <a:spLocks noGrp="1" noRot="1" noChangeAspect="1" noMove="1" noResize="1" noEditPoints="1" noAdjustHandles="1" noChangeArrowheads="1" noChangeShapeType="1" noTextEdit="1"/>
+          </p:cNvSpPr>
+          <p:nvPr>
+            <p:extLst>
+              <p:ext uri="{386F3935-93C4-4BCD-93E2-E3B085C9AB24}">
+                <p16:designElem xmlns:p16="http://schemas.microsoft.com/office/powerpoint/2015/main" val="1"/>
+              </p:ext>
+            </p:extLst>
+          </p:nvPr>
+        </p:nvSpPr>
+        <p:spPr>
+          <a:xfrm>
+            <a:off x="0" y="0"/>
+            <a:ext cx="3490722" cy="5143500"/>
+          </a:xfrm>
+          <a:prstGeom prst="rect">
+            <a:avLst/>
+          </a:prstGeom>
+          <a:solidFill>
+            <a:schemeClr val="tx1">
+              <a:lumMod val="75000"/>
+              <a:lumOff val="25000"/>
+            </a:schemeClr>
+          </a:solidFill>
+          <a:ln>
+            <a:noFill/>
+          </a:ln>
+        </p:spPr>
+        <p:style>
+          <a:lnRef idx="0">
+            <a:scrgbClr r="0" g="0" b="0"/>
+          </a:lnRef>
+          <a:fillRef idx="0">
+            <a:scrgbClr r="0" g="0" b="0"/>
+          </a:fillRef>
+          <a:effectRef idx="0">
+            <a:scrgbClr r="0" g="0" b="0"/>
+          </a:effectRef>
+          <a:fontRef idx="minor">
+            <a:schemeClr val="lt1"/>
+          </a:fontRef>
+        </p:style>
+        <p:txBody>
+          <a:bodyPr rtlCol="0" anchor="ctr"/>
+          <a:lstStyle/>
+          <a:p>
+            <a:pPr algn="ctr"/>
+            <a:endParaRPr lang="en-US"/>
+          </a:p>
+        </p:txBody>
+      </p:sp>
+      <p:sp>
+        <p:nvSpPr>
+          <p:cNvPr id="3" name="Title 2">
+            <a:extLst>
+              <a:ext uri="{FF2B5EF4-FFF2-40B4-BE49-F238E27FC236}">
+                <a16:creationId xmlns:a16="http://schemas.microsoft.com/office/drawing/2014/main" id="{63240F59-B728-4E62-8E4F-FC897FCAA564}"/>
+              </a:ext>
+            </a:extLst>
+          </p:cNvPr>
+          <p:cNvSpPr>
+            <a:spLocks noGrp="1"/>
+          </p:cNvSpPr>
+          <p:nvPr>
+            <p:ph type="title"/>
+          </p:nvPr>
+        </p:nvSpPr>
+        <p:spPr>
+          <a:xfrm>
+            <a:off x="482600" y="482600"/>
+            <a:ext cx="2522980" cy="1197986"/>
+          </a:xfrm>
+          <a:noFill/>
+          <a:ln w="19050">
+            <a:solidFill>
+              <a:schemeClr val="bg1"/>
+            </a:solidFill>
+          </a:ln>
+        </p:spPr>
+        <p:txBody>
+          <a:bodyPr wrap="square">
+            <a:normAutofit/>
+          </a:bodyPr>
+          <a:lstStyle/>
+          <a:p>
+            <a:pPr algn="ctr"/>
+            <a:r>
+              <a:rPr lang="en-US" sz="2100" dirty="0"/>
+              <a:t>Modelling</a:t>
+            </a:r>
+          </a:p>
+        </p:txBody>
+      </p:sp>
+      <p:sp>
+        <p:nvSpPr>
+          <p:cNvPr id="2" name="Content Placeholder 1">
+            <a:extLst>
+              <a:ext uri="{FF2B5EF4-FFF2-40B4-BE49-F238E27FC236}">
+                <a16:creationId xmlns:a16="http://schemas.microsoft.com/office/drawing/2014/main" id="{B45B095B-64D1-4F3C-990E-3AD62B6A5031}"/>
+              </a:ext>
+            </a:extLst>
+          </p:cNvPr>
+          <p:cNvSpPr>
+            <a:spLocks noGrp="1"/>
+          </p:cNvSpPr>
+          <p:nvPr>
+            <p:ph idx="1"/>
+          </p:nvPr>
+        </p:nvSpPr>
+        <p:spPr>
+          <a:xfrm>
+            <a:off x="482601" y="1978533"/>
+            <a:ext cx="2522980" cy="2561716"/>
+          </a:xfrm>
+        </p:spPr>
+        <p:txBody>
+          <a:bodyPr>
+            <a:normAutofit/>
+          </a:bodyPr>
+          <a:lstStyle/>
+          <a:p>
+            <a:r>
+              <a:rPr lang="en-US" sz="1500" dirty="0">
+                <a:solidFill>
+                  <a:schemeClr val="bg1"/>
+                </a:solidFill>
+              </a:rPr>
+              <a:t>Grid-searching model types and parameters.</a:t>
+            </a:r>
+          </a:p>
+          <a:p>
+            <a:r>
+              <a:rPr lang="en-US" sz="1500" dirty="0">
+                <a:solidFill>
+                  <a:schemeClr val="bg1"/>
+                </a:solidFill>
+              </a:rPr>
+              <a:t>Re-tuning models.</a:t>
+            </a:r>
+          </a:p>
+          <a:p>
+            <a:r>
+              <a:rPr lang="en-US" sz="1500" dirty="0">
+                <a:solidFill>
+                  <a:schemeClr val="bg1"/>
+                </a:solidFill>
+              </a:rPr>
+              <a:t>Testing models against each-other.</a:t>
+            </a:r>
+          </a:p>
+        </p:txBody>
+      </p:sp>
+      <p:pic>
+        <p:nvPicPr>
+          <p:cNvPr id="1026" name="Picture 2" descr="https://upload.wikimedia.org/wikipedia/commons/thumb/b/b9/CRISP-DM_Process_Diagram.png/800px-CRISP-DM_Process_Diagram.png">
+            <a:extLst>
+              <a:ext uri="{FF2B5EF4-FFF2-40B4-BE49-F238E27FC236}">
+                <a16:creationId xmlns:a16="http://schemas.microsoft.com/office/drawing/2014/main" id="{421C6C38-E4E0-497E-97E9-11A0E5ED52CA}"/>
+              </a:ext>
+            </a:extLst>
+          </p:cNvPr>
+          <p:cNvPicPr>
+            <a:picLocks noChangeAspect="1" noChangeArrowheads="1"/>
+          </p:cNvPicPr>
+          <p:nvPr/>
+        </p:nvPicPr>
+        <p:blipFill>
+          <a:blip r:embed="rId2">
+            <a:extLst>
+              <a:ext uri="{28A0092B-C50C-407E-A947-70E740481C1C}">
+                <a14:useLocalDpi xmlns:a14="http://schemas.microsoft.com/office/drawing/2010/main" val="0"/>
+              </a:ext>
+            </a:extLst>
+          </a:blip>
+          <a:srcRect/>
+          <a:stretch>
+            <a:fillRect/>
+          </a:stretch>
+        </p:blipFill>
+        <p:spPr bwMode="auto">
+          <a:xfrm>
+            <a:off x="4293608" y="482600"/>
+            <a:ext cx="4047504" cy="4057649"/>
+          </a:xfrm>
+          <a:prstGeom prst="rect">
+            <a:avLst/>
+          </a:prstGeom>
+          <a:noFill/>
+          <a:extLst>
+            <a:ext uri="{909E8E84-426E-40DD-AFC4-6F175D3DCCD1}">
+              <a14:hiddenFill xmlns:a14="http://schemas.microsoft.com/office/drawing/2010/main">
+                <a:solidFill>
+                  <a:srgbClr val="FFFFFF"/>
+                </a:solidFill>
+              </a14:hiddenFill>
+            </a:ext>
+          </a:extLst>
+        </p:spPr>
+      </p:pic>
+    </p:spTree>
+    <p:extLst>
+      <p:ext uri="{BB962C8B-B14F-4D97-AF65-F5344CB8AC3E}">
+        <p14:creationId xmlns:p14="http://schemas.microsoft.com/office/powerpoint/2010/main" val="1777208435"/>
+      </p:ext>
+    </p:extLst>
+  </p:cSld>
+  <p:clrMapOvr>
+    <a:masterClrMapping/>
+  </p:clrMapOvr>
+</p:sld>
+</file>
+
+<file path=ppt/slides/slide7.xml><?xml version="1.0" encoding="utf-8"?>
+<p:sld xmlns:a="http://schemas.openxmlformats.org/drawingml/2006/main" xmlns:r="http://schemas.openxmlformats.org/officeDocument/2006/relationships" xmlns:p="http://schemas.openxmlformats.org/presentationml/2006/main">
+  <p:cSld>
+    <p:bg>
+      <p:bgPr>
+        <a:solidFill>
+          <a:schemeClr val="bg1"/>
+        </a:solidFill>
+        <a:effectLst/>
+      </p:bgPr>
+    </p:bg>
+    <p:spTree>
+      <p:nvGrpSpPr>
+        <p:cNvPr id="1" name=""/>
+        <p:cNvGrpSpPr/>
+        <p:nvPr/>
+      </p:nvGrpSpPr>
+      <p:grpSpPr>
+        <a:xfrm>
+          <a:off x="0" y="0"/>
+          <a:ext cx="0" cy="0"/>
+          <a:chOff x="0" y="0"/>
+          <a:chExt cx="0" cy="0"/>
+        </a:xfrm>
+      </p:grpSpPr>
+      <p:sp>
+        <p:nvSpPr>
+          <p:cNvPr id="71" name="Rectangle 70">
+            <a:extLst>
+              <a:ext uri="{FF2B5EF4-FFF2-40B4-BE49-F238E27FC236}">
+                <a16:creationId xmlns:a16="http://schemas.microsoft.com/office/drawing/2014/main" id="{867D4867-5BA7-4462-B2F6-A23F4A622AA7}"/>
+              </a:ext>
+              <a:ext uri="{C183D7F6-B498-43B3-948B-1728B52AA6E4}">
+                <adec:decorative xmlns:adec="http://schemas.microsoft.com/office/drawing/2017/decorative" val="1"/>
+              </a:ext>
+            </a:extLst>
+          </p:cNvPr>
+          <p:cNvSpPr>
+            <a:spLocks noGrp="1" noRot="1" noChangeAspect="1" noMove="1" noResize="1" noEditPoints="1" noAdjustHandles="1" noChangeArrowheads="1" noChangeShapeType="1" noTextEdit="1"/>
+          </p:cNvSpPr>
+          <p:nvPr>
+            <p:extLst>
+              <p:ext uri="{386F3935-93C4-4BCD-93E2-E3B085C9AB24}">
+                <p16:designElem xmlns:p16="http://schemas.microsoft.com/office/powerpoint/2015/main" val="1"/>
+              </p:ext>
+            </p:extLst>
+          </p:nvPr>
+        </p:nvSpPr>
+        <p:spPr>
+          <a:xfrm>
+            <a:off x="0" y="0"/>
+            <a:ext cx="3490722" cy="5143500"/>
+          </a:xfrm>
+          <a:prstGeom prst="rect">
+            <a:avLst/>
+          </a:prstGeom>
+          <a:solidFill>
+            <a:schemeClr val="tx1">
+              <a:lumMod val="75000"/>
+              <a:lumOff val="25000"/>
+            </a:schemeClr>
+          </a:solidFill>
+          <a:ln>
+            <a:noFill/>
+          </a:ln>
+        </p:spPr>
+        <p:style>
+          <a:lnRef idx="0">
+            <a:scrgbClr r="0" g="0" b="0"/>
+          </a:lnRef>
+          <a:fillRef idx="0">
+            <a:scrgbClr r="0" g="0" b="0"/>
+          </a:fillRef>
+          <a:effectRef idx="0">
+            <a:scrgbClr r="0" g="0" b="0"/>
+          </a:effectRef>
+          <a:fontRef idx="minor">
+            <a:schemeClr val="lt1"/>
+          </a:fontRef>
+        </p:style>
+        <p:txBody>
+          <a:bodyPr rtlCol="0" anchor="ctr"/>
+          <a:lstStyle/>
+          <a:p>
+            <a:pPr algn="ctr"/>
+            <a:endParaRPr lang="en-US"/>
+          </a:p>
+        </p:txBody>
+      </p:sp>
+      <p:sp>
+        <p:nvSpPr>
+          <p:cNvPr id="3" name="Title 2">
+            <a:extLst>
+              <a:ext uri="{FF2B5EF4-FFF2-40B4-BE49-F238E27FC236}">
+                <a16:creationId xmlns:a16="http://schemas.microsoft.com/office/drawing/2014/main" id="{63240F59-B728-4E62-8E4F-FC897FCAA564}"/>
+              </a:ext>
+            </a:extLst>
+          </p:cNvPr>
+          <p:cNvSpPr>
+            <a:spLocks noGrp="1"/>
+          </p:cNvSpPr>
+          <p:nvPr>
+            <p:ph type="title"/>
+          </p:nvPr>
+        </p:nvSpPr>
+        <p:spPr>
+          <a:xfrm>
+            <a:off x="482600" y="482600"/>
+            <a:ext cx="2522980" cy="1197986"/>
+          </a:xfrm>
+          <a:noFill/>
+          <a:ln w="19050">
+            <a:solidFill>
+              <a:schemeClr val="bg1"/>
+            </a:solidFill>
+          </a:ln>
+        </p:spPr>
+        <p:txBody>
+          <a:bodyPr wrap="square">
+            <a:normAutofit/>
+          </a:bodyPr>
+          <a:lstStyle/>
+          <a:p>
+            <a:pPr algn="ctr"/>
+            <a:r>
+              <a:rPr lang="en-US" sz="2100" dirty="0"/>
+              <a:t>Evaluation</a:t>
+            </a:r>
+          </a:p>
+        </p:txBody>
+      </p:sp>
+      <p:sp>
+        <p:nvSpPr>
+          <p:cNvPr id="2" name="Content Placeholder 1">
+            <a:extLst>
+              <a:ext uri="{FF2B5EF4-FFF2-40B4-BE49-F238E27FC236}">
+                <a16:creationId xmlns:a16="http://schemas.microsoft.com/office/drawing/2014/main" id="{B45B095B-64D1-4F3C-990E-3AD62B6A5031}"/>
+              </a:ext>
+            </a:extLst>
+          </p:cNvPr>
+          <p:cNvSpPr>
+            <a:spLocks noGrp="1"/>
+          </p:cNvSpPr>
+          <p:nvPr>
+            <p:ph idx="1"/>
+          </p:nvPr>
+        </p:nvSpPr>
+        <p:spPr>
+          <a:xfrm>
+            <a:off x="482601" y="1978533"/>
+            <a:ext cx="2522980" cy="2561716"/>
+          </a:xfrm>
+        </p:spPr>
+        <p:txBody>
+          <a:bodyPr>
+            <a:normAutofit/>
+          </a:bodyPr>
+          <a:lstStyle/>
+          <a:p>
+            <a:r>
+              <a:rPr lang="en-US" sz="1500" dirty="0">
+                <a:solidFill>
+                  <a:schemeClr val="bg1"/>
+                </a:solidFill>
+              </a:rPr>
+              <a:t>Understanding impact (ROC and scoring)</a:t>
+            </a:r>
+          </a:p>
+          <a:p>
+            <a:r>
+              <a:rPr lang="en-US" sz="1500" dirty="0">
+                <a:solidFill>
+                  <a:schemeClr val="bg1"/>
+                </a:solidFill>
+              </a:rPr>
+              <a:t>Accomplish goals set in step 1?</a:t>
+            </a:r>
+          </a:p>
+          <a:p>
+            <a:endParaRPr lang="en-US" sz="1500" dirty="0">
+              <a:solidFill>
+                <a:schemeClr val="bg1"/>
+              </a:solidFill>
+            </a:endParaRPr>
+          </a:p>
+        </p:txBody>
+      </p:sp>
+      <p:pic>
+        <p:nvPicPr>
+          <p:cNvPr id="1026" name="Picture 2" descr="https://upload.wikimedia.org/wikipedia/commons/thumb/b/b9/CRISP-DM_Process_Diagram.png/800px-CRISP-DM_Process_Diagram.png">
+            <a:extLst>
+              <a:ext uri="{FF2B5EF4-FFF2-40B4-BE49-F238E27FC236}">
+                <a16:creationId xmlns:a16="http://schemas.microsoft.com/office/drawing/2014/main" id="{421C6C38-E4E0-497E-97E9-11A0E5ED52CA}"/>
+              </a:ext>
+            </a:extLst>
+          </p:cNvPr>
+          <p:cNvPicPr>
+            <a:picLocks noChangeAspect="1" noChangeArrowheads="1"/>
+          </p:cNvPicPr>
+          <p:nvPr/>
+        </p:nvPicPr>
+        <p:blipFill>
+          <a:blip r:embed="rId2">
+            <a:extLst>
+              <a:ext uri="{28A0092B-C50C-407E-A947-70E740481C1C}">
+                <a14:useLocalDpi xmlns:a14="http://schemas.microsoft.com/office/drawing/2010/main" val="0"/>
+              </a:ext>
+            </a:extLst>
+          </a:blip>
+          <a:srcRect/>
+          <a:stretch>
+            <a:fillRect/>
+          </a:stretch>
+        </p:blipFill>
+        <p:spPr bwMode="auto">
+          <a:xfrm>
+            <a:off x="4293608" y="482600"/>
+            <a:ext cx="4047504" cy="4057649"/>
+          </a:xfrm>
+          <a:prstGeom prst="rect">
+            <a:avLst/>
+          </a:prstGeom>
+          <a:noFill/>
+          <a:extLst>
+            <a:ext uri="{909E8E84-426E-40DD-AFC4-6F175D3DCCD1}">
+              <a14:hiddenFill xmlns:a14="http://schemas.microsoft.com/office/drawing/2010/main">
+                <a:solidFill>
+                  <a:srgbClr val="FFFFFF"/>
+                </a:solidFill>
+              </a14:hiddenFill>
+            </a:ext>
+          </a:extLst>
+        </p:spPr>
+      </p:pic>
+    </p:spTree>
+    <p:extLst>
+      <p:ext uri="{BB962C8B-B14F-4D97-AF65-F5344CB8AC3E}">
+        <p14:creationId xmlns:p14="http://schemas.microsoft.com/office/powerpoint/2010/main" val="1872096937"/>
+      </p:ext>
+    </p:extLst>
+  </p:cSld>
+  <p:clrMapOvr>
+    <a:masterClrMapping/>
+  </p:clrMapOvr>
+</p:sld>
+</file>
+
+<file path=ppt/slides/slide8.xml><?xml version="1.0" encoding="utf-8"?>
+<p:sld xmlns:a="http://schemas.openxmlformats.org/drawingml/2006/main" xmlns:r="http://schemas.openxmlformats.org/officeDocument/2006/relationships" xmlns:p="http://schemas.openxmlformats.org/presentationml/2006/main">
+  <p:cSld>
+    <p:bg>
+      <p:bgPr>
+        <a:solidFill>
+          <a:schemeClr val="bg1"/>
+        </a:solidFill>
+        <a:effectLst/>
+      </p:bgPr>
+    </p:bg>
+    <p:spTree>
+      <p:nvGrpSpPr>
+        <p:cNvPr id="1" name=""/>
+        <p:cNvGrpSpPr/>
+        <p:nvPr/>
+      </p:nvGrpSpPr>
+      <p:grpSpPr>
+        <a:xfrm>
+          <a:off x="0" y="0"/>
+          <a:ext cx="0" cy="0"/>
+          <a:chOff x="0" y="0"/>
+          <a:chExt cx="0" cy="0"/>
+        </a:xfrm>
+      </p:grpSpPr>
+      <p:sp>
+        <p:nvSpPr>
+          <p:cNvPr id="71" name="Rectangle 70">
+            <a:extLst>
+              <a:ext uri="{FF2B5EF4-FFF2-40B4-BE49-F238E27FC236}">
+                <a16:creationId xmlns:a16="http://schemas.microsoft.com/office/drawing/2014/main" id="{867D4867-5BA7-4462-B2F6-A23F4A622AA7}"/>
+              </a:ext>
+              <a:ext uri="{C183D7F6-B498-43B3-948B-1728B52AA6E4}">
+                <adec:decorative xmlns:adec="http://schemas.microsoft.com/office/drawing/2017/decorative" val="1"/>
+              </a:ext>
+            </a:extLst>
+          </p:cNvPr>
+          <p:cNvSpPr>
+            <a:spLocks noGrp="1" noRot="1" noChangeAspect="1" noMove="1" noResize="1" noEditPoints="1" noAdjustHandles="1" noChangeArrowheads="1" noChangeShapeType="1" noTextEdit="1"/>
+          </p:cNvSpPr>
+          <p:nvPr>
+            <p:extLst>
+              <p:ext uri="{386F3935-93C4-4BCD-93E2-E3B085C9AB24}">
+                <p16:designElem xmlns:p16="http://schemas.microsoft.com/office/powerpoint/2015/main" val="1"/>
+              </p:ext>
+            </p:extLst>
+          </p:nvPr>
+        </p:nvSpPr>
+        <p:spPr>
+          <a:xfrm>
+            <a:off x="0" y="0"/>
+            <a:ext cx="3490722" cy="5143500"/>
+          </a:xfrm>
+          <a:prstGeom prst="rect">
+            <a:avLst/>
+          </a:prstGeom>
+          <a:solidFill>
+            <a:schemeClr val="tx1">
+              <a:lumMod val="75000"/>
+              <a:lumOff val="25000"/>
+            </a:schemeClr>
+          </a:solidFill>
+          <a:ln>
+            <a:noFill/>
+          </a:ln>
+        </p:spPr>
+        <p:style>
+          <a:lnRef idx="0">
+            <a:scrgbClr r="0" g="0" b="0"/>
+          </a:lnRef>
+          <a:fillRef idx="0">
+            <a:scrgbClr r="0" g="0" b="0"/>
+          </a:fillRef>
+          <a:effectRef idx="0">
+            <a:scrgbClr r="0" g="0" b="0"/>
+          </a:effectRef>
+          <a:fontRef idx="minor">
+            <a:schemeClr val="lt1"/>
+          </a:fontRef>
+        </p:style>
+        <p:txBody>
+          <a:bodyPr rtlCol="0" anchor="ctr"/>
+          <a:lstStyle/>
+          <a:p>
+            <a:pPr algn="ctr"/>
+            <a:endParaRPr lang="en-US"/>
+          </a:p>
+        </p:txBody>
+      </p:sp>
+      <p:sp>
+        <p:nvSpPr>
+          <p:cNvPr id="3" name="Title 2">
+            <a:extLst>
+              <a:ext uri="{FF2B5EF4-FFF2-40B4-BE49-F238E27FC236}">
+                <a16:creationId xmlns:a16="http://schemas.microsoft.com/office/drawing/2014/main" id="{63240F59-B728-4E62-8E4F-FC897FCAA564}"/>
+              </a:ext>
+            </a:extLst>
+          </p:cNvPr>
+          <p:cNvSpPr>
+            <a:spLocks noGrp="1"/>
+          </p:cNvSpPr>
+          <p:nvPr>
+            <p:ph type="title"/>
+          </p:nvPr>
+        </p:nvSpPr>
+        <p:spPr>
+          <a:xfrm>
+            <a:off x="482600" y="482600"/>
+            <a:ext cx="2522980" cy="1197986"/>
+          </a:xfrm>
+          <a:noFill/>
+          <a:ln w="19050">
+            <a:solidFill>
+              <a:schemeClr val="bg1"/>
+            </a:solidFill>
+          </a:ln>
+        </p:spPr>
+        <p:txBody>
+          <a:bodyPr wrap="square">
+            <a:normAutofit/>
+          </a:bodyPr>
+          <a:lstStyle/>
+          <a:p>
+            <a:pPr algn="ctr"/>
+            <a:r>
+              <a:rPr lang="en-US" sz="2100" dirty="0"/>
+              <a:t>Deployment</a:t>
+            </a:r>
+          </a:p>
+        </p:txBody>
+      </p:sp>
+      <p:sp>
+        <p:nvSpPr>
+          <p:cNvPr id="2" name="Content Placeholder 1">
+            <a:extLst>
+              <a:ext uri="{FF2B5EF4-FFF2-40B4-BE49-F238E27FC236}">
+                <a16:creationId xmlns:a16="http://schemas.microsoft.com/office/drawing/2014/main" id="{B45B095B-64D1-4F3C-990E-3AD62B6A5031}"/>
+              </a:ext>
+            </a:extLst>
+          </p:cNvPr>
+          <p:cNvSpPr>
+            <a:spLocks noGrp="1"/>
+          </p:cNvSpPr>
+          <p:nvPr>
+            <p:ph idx="1"/>
+          </p:nvPr>
+        </p:nvSpPr>
+        <p:spPr>
+          <a:xfrm>
+            <a:off x="482601" y="1978533"/>
+            <a:ext cx="2522980" cy="2561716"/>
+          </a:xfrm>
+        </p:spPr>
+        <p:txBody>
+          <a:bodyPr>
+            <a:normAutofit/>
+          </a:bodyPr>
+          <a:lstStyle/>
+          <a:p>
+            <a:r>
+              <a:rPr lang="en-US" sz="1500" dirty="0">
+                <a:solidFill>
+                  <a:schemeClr val="bg1"/>
+                </a:solidFill>
+              </a:rPr>
+              <a:t>Automate model</a:t>
+            </a:r>
+          </a:p>
+          <a:p>
+            <a:pPr lvl="1"/>
+            <a:r>
+              <a:rPr lang="en-US" sz="1500" dirty="0">
+                <a:solidFill>
+                  <a:schemeClr val="bg1"/>
+                </a:solidFill>
+              </a:rPr>
+              <a:t>Application</a:t>
+            </a:r>
+          </a:p>
+          <a:p>
+            <a:pPr lvl="1"/>
+            <a:r>
+              <a:rPr lang="en-US" sz="1500" dirty="0">
+                <a:solidFill>
+                  <a:schemeClr val="bg1"/>
+                </a:solidFill>
+              </a:rPr>
+              <a:t>Single report</a:t>
+            </a:r>
+          </a:p>
+          <a:p>
+            <a:r>
+              <a:rPr lang="en-US" sz="1500" dirty="0">
+                <a:solidFill>
+                  <a:schemeClr val="bg1"/>
+                </a:solidFill>
+              </a:rPr>
+              <a:t>Part of Business Understanding</a:t>
+            </a:r>
+          </a:p>
+          <a:p>
+            <a:pPr lvl="1"/>
+            <a:endParaRPr lang="en-US" sz="1500" dirty="0">
+              <a:solidFill>
+                <a:schemeClr val="bg1"/>
+              </a:solidFill>
+            </a:endParaRPr>
+          </a:p>
+          <a:p>
+            <a:endParaRPr lang="en-US" sz="1500" dirty="0">
+              <a:solidFill>
+                <a:schemeClr val="bg1"/>
+              </a:solidFill>
+            </a:endParaRPr>
+          </a:p>
+        </p:txBody>
+      </p:sp>
+      <p:pic>
+        <p:nvPicPr>
+          <p:cNvPr id="1026" name="Picture 2" descr="https://upload.wikimedia.org/wikipedia/commons/thumb/b/b9/CRISP-DM_Process_Diagram.png/800px-CRISP-DM_Process_Diagram.png">
+            <a:extLst>
+              <a:ext uri="{FF2B5EF4-FFF2-40B4-BE49-F238E27FC236}">
+                <a16:creationId xmlns:a16="http://schemas.microsoft.com/office/drawing/2014/main" id="{421C6C38-E4E0-497E-97E9-11A0E5ED52CA}"/>
+              </a:ext>
+            </a:extLst>
+          </p:cNvPr>
+          <p:cNvPicPr>
+            <a:picLocks noChangeAspect="1" noChangeArrowheads="1"/>
+          </p:cNvPicPr>
+          <p:nvPr/>
+        </p:nvPicPr>
+        <p:blipFill>
+          <a:blip r:embed="rId2">
+            <a:extLst>
+              <a:ext uri="{28A0092B-C50C-407E-A947-70E740481C1C}">
+                <a14:useLocalDpi xmlns:a14="http://schemas.microsoft.com/office/drawing/2010/main" val="0"/>
+              </a:ext>
+            </a:extLst>
+          </a:blip>
+          <a:srcRect/>
+          <a:stretch>
+            <a:fillRect/>
+          </a:stretch>
+        </p:blipFill>
+        <p:spPr bwMode="auto">
+          <a:xfrm>
+            <a:off x="4293608" y="482600"/>
+            <a:ext cx="4047504" cy="4057649"/>
+          </a:xfrm>
+          <a:prstGeom prst="rect">
+            <a:avLst/>
+          </a:prstGeom>
+          <a:noFill/>
+          <a:extLst>
+            <a:ext uri="{909E8E84-426E-40DD-AFC4-6F175D3DCCD1}">
+              <a14:hiddenFill xmlns:a14="http://schemas.microsoft.com/office/drawing/2010/main">
+                <a:solidFill>
+                  <a:srgbClr val="FFFFFF"/>
+                </a:solidFill>
+              </a14:hiddenFill>
+            </a:ext>
+          </a:extLst>
+        </p:spPr>
+      </p:pic>
+    </p:spTree>
+    <p:extLst>
+      <p:ext uri="{BB962C8B-B14F-4D97-AF65-F5344CB8AC3E}">
+        <p14:creationId xmlns:p14="http://schemas.microsoft.com/office/powerpoint/2010/main" val="3048240742"/>
+      </p:ext>
+    </p:extLst>
+  </p:cSld>
+  <p:clrMapOvr>
+    <a:masterClrMapping/>
+  </p:clrMapOvr>
+</p:sld>
+</file>
+
+<file path=ppt/slides/slide9.xml><?xml version="1.0" encoding="utf-8"?>
+<p:sld xmlns:a="http://schemas.openxmlformats.org/drawingml/2006/main" xmlns:r="http://schemas.openxmlformats.org/officeDocument/2006/relationships" xmlns:p="http://schemas.openxmlformats.org/presentationml/2006/main">
+  <p:cSld>
+    <p:spTree>
+      <p:nvGrpSpPr>
+        <p:cNvPr id="1" name=""/>
+        <p:cNvGrpSpPr/>
+        <p:nvPr/>
+      </p:nvGrpSpPr>
+      <p:grpSpPr>
+        <a:xfrm>
+          <a:off x="0" y="0"/>
+          <a:ext cx="0" cy="0"/>
+          <a:chOff x="0" y="0"/>
+          <a:chExt cx="0" cy="0"/>
+        </a:xfrm>
+      </p:grpSpPr>
+      <p:sp>
+        <p:nvSpPr>
+          <p:cNvPr id="6" name="Title 5">
+            <a:extLst>
+              <a:ext uri="{FF2B5EF4-FFF2-40B4-BE49-F238E27FC236}">
+                <a16:creationId xmlns:a16="http://schemas.microsoft.com/office/drawing/2014/main" id="{898590CF-2427-48BB-8D91-FAB356CA0275}"/>
+              </a:ext>
+            </a:extLst>
+          </p:cNvPr>
+          <p:cNvSpPr>
+            <a:spLocks noGrp="1"/>
+          </p:cNvSpPr>
+          <p:nvPr>
+            <p:ph type="ctrTitle"/>
+          </p:nvPr>
+        </p:nvSpPr>
+        <p:spPr/>
+        <p:txBody>
+          <a:bodyPr/>
+          <a:lstStyle/>
+          <a:p>
+            <a:r>
+              <a:rPr lang="en-US" dirty="0"/>
+              <a:t>Short Case Study</a:t>
+            </a:r>
+          </a:p>
+        </p:txBody>
+      </p:sp>
+    </p:spTree>
+    <p:extLst>
+      <p:ext uri="{BB962C8B-B14F-4D97-AF65-F5344CB8AC3E}">
+        <p14:creationId xmlns:p14="http://schemas.microsoft.com/office/powerpoint/2010/main" val="1598818332"/>
       </p:ext>
     </p:extLst>
   </p:cSld>

--- a/Introduction/Part_0/Data Science 101.pptx
+++ b/Introduction/Part_0/Data Science 101.pptx
@@ -5,19 +5,37 @@
     <p:sldMasterId id="2147483660" r:id="rId1"/>
   </p:sldMasterIdLst>
   <p:notesMasterIdLst>
-    <p:notesMasterId r:id="rId12"/>
+    <p:notesMasterId r:id="rId30"/>
   </p:notesMasterIdLst>
   <p:sldIdLst>
     <p:sldId id="887" r:id="rId2"/>
-    <p:sldId id="888" r:id="rId3"/>
-    <p:sldId id="890" r:id="rId4"/>
-    <p:sldId id="891" r:id="rId5"/>
-    <p:sldId id="892" r:id="rId6"/>
-    <p:sldId id="893" r:id="rId7"/>
-    <p:sldId id="894" r:id="rId8"/>
-    <p:sldId id="895" r:id="rId9"/>
-    <p:sldId id="896" r:id="rId10"/>
-    <p:sldId id="897" r:id="rId11"/>
+    <p:sldId id="898" r:id="rId3"/>
+    <p:sldId id="888" r:id="rId4"/>
+    <p:sldId id="900" r:id="rId5"/>
+    <p:sldId id="891" r:id="rId6"/>
+    <p:sldId id="892" r:id="rId7"/>
+    <p:sldId id="893" r:id="rId8"/>
+    <p:sldId id="894" r:id="rId9"/>
+    <p:sldId id="895" r:id="rId10"/>
+    <p:sldId id="901" r:id="rId11"/>
+    <p:sldId id="902" r:id="rId12"/>
+    <p:sldId id="903" r:id="rId13"/>
+    <p:sldId id="904" r:id="rId14"/>
+    <p:sldId id="896" r:id="rId15"/>
+    <p:sldId id="897" r:id="rId16"/>
+    <p:sldId id="890" r:id="rId17"/>
+    <p:sldId id="905" r:id="rId18"/>
+    <p:sldId id="916" r:id="rId19"/>
+    <p:sldId id="907" r:id="rId20"/>
+    <p:sldId id="909" r:id="rId21"/>
+    <p:sldId id="910" r:id="rId22"/>
+    <p:sldId id="911" r:id="rId23"/>
+    <p:sldId id="912" r:id="rId24"/>
+    <p:sldId id="913" r:id="rId25"/>
+    <p:sldId id="914" r:id="rId26"/>
+    <p:sldId id="917" r:id="rId27"/>
+    <p:sldId id="918" r:id="rId28"/>
+    <p:sldId id="919" r:id="rId29"/>
   </p:sldIdLst>
   <p:sldSz cx="9144000" cy="5143500" type="screen16x9"/>
   <p:notesSz cx="6858000" cy="9144000"/>
@@ -196,7 +214,7 @@
             </a:lvl1pPr>
           </a:lstStyle>
           <a:p>
-            <a:endParaRPr lang="en-US"/>
+            <a:endParaRPr lang="en-US" dirty="0"/>
           </a:p>
         </p:txBody>
       </p:sp>
@@ -231,7 +249,7 @@
               <a:rPr lang="en-US" smtClean="0"/>
               <a:t>1/10/2019</a:t>
             </a:fld>
-            <a:endParaRPr lang="en-US"/>
+            <a:endParaRPr lang="en-US" dirty="0"/>
           </a:p>
         </p:txBody>
       </p:sp>
@@ -264,7 +282,7 @@
           <a:bodyPr vert="horz" lIns="91440" tIns="45720" rIns="91440" bIns="45720" rtlCol="0" anchor="ctr"/>
           <a:lstStyle/>
           <a:p>
-            <a:endParaRPr lang="en-US"/>
+            <a:endParaRPr lang="en-US" dirty="0"/>
           </a:p>
         </p:txBody>
       </p:sp>
@@ -354,7 +372,7 @@
             </a:lvl1pPr>
           </a:lstStyle>
           <a:p>
-            <a:endParaRPr lang="en-US"/>
+            <a:endParaRPr lang="en-US" dirty="0"/>
           </a:p>
         </p:txBody>
       </p:sp>
@@ -389,7 +407,7 @@
               <a:rPr lang="en-US" smtClean="0"/>
               <a:t>‹#›</a:t>
             </a:fld>
-            <a:endParaRPr lang="en-US"/>
+            <a:endParaRPr lang="en-US" dirty="0"/>
           </a:p>
         </p:txBody>
       </p:sp>
@@ -4590,14 +4608,6 @@
 <file path=ppt/slides/slide10.xml><?xml version="1.0" encoding="utf-8"?>
 <p:sld xmlns:a="http://schemas.openxmlformats.org/drawingml/2006/main" xmlns:r="http://schemas.openxmlformats.org/officeDocument/2006/relationships" xmlns:p="http://schemas.openxmlformats.org/presentationml/2006/main">
   <p:cSld>
-    <p:bg>
-      <p:bgPr>
-        <a:solidFill>
-          <a:schemeClr val="bg1"/>
-        </a:solidFill>
-        <a:effectLst/>
-      </p:bgPr>
-    </p:bg>
     <p:spTree>
       <p:nvGrpSpPr>
         <p:cNvPr id="1" name=""/>
@@ -4614,200 +4624,10 @@
       </p:grpSpPr>
       <p:sp>
         <p:nvSpPr>
-          <p:cNvPr id="39" name="Rectangle 38">
+          <p:cNvPr id="2" name="Content Placeholder 1">
             <a:extLst>
               <a:ext uri="{FF2B5EF4-FFF2-40B4-BE49-F238E27FC236}">
-                <a16:creationId xmlns:a16="http://schemas.microsoft.com/office/drawing/2014/main" id="{156189E5-8A3E-4CFD-B71B-CCD0F8495E56}"/>
-              </a:ext>
-              <a:ext uri="{C183D7F6-B498-43B3-948B-1728B52AA6E4}">
-                <adec:decorative xmlns:adec="http://schemas.microsoft.com/office/drawing/2017/decorative" val="1"/>
-              </a:ext>
-            </a:extLst>
-          </p:cNvPr>
-          <p:cNvSpPr>
-            <a:spLocks noGrp="1" noRot="1" noChangeAspect="1" noMove="1" noResize="1" noEditPoints="1" noAdjustHandles="1" noChangeArrowheads="1" noChangeShapeType="1" noTextEdit="1"/>
-          </p:cNvSpPr>
-          <p:nvPr>
-            <p:extLst>
-              <p:ext uri="{386F3935-93C4-4BCD-93E2-E3B085C9AB24}">
-                <p16:designElem xmlns:p16="http://schemas.microsoft.com/office/powerpoint/2015/main" val="1"/>
-              </p:ext>
-            </p:extLst>
-          </p:nvPr>
-        </p:nvSpPr>
-        <p:spPr>
-          <a:xfrm>
-            <a:off x="0" y="0"/>
-            <a:ext cx="3597275" cy="5143500"/>
-          </a:xfrm>
-          <a:prstGeom prst="rect">
-            <a:avLst/>
-          </a:prstGeom>
-          <a:solidFill>
-            <a:schemeClr val="tx1">
-              <a:alpha val="60000"/>
-            </a:schemeClr>
-          </a:solidFill>
-          <a:ln>
-            <a:noFill/>
-          </a:ln>
-        </p:spPr>
-        <p:style>
-          <a:lnRef idx="2">
-            <a:schemeClr val="accent1">
-              <a:shade val="50000"/>
-            </a:schemeClr>
-          </a:lnRef>
-          <a:fillRef idx="1">
-            <a:schemeClr val="accent1"/>
-          </a:fillRef>
-          <a:effectRef idx="0">
-            <a:schemeClr val="accent1"/>
-          </a:effectRef>
-          <a:fontRef idx="minor">
-            <a:schemeClr val="lt1"/>
-          </a:fontRef>
-        </p:style>
-        <p:txBody>
-          <a:bodyPr rtlCol="0" anchor="ctr"/>
-          <a:lstStyle/>
-          <a:p>
-            <a:pPr marL="0" marR="0" lvl="0" indent="0" algn="ctr" defTabSz="914400" rtl="0" eaLnBrk="1" fontAlgn="auto" latinLnBrk="0" hangingPunct="1">
-              <a:lnSpc>
-                <a:spcPct val="100000"/>
-              </a:lnSpc>
-              <a:spcBef>
-                <a:spcPts val="0"/>
-              </a:spcBef>
-              <a:spcAft>
-                <a:spcPts val="0"/>
-              </a:spcAft>
-              <a:buClrTx/>
-              <a:buSzTx/>
-              <a:buFontTx/>
-              <a:buNone/>
-              <a:tabLst/>
-              <a:defRPr/>
-            </a:pPr>
-            <a:endParaRPr kumimoji="0" lang="en-US" sz="1800" b="0" i="0" u="none" strike="noStrike" kern="1200" cap="none" spc="0" normalizeH="0" baseline="0" noProof="0">
-              <a:ln>
-                <a:noFill/>
-              </a:ln>
-              <a:solidFill>
-                <a:prstClr val="white"/>
-              </a:solidFill>
-              <a:effectLst/>
-              <a:uLnTx/>
-              <a:uFillTx/>
-              <a:latin typeface="Calibri" panose="020F0502020204030204"/>
-              <a:ea typeface="+mn-ea"/>
-              <a:cs typeface="+mn-cs"/>
-            </a:endParaRPr>
-          </a:p>
-        </p:txBody>
-      </p:sp>
-      <p:sp>
-        <p:nvSpPr>
-          <p:cNvPr id="41" name="Rectangle 40">
-            <a:extLst>
-              <a:ext uri="{FF2B5EF4-FFF2-40B4-BE49-F238E27FC236}">
-                <a16:creationId xmlns:a16="http://schemas.microsoft.com/office/drawing/2014/main" id="{BE95D989-81FA-4BAD-9AD5-E46CEDA91B36}"/>
-              </a:ext>
-              <a:ext uri="{C183D7F6-B498-43B3-948B-1728B52AA6E4}">
-                <adec:decorative xmlns:adec="http://schemas.microsoft.com/office/drawing/2017/decorative" val="1"/>
-              </a:ext>
-            </a:extLst>
-          </p:cNvPr>
-          <p:cNvSpPr>
-            <a:spLocks noGrp="1" noRot="1" noChangeAspect="1" noMove="1" noResize="1" noEditPoints="1" noAdjustHandles="1" noChangeArrowheads="1" noChangeShapeType="1" noTextEdit="1"/>
-          </p:cNvSpPr>
-          <p:nvPr>
-            <p:extLst>
-              <p:ext uri="{386F3935-93C4-4BCD-93E2-E3B085C9AB24}">
-                <p16:designElem xmlns:p16="http://schemas.microsoft.com/office/powerpoint/2015/main" val="1"/>
-              </p:ext>
-            </p:extLst>
-          </p:nvPr>
-        </p:nvSpPr>
-        <p:spPr>
-          <a:xfrm>
-            <a:off x="0" y="0"/>
-            <a:ext cx="3490719" cy="5143500"/>
-          </a:xfrm>
-          <a:prstGeom prst="rect">
-            <a:avLst/>
-          </a:prstGeom>
-          <a:solidFill>
-            <a:schemeClr val="tx1">
-              <a:lumMod val="75000"/>
-              <a:lumOff val="25000"/>
-              <a:alpha val="80000"/>
-            </a:schemeClr>
-          </a:solidFill>
-          <a:ln>
-            <a:noFill/>
-          </a:ln>
-        </p:spPr>
-        <p:style>
-          <a:lnRef idx="2">
-            <a:schemeClr val="accent1">
-              <a:shade val="50000"/>
-            </a:schemeClr>
-          </a:lnRef>
-          <a:fillRef idx="1">
-            <a:schemeClr val="accent1"/>
-          </a:fillRef>
-          <a:effectRef idx="0">
-            <a:schemeClr val="accent1"/>
-          </a:effectRef>
-          <a:fontRef idx="minor">
-            <a:schemeClr val="lt1"/>
-          </a:fontRef>
-        </p:style>
-        <p:txBody>
-          <a:bodyPr rtlCol="0" anchor="ctr"/>
-          <a:lstStyle/>
-          <a:p>
-            <a:pPr marL="0" marR="0" lvl="0" indent="0" algn="ctr" defTabSz="914400" rtl="0" eaLnBrk="1" fontAlgn="auto" latinLnBrk="0" hangingPunct="1">
-              <a:lnSpc>
-                <a:spcPct val="100000"/>
-              </a:lnSpc>
-              <a:spcBef>
-                <a:spcPts val="0"/>
-              </a:spcBef>
-              <a:spcAft>
-                <a:spcPts val="0"/>
-              </a:spcAft>
-              <a:buClrTx/>
-              <a:buSzTx/>
-              <a:buFontTx/>
-              <a:buNone/>
-              <a:tabLst/>
-              <a:defRPr/>
-            </a:pPr>
-            <a:endParaRPr kumimoji="0" lang="en-US" sz="1800" b="0" i="0" u="none" strike="noStrike" kern="1200" cap="none" spc="0" normalizeH="0" baseline="0" noProof="0">
-              <a:ln>
-                <a:noFill/>
-              </a:ln>
-              <a:solidFill>
-                <a:prstClr val="white"/>
-              </a:solidFill>
-              <a:effectLst/>
-              <a:uLnTx/>
-              <a:uFillTx/>
-              <a:latin typeface="Calibri" panose="020F0502020204030204"/>
-              <a:ea typeface="+mn-ea"/>
-              <a:cs typeface="+mn-cs"/>
-            </a:endParaRPr>
-          </a:p>
-        </p:txBody>
-      </p:sp>
-      <p:sp>
-        <p:nvSpPr>
-          <p:cNvPr id="2" name="Title 1">
-            <a:extLst>
-              <a:ext uri="{FF2B5EF4-FFF2-40B4-BE49-F238E27FC236}">
-                <a16:creationId xmlns:a16="http://schemas.microsoft.com/office/drawing/2014/main" id="{DF753F17-EDC8-4652-A59B-0C2719DF6AB4}"/>
+                <a16:creationId xmlns:a16="http://schemas.microsoft.com/office/drawing/2014/main" id="{F5A4E25B-7556-41BB-8042-DD9E41DB7CF4}"/>
               </a:ext>
             </a:extLst>
           </p:cNvPr>
@@ -4815,42 +4635,434 @@
             <a:spLocks noGrp="1"/>
           </p:cNvSpPr>
           <p:nvPr>
-            <p:ph type="ctrTitle"/>
+            <p:ph idx="1"/>
           </p:nvPr>
         </p:nvSpPr>
-        <p:spPr>
-          <a:xfrm>
-            <a:off x="603504" y="840213"/>
-            <a:ext cx="2511171" cy="2107407"/>
-          </a:xfrm>
-        </p:spPr>
+        <p:spPr/>
         <p:txBody>
-          <a:bodyPr vert="horz" lIns="91440" tIns="45720" rIns="91440" bIns="45720" rtlCol="0" anchor="b">
-            <a:normAutofit/>
-          </a:bodyPr>
+          <a:bodyPr/>
           <a:lstStyle/>
           <a:p>
-            <a:pPr algn="l" defTabSz="914400"/>
-            <a:endParaRPr lang="en-US" sz="3000" kern="1200">
-              <a:solidFill>
-                <a:schemeClr val="bg1">
-                  <a:lumMod val="85000"/>
-                  <a:lumOff val="15000"/>
-                </a:schemeClr>
-              </a:solidFill>
-              <a:latin typeface="+mj-lt"/>
-              <a:ea typeface="+mj-ea"/>
-              <a:cs typeface="+mj-cs"/>
-            </a:endParaRPr>
+            <a:r>
+              <a:rPr lang="en-US" dirty="0"/>
+              <a:t>Supervised Learning:</a:t>
+            </a:r>
+          </a:p>
+          <a:p>
+            <a:pPr lvl="1"/>
+            <a:r>
+              <a:rPr lang="en-US" dirty="0"/>
+              <a:t>Specific target we want to predict.</a:t>
+            </a:r>
+          </a:p>
+          <a:p>
+            <a:pPr lvl="1"/>
+            <a:r>
+              <a:rPr lang="en-US" dirty="0"/>
+              <a:t>Vast majority of cases.</a:t>
+            </a:r>
+          </a:p>
+          <a:p>
+            <a:r>
+              <a:rPr lang="en-US" dirty="0"/>
+              <a:t>Unsupervised Learning:</a:t>
+            </a:r>
+          </a:p>
+          <a:p>
+            <a:pPr lvl="1"/>
+            <a:r>
+              <a:rPr lang="en-US" dirty="0"/>
+              <a:t>No specific target.</a:t>
+            </a:r>
+          </a:p>
+          <a:p>
+            <a:pPr lvl="1"/>
+            <a:r>
+              <a:rPr lang="en-US" dirty="0"/>
+              <a:t>Data Understanding</a:t>
+            </a:r>
+          </a:p>
+          <a:p>
+            <a:r>
+              <a:rPr lang="en-US" dirty="0"/>
+              <a:t>Special Topics:</a:t>
+            </a:r>
+          </a:p>
+          <a:p>
+            <a:pPr lvl="1"/>
+            <a:r>
+              <a:rPr lang="en-US" dirty="0"/>
+              <a:t>Also Data Understanding</a:t>
+            </a:r>
+          </a:p>
+          <a:p>
+            <a:pPr lvl="1"/>
+            <a:r>
+              <a:rPr lang="en-US" dirty="0"/>
+              <a:t>Data Acquisition</a:t>
+            </a:r>
+          </a:p>
+          <a:p>
+            <a:pPr lvl="1"/>
+            <a:r>
+              <a:rPr lang="en-US" dirty="0"/>
+              <a:t>Automation</a:t>
+            </a:r>
+          </a:p>
+          <a:p>
+            <a:pPr lvl="2"/>
+            <a:endParaRPr lang="en-US" dirty="0"/>
+          </a:p>
+        </p:txBody>
+      </p:sp>
+      <p:sp>
+        <p:nvSpPr>
+          <p:cNvPr id="3" name="Title 2">
+            <a:extLst>
+              <a:ext uri="{FF2B5EF4-FFF2-40B4-BE49-F238E27FC236}">
+                <a16:creationId xmlns:a16="http://schemas.microsoft.com/office/drawing/2014/main" id="{0480AF6B-4FE2-4FBC-9F75-1256C0D801A1}"/>
+              </a:ext>
+            </a:extLst>
+          </p:cNvPr>
+          <p:cNvSpPr>
+            <a:spLocks noGrp="1"/>
+          </p:cNvSpPr>
+          <p:nvPr>
+            <p:ph type="title"/>
+          </p:nvPr>
+        </p:nvSpPr>
+        <p:spPr/>
+        <p:txBody>
+          <a:bodyPr/>
+          <a:lstStyle/>
+          <a:p>
+            <a:r>
+              <a:rPr lang="en-US" dirty="0"/>
+              <a:t>Use Cases</a:t>
+            </a:r>
+          </a:p>
+        </p:txBody>
+      </p:sp>
+    </p:spTree>
+    <p:extLst>
+      <p:ext uri="{BB962C8B-B14F-4D97-AF65-F5344CB8AC3E}">
+        <p14:creationId xmlns:p14="http://schemas.microsoft.com/office/powerpoint/2010/main" val="629437506"/>
+      </p:ext>
+    </p:extLst>
+  </p:cSld>
+  <p:clrMapOvr>
+    <a:masterClrMapping/>
+  </p:clrMapOvr>
+</p:sld>
+</file>
+
+<file path=ppt/slides/slide11.xml><?xml version="1.0" encoding="utf-8"?>
+<p:sld xmlns:a="http://schemas.openxmlformats.org/drawingml/2006/main" xmlns:r="http://schemas.openxmlformats.org/officeDocument/2006/relationships" xmlns:p="http://schemas.openxmlformats.org/presentationml/2006/main">
+  <p:cSld>
+    <p:spTree>
+      <p:nvGrpSpPr>
+        <p:cNvPr id="1" name=""/>
+        <p:cNvGrpSpPr/>
+        <p:nvPr/>
+      </p:nvGrpSpPr>
+      <p:grpSpPr>
+        <a:xfrm>
+          <a:off x="0" y="0"/>
+          <a:ext cx="0" cy="0"/>
+          <a:chOff x="0" y="0"/>
+          <a:chExt cx="0" cy="0"/>
+        </a:xfrm>
+      </p:grpSpPr>
+      <p:sp>
+        <p:nvSpPr>
+          <p:cNvPr id="2" name="Content Placeholder 1">
+            <a:extLst>
+              <a:ext uri="{FF2B5EF4-FFF2-40B4-BE49-F238E27FC236}">
+                <a16:creationId xmlns:a16="http://schemas.microsoft.com/office/drawing/2014/main" id="{FB09F037-96FB-4E82-BDA8-5FFFBD2471D0}"/>
+              </a:ext>
+            </a:extLst>
+          </p:cNvPr>
+          <p:cNvSpPr>
+            <a:spLocks noGrp="1"/>
+          </p:cNvSpPr>
+          <p:nvPr>
+            <p:ph idx="1"/>
+          </p:nvPr>
+        </p:nvSpPr>
+        <p:spPr/>
+        <p:txBody>
+          <a:bodyPr/>
+          <a:lstStyle/>
+          <a:p>
+            <a:r>
+              <a:rPr lang="en-US" dirty="0"/>
+              <a:t>Target that we want to predict:</a:t>
+            </a:r>
+          </a:p>
+          <a:p>
+            <a:pPr lvl="1"/>
+            <a:r>
+              <a:rPr lang="en-US" dirty="0"/>
+              <a:t>When should we expect?</a:t>
+            </a:r>
+          </a:p>
+          <a:p>
+            <a:pPr lvl="1"/>
+            <a:r>
+              <a:rPr lang="en-US" dirty="0"/>
+              <a:t>How much should we expect?</a:t>
+            </a:r>
+          </a:p>
+          <a:p>
+            <a:pPr marL="0" indent="0">
+              <a:buNone/>
+            </a:pPr>
+            <a:r>
+              <a:rPr lang="en-US" dirty="0"/>
+              <a:t>Examples:</a:t>
+            </a:r>
+          </a:p>
+          <a:p>
+            <a:r>
+              <a:rPr lang="en-US" dirty="0"/>
+              <a:t>Regression Models</a:t>
+            </a:r>
+          </a:p>
+          <a:p>
+            <a:r>
+              <a:rPr lang="en-US" dirty="0"/>
+              <a:t>Classification models</a:t>
+            </a:r>
+          </a:p>
+          <a:p>
+            <a:r>
+              <a:rPr lang="en-US" dirty="0"/>
+              <a:t>Time Series</a:t>
+            </a:r>
+          </a:p>
+          <a:p>
+            <a:endParaRPr lang="en-US" dirty="0"/>
+          </a:p>
+        </p:txBody>
+      </p:sp>
+      <p:sp>
+        <p:nvSpPr>
+          <p:cNvPr id="3" name="Title 2">
+            <a:extLst>
+              <a:ext uri="{FF2B5EF4-FFF2-40B4-BE49-F238E27FC236}">
+                <a16:creationId xmlns:a16="http://schemas.microsoft.com/office/drawing/2014/main" id="{C76C7691-6276-4539-8531-2BB5C3E893F1}"/>
+              </a:ext>
+            </a:extLst>
+          </p:cNvPr>
+          <p:cNvSpPr>
+            <a:spLocks noGrp="1"/>
+          </p:cNvSpPr>
+          <p:nvPr>
+            <p:ph type="title"/>
+          </p:nvPr>
+        </p:nvSpPr>
+        <p:spPr/>
+        <p:txBody>
+          <a:bodyPr/>
+          <a:lstStyle/>
+          <a:p>
+            <a:r>
+              <a:rPr lang="en-US" dirty="0"/>
+              <a:t>Supervised Learning</a:t>
+            </a:r>
           </a:p>
         </p:txBody>
       </p:sp>
       <p:pic>
         <p:nvPicPr>
-          <p:cNvPr id="16" name="Picture 15">
+          <p:cNvPr id="9218" name="Picture 2" descr="Image result for Supervised Learning">
             <a:extLst>
               <a:ext uri="{FF2B5EF4-FFF2-40B4-BE49-F238E27FC236}">
-                <a16:creationId xmlns:a16="http://schemas.microsoft.com/office/drawing/2014/main" id="{4793F586-F6D9-4BC9-A8D5-D18B3FDFE00E}"/>
+                <a16:creationId xmlns:a16="http://schemas.microsoft.com/office/drawing/2014/main" id="{E26ECD54-128F-40E5-A9F1-3EF06C0E8E53}"/>
+              </a:ext>
+            </a:extLst>
+          </p:cNvPr>
+          <p:cNvPicPr>
+            <a:picLocks noChangeAspect="1" noChangeArrowheads="1"/>
+          </p:cNvPicPr>
+          <p:nvPr/>
+        </p:nvPicPr>
+        <p:blipFill>
+          <a:blip r:embed="rId2">
+            <a:extLst>
+              <a:ext uri="{28A0092B-C50C-407E-A947-70E740481C1C}">
+                <a14:useLocalDpi xmlns:a14="http://schemas.microsoft.com/office/drawing/2010/main" val="0"/>
+              </a:ext>
+            </a:extLst>
+          </a:blip>
+          <a:srcRect/>
+          <a:stretch>
+            <a:fillRect/>
+          </a:stretch>
+        </p:blipFill>
+        <p:spPr bwMode="auto">
+          <a:xfrm>
+            <a:off x="4572000" y="1493400"/>
+            <a:ext cx="4572000" cy="2286000"/>
+          </a:xfrm>
+          <a:prstGeom prst="rect">
+            <a:avLst/>
+          </a:prstGeom>
+          <a:noFill/>
+          <a:extLst>
+            <a:ext uri="{909E8E84-426E-40DD-AFC4-6F175D3DCCD1}">
+              <a14:hiddenFill xmlns:a14="http://schemas.microsoft.com/office/drawing/2010/main">
+                <a:solidFill>
+                  <a:srgbClr val="FFFFFF"/>
+                </a:solidFill>
+              </a14:hiddenFill>
+            </a:ext>
+          </a:extLst>
+        </p:spPr>
+      </p:pic>
+    </p:spTree>
+    <p:extLst>
+      <p:ext uri="{BB962C8B-B14F-4D97-AF65-F5344CB8AC3E}">
+        <p14:creationId xmlns:p14="http://schemas.microsoft.com/office/powerpoint/2010/main" val="2257630195"/>
+      </p:ext>
+    </p:extLst>
+  </p:cSld>
+  <p:clrMapOvr>
+    <a:masterClrMapping/>
+  </p:clrMapOvr>
+</p:sld>
+</file>
+
+<file path=ppt/slides/slide12.xml><?xml version="1.0" encoding="utf-8"?>
+<p:sld xmlns:a="http://schemas.openxmlformats.org/drawingml/2006/main" xmlns:r="http://schemas.openxmlformats.org/officeDocument/2006/relationships" xmlns:p="http://schemas.openxmlformats.org/presentationml/2006/main">
+  <p:cSld>
+    <p:spTree>
+      <p:nvGrpSpPr>
+        <p:cNvPr id="1" name=""/>
+        <p:cNvGrpSpPr/>
+        <p:nvPr/>
+      </p:nvGrpSpPr>
+      <p:grpSpPr>
+        <a:xfrm>
+          <a:off x="0" y="0"/>
+          <a:ext cx="0" cy="0"/>
+          <a:chOff x="0" y="0"/>
+          <a:chExt cx="0" cy="0"/>
+        </a:xfrm>
+      </p:grpSpPr>
+      <p:sp>
+        <p:nvSpPr>
+          <p:cNvPr id="2" name="Content Placeholder 1">
+            <a:extLst>
+              <a:ext uri="{FF2B5EF4-FFF2-40B4-BE49-F238E27FC236}">
+                <a16:creationId xmlns:a16="http://schemas.microsoft.com/office/drawing/2014/main" id="{B2F2173F-F65E-43A1-955C-C069E7824497}"/>
+              </a:ext>
+            </a:extLst>
+          </p:cNvPr>
+          <p:cNvSpPr>
+            <a:spLocks noGrp="1"/>
+          </p:cNvSpPr>
+          <p:nvPr>
+            <p:ph idx="1"/>
+          </p:nvPr>
+        </p:nvSpPr>
+        <p:spPr>
+          <a:xfrm>
+            <a:off x="337102" y="640079"/>
+            <a:ext cx="8206268" cy="3992643"/>
+          </a:xfrm>
+        </p:spPr>
+        <p:txBody>
+          <a:bodyPr/>
+          <a:lstStyle/>
+          <a:p>
+            <a:r>
+              <a:rPr lang="en-US" dirty="0"/>
+              <a:t>No Specific Target</a:t>
+            </a:r>
+          </a:p>
+          <a:p>
+            <a:pPr lvl="1"/>
+            <a:r>
+              <a:rPr lang="en-US" dirty="0"/>
+              <a:t>Find similar groups of…</a:t>
+            </a:r>
+          </a:p>
+          <a:p>
+            <a:pPr lvl="1"/>
+            <a:r>
+              <a:rPr lang="en-US" dirty="0"/>
+              <a:t>What else would you like?</a:t>
+            </a:r>
+          </a:p>
+          <a:p>
+            <a:pPr marL="0" indent="0">
+              <a:buNone/>
+            </a:pPr>
+            <a:r>
+              <a:rPr lang="en-US" dirty="0"/>
+              <a:t>Examples:</a:t>
+            </a:r>
+          </a:p>
+          <a:p>
+            <a:r>
+              <a:rPr lang="en-US" dirty="0"/>
+              <a:t>Recommender Systems</a:t>
+            </a:r>
+          </a:p>
+          <a:p>
+            <a:r>
+              <a:rPr lang="en-US" dirty="0"/>
+              <a:t>Clustering</a:t>
+            </a:r>
+          </a:p>
+          <a:p>
+            <a:r>
+              <a:rPr lang="en-US" dirty="0"/>
+              <a:t>Natural Language Topic Modelling</a:t>
+            </a:r>
+          </a:p>
+        </p:txBody>
+      </p:sp>
+      <p:sp>
+        <p:nvSpPr>
+          <p:cNvPr id="3" name="Title 2">
+            <a:extLst>
+              <a:ext uri="{FF2B5EF4-FFF2-40B4-BE49-F238E27FC236}">
+                <a16:creationId xmlns:a16="http://schemas.microsoft.com/office/drawing/2014/main" id="{375F31B7-FAE6-4AA0-BC9C-AC1367E00E48}"/>
+              </a:ext>
+            </a:extLst>
+          </p:cNvPr>
+          <p:cNvSpPr>
+            <a:spLocks noGrp="1"/>
+          </p:cNvSpPr>
+          <p:nvPr>
+            <p:ph type="title"/>
+          </p:nvPr>
+        </p:nvSpPr>
+        <p:spPr>
+          <a:xfrm>
+            <a:off x="337102" y="77387"/>
+            <a:ext cx="7886700" cy="322504"/>
+          </a:xfrm>
+        </p:spPr>
+        <p:txBody>
+          <a:bodyPr/>
+          <a:lstStyle/>
+          <a:p>
+            <a:r>
+              <a:rPr lang="en-US" dirty="0"/>
+              <a:t>Unsupervised Learning</a:t>
+            </a:r>
+          </a:p>
+        </p:txBody>
+      </p:sp>
+      <p:pic>
+        <p:nvPicPr>
+          <p:cNvPr id="4" name="Picture 3">
+            <a:extLst>
+              <a:ext uri="{FF2B5EF4-FFF2-40B4-BE49-F238E27FC236}">
+                <a16:creationId xmlns:a16="http://schemas.microsoft.com/office/drawing/2014/main" id="{BF889A64-BEDA-413A-81B4-AFDB46D9206C}"/>
               </a:ext>
             </a:extLst>
           </p:cNvPr>
@@ -4867,8 +5079,8 @@
         </p:blipFill>
         <p:spPr>
           <a:xfrm>
-            <a:off x="4212889" y="482600"/>
-            <a:ext cx="4329843" cy="4178299"/>
+            <a:off x="5139773" y="784499"/>
+            <a:ext cx="3667125" cy="3343275"/>
           </a:xfrm>
           <a:prstGeom prst="rect">
             <a:avLst/>
@@ -4878,7 +5090,7 @@
     </p:spTree>
     <p:extLst>
       <p:ext uri="{BB962C8B-B14F-4D97-AF65-F5344CB8AC3E}">
-        <p14:creationId xmlns:p14="http://schemas.microsoft.com/office/powerpoint/2010/main" val="3728876733"/>
+        <p14:creationId xmlns:p14="http://schemas.microsoft.com/office/powerpoint/2010/main" val="2738711511"/>
       </p:ext>
     </p:extLst>
   </p:cSld>
@@ -4888,7 +5100,206 @@
 </p:sld>
 </file>
 
-<file path=ppt/slides/slide2.xml><?xml version="1.0" encoding="utf-8"?>
+<file path=ppt/slides/slide13.xml><?xml version="1.0" encoding="utf-8"?>
+<p:sld xmlns:a="http://schemas.openxmlformats.org/drawingml/2006/main" xmlns:r="http://schemas.openxmlformats.org/officeDocument/2006/relationships" xmlns:p="http://schemas.openxmlformats.org/presentationml/2006/main">
+  <p:cSld>
+    <p:spTree>
+      <p:nvGrpSpPr>
+        <p:cNvPr id="1" name=""/>
+        <p:cNvGrpSpPr/>
+        <p:nvPr/>
+      </p:nvGrpSpPr>
+      <p:grpSpPr>
+        <a:xfrm>
+          <a:off x="0" y="0"/>
+          <a:ext cx="0" cy="0"/>
+          <a:chOff x="0" y="0"/>
+          <a:chExt cx="0" cy="0"/>
+        </a:xfrm>
+      </p:grpSpPr>
+      <p:sp>
+        <p:nvSpPr>
+          <p:cNvPr id="2" name="Content Placeholder 1">
+            <a:extLst>
+              <a:ext uri="{FF2B5EF4-FFF2-40B4-BE49-F238E27FC236}">
+                <a16:creationId xmlns:a16="http://schemas.microsoft.com/office/drawing/2014/main" id="{63496A9B-1D87-41D1-BD6B-0A12E7F48049}"/>
+              </a:ext>
+            </a:extLst>
+          </p:cNvPr>
+          <p:cNvSpPr>
+            <a:spLocks noGrp="1"/>
+          </p:cNvSpPr>
+          <p:nvPr>
+            <p:ph idx="1"/>
+          </p:nvPr>
+        </p:nvSpPr>
+        <p:spPr/>
+        <p:txBody>
+          <a:bodyPr/>
+          <a:lstStyle/>
+          <a:p>
+            <a:r>
+              <a:rPr lang="en-US" dirty="0"/>
+              <a:t>Natural Language Processing (NLP)</a:t>
+            </a:r>
+          </a:p>
+          <a:p>
+            <a:r>
+              <a:rPr lang="en-US" dirty="0"/>
+              <a:t>Web Scraping</a:t>
+            </a:r>
+          </a:p>
+          <a:p>
+            <a:r>
+              <a:rPr lang="en-US" dirty="0"/>
+              <a:t>Graph Theory</a:t>
+            </a:r>
+          </a:p>
+          <a:p>
+            <a:r>
+              <a:rPr lang="en-US" dirty="0"/>
+              <a:t>Automation</a:t>
+            </a:r>
+          </a:p>
+          <a:p>
+            <a:pPr lvl="1"/>
+            <a:endParaRPr lang="en-US" dirty="0"/>
+          </a:p>
+          <a:p>
+            <a:endParaRPr lang="en-US" dirty="0"/>
+          </a:p>
+        </p:txBody>
+      </p:sp>
+      <p:sp>
+        <p:nvSpPr>
+          <p:cNvPr id="3" name="Title 2">
+            <a:extLst>
+              <a:ext uri="{FF2B5EF4-FFF2-40B4-BE49-F238E27FC236}">
+                <a16:creationId xmlns:a16="http://schemas.microsoft.com/office/drawing/2014/main" id="{FC9D543C-E456-42F0-A608-4165C53BF4B8}"/>
+              </a:ext>
+            </a:extLst>
+          </p:cNvPr>
+          <p:cNvSpPr>
+            <a:spLocks noGrp="1"/>
+          </p:cNvSpPr>
+          <p:nvPr>
+            <p:ph type="title"/>
+          </p:nvPr>
+        </p:nvSpPr>
+        <p:spPr/>
+        <p:txBody>
+          <a:bodyPr/>
+          <a:lstStyle/>
+          <a:p>
+            <a:r>
+              <a:rPr lang="en-US" dirty="0"/>
+              <a:t>Special Topics</a:t>
+            </a:r>
+          </a:p>
+        </p:txBody>
+      </p:sp>
+      <p:pic>
+        <p:nvPicPr>
+          <p:cNvPr id="6" name="Picture 5" descr="A picture containing text, map&#10;&#10;Description generated with very high confidence">
+            <a:extLst>
+              <a:ext uri="{FF2B5EF4-FFF2-40B4-BE49-F238E27FC236}">
+                <a16:creationId xmlns:a16="http://schemas.microsoft.com/office/drawing/2014/main" id="{AFA41E53-484B-44B5-8ADF-1EE4C477A976}"/>
+              </a:ext>
+            </a:extLst>
+          </p:cNvPr>
+          <p:cNvPicPr>
+            <a:picLocks noChangeAspect="1"/>
+          </p:cNvPicPr>
+          <p:nvPr/>
+        </p:nvPicPr>
+        <p:blipFill>
+          <a:blip r:embed="rId2"/>
+          <a:stretch>
+            <a:fillRect/>
+          </a:stretch>
+        </p:blipFill>
+        <p:spPr>
+          <a:xfrm>
+            <a:off x="4266010" y="1051302"/>
+            <a:ext cx="4540888" cy="3040895"/>
+          </a:xfrm>
+          <a:prstGeom prst="rect">
+            <a:avLst/>
+          </a:prstGeom>
+        </p:spPr>
+      </p:pic>
+    </p:spTree>
+    <p:extLst>
+      <p:ext uri="{BB962C8B-B14F-4D97-AF65-F5344CB8AC3E}">
+        <p14:creationId xmlns:p14="http://schemas.microsoft.com/office/powerpoint/2010/main" val="21804440"/>
+      </p:ext>
+    </p:extLst>
+  </p:cSld>
+  <p:clrMapOvr>
+    <a:masterClrMapping/>
+  </p:clrMapOvr>
+</p:sld>
+</file>
+
+<file path=ppt/slides/slide14.xml><?xml version="1.0" encoding="utf-8"?>
+<p:sld xmlns:a="http://schemas.openxmlformats.org/drawingml/2006/main" xmlns:r="http://schemas.openxmlformats.org/officeDocument/2006/relationships" xmlns:p="http://schemas.openxmlformats.org/presentationml/2006/main">
+  <p:cSld>
+    <p:spTree>
+      <p:nvGrpSpPr>
+        <p:cNvPr id="1" name=""/>
+        <p:cNvGrpSpPr/>
+        <p:nvPr/>
+      </p:nvGrpSpPr>
+      <p:grpSpPr>
+        <a:xfrm>
+          <a:off x="0" y="0"/>
+          <a:ext cx="0" cy="0"/>
+          <a:chOff x="0" y="0"/>
+          <a:chExt cx="0" cy="0"/>
+        </a:xfrm>
+      </p:grpSpPr>
+      <p:sp>
+        <p:nvSpPr>
+          <p:cNvPr id="6" name="Title 5">
+            <a:extLst>
+              <a:ext uri="{FF2B5EF4-FFF2-40B4-BE49-F238E27FC236}">
+                <a16:creationId xmlns:a16="http://schemas.microsoft.com/office/drawing/2014/main" id="{898590CF-2427-48BB-8D91-FAB356CA0275}"/>
+              </a:ext>
+            </a:extLst>
+          </p:cNvPr>
+          <p:cNvSpPr>
+            <a:spLocks noGrp="1"/>
+          </p:cNvSpPr>
+          <p:nvPr>
+            <p:ph type="ctrTitle"/>
+          </p:nvPr>
+        </p:nvSpPr>
+        <p:spPr/>
+        <p:txBody>
+          <a:bodyPr/>
+          <a:lstStyle/>
+          <a:p>
+            <a:r>
+              <a:rPr lang="en-US" dirty="0"/>
+              <a:t>Short Case Study</a:t>
+            </a:r>
+          </a:p>
+        </p:txBody>
+      </p:sp>
+    </p:spTree>
+    <p:extLst>
+      <p:ext uri="{BB962C8B-B14F-4D97-AF65-F5344CB8AC3E}">
+        <p14:creationId xmlns:p14="http://schemas.microsoft.com/office/powerpoint/2010/main" val="1598818332"/>
+      </p:ext>
+    </p:extLst>
+  </p:cSld>
+  <p:clrMapOvr>
+    <a:masterClrMapping/>
+  </p:clrMapOvr>
+</p:sld>
+</file>
+
+<file path=ppt/slides/slide15.xml><?xml version="1.0" encoding="utf-8"?>
 <p:sld xmlns:a="http://schemas.openxmlformats.org/drawingml/2006/main" xmlns:r="http://schemas.openxmlformats.org/officeDocument/2006/relationships" xmlns:p="http://schemas.openxmlformats.org/presentationml/2006/main">
   <p:cSld>
     <p:bg>
@@ -4915,7 +5326,311 @@
       </p:grpSpPr>
       <p:sp>
         <p:nvSpPr>
-          <p:cNvPr id="71" name="Rectangle 70">
+          <p:cNvPr id="39" name="Rectangle 38">
+            <a:extLst>
+              <a:ext uri="{FF2B5EF4-FFF2-40B4-BE49-F238E27FC236}">
+                <a16:creationId xmlns:a16="http://schemas.microsoft.com/office/drawing/2014/main" id="{156189E5-8A3E-4CFD-B71B-CCD0F8495E56}"/>
+              </a:ext>
+              <a:ext uri="{C183D7F6-B498-43B3-948B-1728B52AA6E4}">
+                <adec:decorative xmlns:adec="http://schemas.microsoft.com/office/drawing/2017/decorative" val="1"/>
+              </a:ext>
+            </a:extLst>
+          </p:cNvPr>
+          <p:cNvSpPr>
+            <a:spLocks noGrp="1" noRot="1" noChangeAspect="1" noMove="1" noResize="1" noEditPoints="1" noAdjustHandles="1" noChangeArrowheads="1" noChangeShapeType="1" noTextEdit="1"/>
+          </p:cNvSpPr>
+          <p:nvPr>
+            <p:extLst>
+              <p:ext uri="{386F3935-93C4-4BCD-93E2-E3B085C9AB24}">
+                <p16:designElem xmlns:p16="http://schemas.microsoft.com/office/powerpoint/2015/main" val="1"/>
+              </p:ext>
+            </p:extLst>
+          </p:nvPr>
+        </p:nvSpPr>
+        <p:spPr>
+          <a:xfrm>
+            <a:off x="0" y="0"/>
+            <a:ext cx="3597275" cy="5143500"/>
+          </a:xfrm>
+          <a:prstGeom prst="rect">
+            <a:avLst/>
+          </a:prstGeom>
+          <a:solidFill>
+            <a:schemeClr val="tx1">
+              <a:alpha val="60000"/>
+            </a:schemeClr>
+          </a:solidFill>
+          <a:ln>
+            <a:noFill/>
+          </a:ln>
+        </p:spPr>
+        <p:style>
+          <a:lnRef idx="2">
+            <a:schemeClr val="accent1">
+              <a:shade val="50000"/>
+            </a:schemeClr>
+          </a:lnRef>
+          <a:fillRef idx="1">
+            <a:schemeClr val="accent1"/>
+          </a:fillRef>
+          <a:effectRef idx="0">
+            <a:schemeClr val="accent1"/>
+          </a:effectRef>
+          <a:fontRef idx="minor">
+            <a:schemeClr val="lt1"/>
+          </a:fontRef>
+        </p:style>
+        <p:txBody>
+          <a:bodyPr rtlCol="0" anchor="ctr"/>
+          <a:lstStyle/>
+          <a:p>
+            <a:pPr marL="0" marR="0" lvl="0" indent="0" algn="ctr" defTabSz="914400" rtl="0" eaLnBrk="1" fontAlgn="auto" latinLnBrk="0" hangingPunct="1">
+              <a:lnSpc>
+                <a:spcPct val="100000"/>
+              </a:lnSpc>
+              <a:spcBef>
+                <a:spcPts val="0"/>
+              </a:spcBef>
+              <a:spcAft>
+                <a:spcPts val="0"/>
+              </a:spcAft>
+              <a:buClrTx/>
+              <a:buSzTx/>
+              <a:buFontTx/>
+              <a:buNone/>
+              <a:tabLst/>
+              <a:defRPr/>
+            </a:pPr>
+            <a:endParaRPr kumimoji="0" lang="en-US" sz="1800" b="0" i="0" u="none" strike="noStrike" kern="1200" cap="none" spc="0" normalizeH="0" baseline="0" noProof="0" dirty="0">
+              <a:ln>
+                <a:noFill/>
+              </a:ln>
+              <a:solidFill>
+                <a:prstClr val="white"/>
+              </a:solidFill>
+              <a:effectLst/>
+              <a:uLnTx/>
+              <a:uFillTx/>
+              <a:latin typeface="Calibri" panose="020F0502020204030204"/>
+              <a:ea typeface="+mn-ea"/>
+              <a:cs typeface="+mn-cs"/>
+            </a:endParaRPr>
+          </a:p>
+        </p:txBody>
+      </p:sp>
+      <p:sp>
+        <p:nvSpPr>
+          <p:cNvPr id="41" name="Rectangle 40">
+            <a:extLst>
+              <a:ext uri="{FF2B5EF4-FFF2-40B4-BE49-F238E27FC236}">
+                <a16:creationId xmlns:a16="http://schemas.microsoft.com/office/drawing/2014/main" id="{BE95D989-81FA-4BAD-9AD5-E46CEDA91B36}"/>
+              </a:ext>
+              <a:ext uri="{C183D7F6-B498-43B3-948B-1728B52AA6E4}">
+                <adec:decorative xmlns:adec="http://schemas.microsoft.com/office/drawing/2017/decorative" val="1"/>
+              </a:ext>
+            </a:extLst>
+          </p:cNvPr>
+          <p:cNvSpPr>
+            <a:spLocks noGrp="1" noRot="1" noChangeAspect="1" noMove="1" noResize="1" noEditPoints="1" noAdjustHandles="1" noChangeArrowheads="1" noChangeShapeType="1" noTextEdit="1"/>
+          </p:cNvSpPr>
+          <p:nvPr>
+            <p:extLst>
+              <p:ext uri="{386F3935-93C4-4BCD-93E2-E3B085C9AB24}">
+                <p16:designElem xmlns:p16="http://schemas.microsoft.com/office/powerpoint/2015/main" val="1"/>
+              </p:ext>
+            </p:extLst>
+          </p:nvPr>
+        </p:nvSpPr>
+        <p:spPr>
+          <a:xfrm>
+            <a:off x="0" y="0"/>
+            <a:ext cx="3490719" cy="5143500"/>
+          </a:xfrm>
+          <a:prstGeom prst="rect">
+            <a:avLst/>
+          </a:prstGeom>
+          <a:solidFill>
+            <a:schemeClr val="tx1">
+              <a:lumMod val="75000"/>
+              <a:lumOff val="25000"/>
+              <a:alpha val="80000"/>
+            </a:schemeClr>
+          </a:solidFill>
+          <a:ln>
+            <a:noFill/>
+          </a:ln>
+        </p:spPr>
+        <p:style>
+          <a:lnRef idx="2">
+            <a:schemeClr val="accent1">
+              <a:shade val="50000"/>
+            </a:schemeClr>
+          </a:lnRef>
+          <a:fillRef idx="1">
+            <a:schemeClr val="accent1"/>
+          </a:fillRef>
+          <a:effectRef idx="0">
+            <a:schemeClr val="accent1"/>
+          </a:effectRef>
+          <a:fontRef idx="minor">
+            <a:schemeClr val="lt1"/>
+          </a:fontRef>
+        </p:style>
+        <p:txBody>
+          <a:bodyPr rtlCol="0" anchor="ctr"/>
+          <a:lstStyle/>
+          <a:p>
+            <a:pPr marL="0" marR="0" lvl="0" indent="0" algn="ctr" defTabSz="914400" rtl="0" eaLnBrk="1" fontAlgn="auto" latinLnBrk="0" hangingPunct="1">
+              <a:lnSpc>
+                <a:spcPct val="100000"/>
+              </a:lnSpc>
+              <a:spcBef>
+                <a:spcPts val="0"/>
+              </a:spcBef>
+              <a:spcAft>
+                <a:spcPts val="0"/>
+              </a:spcAft>
+              <a:buClrTx/>
+              <a:buSzTx/>
+              <a:buFontTx/>
+              <a:buNone/>
+              <a:tabLst/>
+              <a:defRPr/>
+            </a:pPr>
+            <a:endParaRPr kumimoji="0" lang="en-US" sz="1800" b="0" i="0" u="none" strike="noStrike" kern="1200" cap="none" spc="0" normalizeH="0" baseline="0" noProof="0" dirty="0">
+              <a:ln>
+                <a:noFill/>
+              </a:ln>
+              <a:solidFill>
+                <a:prstClr val="white"/>
+              </a:solidFill>
+              <a:effectLst/>
+              <a:uLnTx/>
+              <a:uFillTx/>
+              <a:latin typeface="Calibri" panose="020F0502020204030204"/>
+              <a:ea typeface="+mn-ea"/>
+              <a:cs typeface="+mn-cs"/>
+            </a:endParaRPr>
+          </a:p>
+        </p:txBody>
+      </p:sp>
+      <p:sp>
+        <p:nvSpPr>
+          <p:cNvPr id="2" name="Title 1">
+            <a:extLst>
+              <a:ext uri="{FF2B5EF4-FFF2-40B4-BE49-F238E27FC236}">
+                <a16:creationId xmlns:a16="http://schemas.microsoft.com/office/drawing/2014/main" id="{DF753F17-EDC8-4652-A59B-0C2719DF6AB4}"/>
+              </a:ext>
+            </a:extLst>
+          </p:cNvPr>
+          <p:cNvSpPr>
+            <a:spLocks noGrp="1"/>
+          </p:cNvSpPr>
+          <p:nvPr>
+            <p:ph type="ctrTitle"/>
+          </p:nvPr>
+        </p:nvSpPr>
+        <p:spPr>
+          <a:xfrm>
+            <a:off x="603504" y="840213"/>
+            <a:ext cx="2707255" cy="2218297"/>
+          </a:xfrm>
+        </p:spPr>
+        <p:txBody>
+          <a:bodyPr vert="horz" lIns="91440" tIns="45720" rIns="91440" bIns="45720" rtlCol="0" anchor="b">
+            <a:normAutofit/>
+          </a:bodyPr>
+          <a:lstStyle/>
+          <a:p>
+            <a:pPr algn="l" defTabSz="914400"/>
+            <a:r>
+              <a:rPr lang="en-US" sz="3000" kern="1200" dirty="0">
+                <a:solidFill>
+                  <a:schemeClr val="bg1">
+                    <a:lumMod val="85000"/>
+                    <a:lumOff val="15000"/>
+                  </a:schemeClr>
+                </a:solidFill>
+                <a:latin typeface="+mj-lt"/>
+                <a:ea typeface="+mj-ea"/>
+                <a:cs typeface="+mj-cs"/>
+              </a:rPr>
+              <a:t>What Random Process created this data?</a:t>
+            </a:r>
+          </a:p>
+        </p:txBody>
+      </p:sp>
+      <p:pic>
+        <p:nvPicPr>
+          <p:cNvPr id="16" name="Picture 15">
+            <a:extLst>
+              <a:ext uri="{FF2B5EF4-FFF2-40B4-BE49-F238E27FC236}">
+                <a16:creationId xmlns:a16="http://schemas.microsoft.com/office/drawing/2014/main" id="{4793F586-F6D9-4BC9-A8D5-D18B3FDFE00E}"/>
+              </a:ext>
+            </a:extLst>
+          </p:cNvPr>
+          <p:cNvPicPr>
+            <a:picLocks noChangeAspect="1"/>
+          </p:cNvPicPr>
+          <p:nvPr/>
+        </p:nvPicPr>
+        <p:blipFill>
+          <a:blip r:embed="rId2"/>
+          <a:stretch>
+            <a:fillRect/>
+          </a:stretch>
+        </p:blipFill>
+        <p:spPr>
+          <a:xfrm>
+            <a:off x="4212889" y="482600"/>
+            <a:ext cx="4329843" cy="4178299"/>
+          </a:xfrm>
+          <a:prstGeom prst="rect">
+            <a:avLst/>
+          </a:prstGeom>
+        </p:spPr>
+      </p:pic>
+    </p:spTree>
+    <p:extLst>
+      <p:ext uri="{BB962C8B-B14F-4D97-AF65-F5344CB8AC3E}">
+        <p14:creationId xmlns:p14="http://schemas.microsoft.com/office/powerpoint/2010/main" val="3728876733"/>
+      </p:ext>
+    </p:extLst>
+  </p:cSld>
+  <p:clrMapOvr>
+    <a:masterClrMapping/>
+  </p:clrMapOvr>
+</p:sld>
+</file>
+
+<file path=ppt/slides/slide16.xml><?xml version="1.0" encoding="utf-8"?>
+<p:sld xmlns:a="http://schemas.openxmlformats.org/drawingml/2006/main" xmlns:r="http://schemas.openxmlformats.org/officeDocument/2006/relationships" xmlns:p="http://schemas.openxmlformats.org/presentationml/2006/main">
+  <p:cSld>
+    <p:bg>
+      <p:bgPr>
+        <a:solidFill>
+          <a:schemeClr val="bg1"/>
+        </a:solidFill>
+        <a:effectLst/>
+      </p:bgPr>
+    </p:bg>
+    <p:spTree>
+      <p:nvGrpSpPr>
+        <p:cNvPr id="1" name=""/>
+        <p:cNvGrpSpPr/>
+        <p:nvPr/>
+      </p:nvGrpSpPr>
+      <p:grpSpPr>
+        <a:xfrm>
+          <a:off x="0" y="0"/>
+          <a:ext cx="0" cy="0"/>
+          <a:chOff x="0" y="0"/>
+          <a:chExt cx="0" cy="0"/>
+        </a:xfrm>
+      </p:grpSpPr>
+      <p:sp>
+        <p:nvSpPr>
+          <p:cNvPr id="76" name="Rectangle 75">
             <a:extLst>
               <a:ext uri="{FF2B5EF4-FFF2-40B4-BE49-F238E27FC236}">
                 <a16:creationId xmlns:a16="http://schemas.microsoft.com/office/drawing/2014/main" id="{867D4867-5BA7-4462-B2F6-A23F4A622AA7}"/>
@@ -4973,7 +5688,7 @@
           <a:lstStyle/>
           <a:p>
             <a:pPr algn="ctr"/>
-            <a:endParaRPr lang="en-US"/>
+            <a:endParaRPr lang="en-US" dirty="0"/>
           </a:p>
         </p:txBody>
       </p:sp>
@@ -5013,8 +5728,8 @@
           <a:p>
             <a:pPr algn="ctr"/>
             <a:r>
-              <a:rPr lang="en-US" sz="2100"/>
-              <a:t>CRISP – DM Framework</a:t>
+              <a:rPr lang="en-US" sz="2100" dirty="0"/>
+              <a:t>Business Understanding</a:t>
             </a:r>
           </a:p>
         </p:txBody>
@@ -5053,9 +5768,219 @@
                   <a:schemeClr val="bg1"/>
                 </a:solidFill>
               </a:rPr>
-              <a:t>Standard data science project workflow.</a:t>
-            </a:r>
-          </a:p>
+              <a:t>Want to determine wing size based off location of bird spotting.</a:t>
+            </a:r>
+          </a:p>
+          <a:p>
+            <a:endParaRPr lang="en-US" sz="1500" dirty="0">
+              <a:solidFill>
+                <a:schemeClr val="bg1"/>
+              </a:solidFill>
+            </a:endParaRPr>
+          </a:p>
+        </p:txBody>
+      </p:sp>
+      <p:pic>
+        <p:nvPicPr>
+          <p:cNvPr id="6" name="Picture 5">
+            <a:extLst>
+              <a:ext uri="{FF2B5EF4-FFF2-40B4-BE49-F238E27FC236}">
+                <a16:creationId xmlns:a16="http://schemas.microsoft.com/office/drawing/2014/main" id="{573A91B9-630F-4D2D-97C6-C21A549BC69D}"/>
+              </a:ext>
+            </a:extLst>
+          </p:cNvPr>
+          <p:cNvPicPr>
+            <a:picLocks noChangeAspect="1"/>
+          </p:cNvPicPr>
+          <p:nvPr/>
+        </p:nvPicPr>
+        <p:blipFill>
+          <a:blip r:embed="rId2"/>
+          <a:stretch>
+            <a:fillRect/>
+          </a:stretch>
+        </p:blipFill>
+        <p:spPr>
+          <a:xfrm>
+            <a:off x="4214951" y="482600"/>
+            <a:ext cx="4204818" cy="4057649"/>
+          </a:xfrm>
+          <a:prstGeom prst="rect">
+            <a:avLst/>
+          </a:prstGeom>
+        </p:spPr>
+      </p:pic>
+    </p:spTree>
+    <p:extLst>
+      <p:ext uri="{BB962C8B-B14F-4D97-AF65-F5344CB8AC3E}">
+        <p14:creationId xmlns:p14="http://schemas.microsoft.com/office/powerpoint/2010/main" val="1897945659"/>
+      </p:ext>
+    </p:extLst>
+  </p:cSld>
+  <p:clrMapOvr>
+    <a:masterClrMapping/>
+  </p:clrMapOvr>
+</p:sld>
+</file>
+
+<file path=ppt/slides/slide17.xml><?xml version="1.0" encoding="utf-8"?>
+<p:sld xmlns:a="http://schemas.openxmlformats.org/drawingml/2006/main" xmlns:r="http://schemas.openxmlformats.org/officeDocument/2006/relationships" xmlns:p="http://schemas.openxmlformats.org/presentationml/2006/main">
+  <p:cSld>
+    <p:bg>
+      <p:bgPr>
+        <a:solidFill>
+          <a:schemeClr val="bg1"/>
+        </a:solidFill>
+        <a:effectLst/>
+      </p:bgPr>
+    </p:bg>
+    <p:spTree>
+      <p:nvGrpSpPr>
+        <p:cNvPr id="1" name=""/>
+        <p:cNvGrpSpPr/>
+        <p:nvPr/>
+      </p:nvGrpSpPr>
+      <p:grpSpPr>
+        <a:xfrm>
+          <a:off x="0" y="0"/>
+          <a:ext cx="0" cy="0"/>
+          <a:chOff x="0" y="0"/>
+          <a:chExt cx="0" cy="0"/>
+        </a:xfrm>
+      </p:grpSpPr>
+      <p:sp>
+        <p:nvSpPr>
+          <p:cNvPr id="76" name="Rectangle 75">
+            <a:extLst>
+              <a:ext uri="{FF2B5EF4-FFF2-40B4-BE49-F238E27FC236}">
+                <a16:creationId xmlns:a16="http://schemas.microsoft.com/office/drawing/2014/main" id="{867D4867-5BA7-4462-B2F6-A23F4A622AA7}"/>
+              </a:ext>
+              <a:ext uri="{C183D7F6-B498-43B3-948B-1728B52AA6E4}">
+                <adec:decorative xmlns:adec="http://schemas.microsoft.com/office/drawing/2017/decorative" val="1"/>
+              </a:ext>
+            </a:extLst>
+          </p:cNvPr>
+          <p:cNvSpPr>
+            <a:spLocks noGrp="1" noRot="1" noChangeAspect="1" noMove="1" noResize="1" noEditPoints="1" noAdjustHandles="1" noChangeArrowheads="1" noChangeShapeType="1" noTextEdit="1"/>
+          </p:cNvSpPr>
+          <p:nvPr>
+            <p:extLst>
+              <p:ext uri="{386F3935-93C4-4BCD-93E2-E3B085C9AB24}">
+                <p16:designElem xmlns:p16="http://schemas.microsoft.com/office/powerpoint/2015/main" val="1"/>
+              </p:ext>
+            </p:extLst>
+          </p:nvPr>
+        </p:nvSpPr>
+        <p:spPr>
+          <a:xfrm>
+            <a:off x="0" y="0"/>
+            <a:ext cx="3490722" cy="5143500"/>
+          </a:xfrm>
+          <a:prstGeom prst="rect">
+            <a:avLst/>
+          </a:prstGeom>
+          <a:solidFill>
+            <a:schemeClr val="tx1">
+              <a:lumMod val="75000"/>
+              <a:lumOff val="25000"/>
+            </a:schemeClr>
+          </a:solidFill>
+          <a:ln>
+            <a:noFill/>
+          </a:ln>
+        </p:spPr>
+        <p:style>
+          <a:lnRef idx="0">
+            <a:scrgbClr r="0" g="0" b="0"/>
+          </a:lnRef>
+          <a:fillRef idx="0">
+            <a:scrgbClr r="0" g="0" b="0"/>
+          </a:fillRef>
+          <a:effectRef idx="0">
+            <a:scrgbClr r="0" g="0" b="0"/>
+          </a:effectRef>
+          <a:fontRef idx="minor">
+            <a:schemeClr val="lt1"/>
+          </a:fontRef>
+        </p:style>
+        <p:txBody>
+          <a:bodyPr rtlCol="0" anchor="ctr"/>
+          <a:lstStyle/>
+          <a:p>
+            <a:pPr algn="ctr"/>
+            <a:endParaRPr lang="en-US" dirty="0"/>
+          </a:p>
+        </p:txBody>
+      </p:sp>
+      <p:sp>
+        <p:nvSpPr>
+          <p:cNvPr id="3" name="Title 2">
+            <a:extLst>
+              <a:ext uri="{FF2B5EF4-FFF2-40B4-BE49-F238E27FC236}">
+                <a16:creationId xmlns:a16="http://schemas.microsoft.com/office/drawing/2014/main" id="{63240F59-B728-4E62-8E4F-FC897FCAA564}"/>
+              </a:ext>
+            </a:extLst>
+          </p:cNvPr>
+          <p:cNvSpPr>
+            <a:spLocks noGrp="1"/>
+          </p:cNvSpPr>
+          <p:nvPr>
+            <p:ph type="title"/>
+          </p:nvPr>
+        </p:nvSpPr>
+        <p:spPr>
+          <a:xfrm>
+            <a:off x="482600" y="482600"/>
+            <a:ext cx="2522980" cy="1197986"/>
+          </a:xfrm>
+          <a:noFill/>
+          <a:ln w="19050">
+            <a:solidFill>
+              <a:schemeClr val="bg1"/>
+            </a:solidFill>
+          </a:ln>
+        </p:spPr>
+        <p:txBody>
+          <a:bodyPr wrap="square">
+            <a:normAutofit/>
+          </a:bodyPr>
+          <a:lstStyle/>
+          <a:p>
+            <a:pPr algn="ctr"/>
+            <a:r>
+              <a:rPr lang="en-US" sz="2100" dirty="0"/>
+              <a:t>Data Understanding</a:t>
+            </a:r>
+          </a:p>
+        </p:txBody>
+      </p:sp>
+      <p:sp>
+        <p:nvSpPr>
+          <p:cNvPr id="2" name="Content Placeholder 1">
+            <a:extLst>
+              <a:ext uri="{FF2B5EF4-FFF2-40B4-BE49-F238E27FC236}">
+                <a16:creationId xmlns:a16="http://schemas.microsoft.com/office/drawing/2014/main" id="{B45B095B-64D1-4F3C-990E-3AD62B6A5031}"/>
+              </a:ext>
+            </a:extLst>
+          </p:cNvPr>
+          <p:cNvSpPr>
+            <a:spLocks noGrp="1"/>
+          </p:cNvSpPr>
+          <p:nvPr>
+            <p:ph idx="1"/>
+          </p:nvPr>
+        </p:nvSpPr>
+        <p:spPr>
+          <a:xfrm>
+            <a:off x="482601" y="1978533"/>
+            <a:ext cx="2522980" cy="2561716"/>
+          </a:xfrm>
+        </p:spPr>
+        <p:txBody>
+          <a:bodyPr>
+            <a:normAutofit/>
+          </a:bodyPr>
+          <a:lstStyle/>
           <a:p>
             <a:r>
               <a:rPr lang="en-US" sz="1500" dirty="0">
@@ -5063,62 +5988,2884 @@
                   <a:schemeClr val="bg1"/>
                 </a:solidFill>
               </a:rPr>
-              <a:t>Very iterative</a:t>
-            </a:r>
+              <a:t>What data is available to us?</a:t>
+            </a:r>
+          </a:p>
+          <a:p>
+            <a:r>
+              <a:rPr lang="en-US" sz="1500" dirty="0">
+                <a:solidFill>
+                  <a:schemeClr val="bg1"/>
+                </a:solidFill>
+              </a:rPr>
+              <a:t>Do we need to collect more data to achieve our goal?</a:t>
+            </a:r>
+          </a:p>
+          <a:p>
+            <a:endParaRPr lang="en-US" sz="1500" dirty="0">
+              <a:solidFill>
+                <a:schemeClr val="bg1"/>
+              </a:solidFill>
+            </a:endParaRPr>
           </a:p>
         </p:txBody>
       </p:sp>
       <p:pic>
         <p:nvPicPr>
-          <p:cNvPr id="1026" name="Picture 2" descr="https://upload.wikimedia.org/wikipedia/commons/thumb/b/b9/CRISP-DM_Process_Diagram.png/800px-CRISP-DM_Process_Diagram.png">
+          <p:cNvPr id="4" name="Picture 3">
             <a:extLst>
               <a:ext uri="{FF2B5EF4-FFF2-40B4-BE49-F238E27FC236}">
-                <a16:creationId xmlns:a16="http://schemas.microsoft.com/office/drawing/2014/main" id="{421C6C38-E4E0-497E-97E9-11A0E5ED52CA}"/>
+                <a16:creationId xmlns:a16="http://schemas.microsoft.com/office/drawing/2014/main" id="{3909600D-EA10-451D-BF87-06C8F19A1713}"/>
               </a:ext>
             </a:extLst>
           </p:cNvPr>
           <p:cNvPicPr>
-            <a:picLocks noChangeAspect="1" noChangeArrowheads="1"/>
+            <a:picLocks noChangeAspect="1"/>
           </p:cNvPicPr>
           <p:nvPr/>
         </p:nvPicPr>
         <p:blipFill>
-          <a:blip r:embed="rId2">
-            <a:extLst>
-              <a:ext uri="{28A0092B-C50C-407E-A947-70E740481C1C}">
-                <a14:useLocalDpi xmlns:a14="http://schemas.microsoft.com/office/drawing/2010/main" val="0"/>
-              </a:ext>
-            </a:extLst>
-          </a:blip>
-          <a:srcRect/>
+          <a:blip r:embed="rId2"/>
           <a:stretch>
             <a:fillRect/>
           </a:stretch>
         </p:blipFill>
-        <p:spPr bwMode="auto">
-          <a:xfrm>
-            <a:off x="4293608" y="482600"/>
-            <a:ext cx="4047504" cy="4057649"/>
+        <p:spPr>
+          <a:xfrm>
+            <a:off x="5653280" y="862012"/>
+            <a:ext cx="1981200" cy="3419475"/>
           </a:xfrm>
           <a:prstGeom prst="rect">
             <a:avLst/>
           </a:prstGeom>
-          <a:noFill/>
-          <a:extLst>
-            <a:ext uri="{909E8E84-426E-40DD-AFC4-6F175D3DCCD1}">
-              <a14:hiddenFill xmlns:a14="http://schemas.microsoft.com/office/drawing/2010/main">
-                <a:solidFill>
-                  <a:srgbClr val="FFFFFF"/>
-                </a:solidFill>
-              </a14:hiddenFill>
-            </a:ext>
-          </a:extLst>
         </p:spPr>
       </p:pic>
     </p:spTree>
     <p:extLst>
       <p:ext uri="{BB962C8B-B14F-4D97-AF65-F5344CB8AC3E}">
-        <p14:creationId xmlns:p14="http://schemas.microsoft.com/office/powerpoint/2010/main" val="640394626"/>
+        <p14:creationId xmlns:p14="http://schemas.microsoft.com/office/powerpoint/2010/main" val="1094034829"/>
+      </p:ext>
+    </p:extLst>
+  </p:cSld>
+  <p:clrMapOvr>
+    <a:masterClrMapping/>
+  </p:clrMapOvr>
+</p:sld>
+</file>
+
+<file path=ppt/slides/slide18.xml><?xml version="1.0" encoding="utf-8"?>
+<p:sld xmlns:a="http://schemas.openxmlformats.org/drawingml/2006/main" xmlns:r="http://schemas.openxmlformats.org/officeDocument/2006/relationships" xmlns:p="http://schemas.openxmlformats.org/presentationml/2006/main">
+  <p:cSld>
+    <p:bg>
+      <p:bgPr>
+        <a:solidFill>
+          <a:schemeClr val="bg1"/>
+        </a:solidFill>
+        <a:effectLst/>
+      </p:bgPr>
+    </p:bg>
+    <p:spTree>
+      <p:nvGrpSpPr>
+        <p:cNvPr id="1" name=""/>
+        <p:cNvGrpSpPr/>
+        <p:nvPr/>
+      </p:nvGrpSpPr>
+      <p:grpSpPr>
+        <a:xfrm>
+          <a:off x="0" y="0"/>
+          <a:ext cx="0" cy="0"/>
+          <a:chOff x="0" y="0"/>
+          <a:chExt cx="0" cy="0"/>
+        </a:xfrm>
+      </p:grpSpPr>
+      <p:sp>
+        <p:nvSpPr>
+          <p:cNvPr id="81" name="Rectangle 80">
+            <a:extLst>
+              <a:ext uri="{FF2B5EF4-FFF2-40B4-BE49-F238E27FC236}">
+                <a16:creationId xmlns:a16="http://schemas.microsoft.com/office/drawing/2014/main" id="{867D4867-5BA7-4462-B2F6-A23F4A622AA7}"/>
+              </a:ext>
+              <a:ext uri="{C183D7F6-B498-43B3-948B-1728B52AA6E4}">
+                <adec:decorative xmlns:adec="http://schemas.microsoft.com/office/drawing/2017/decorative" val="1"/>
+              </a:ext>
+            </a:extLst>
+          </p:cNvPr>
+          <p:cNvSpPr>
+            <a:spLocks noGrp="1" noRot="1" noChangeAspect="1" noMove="1" noResize="1" noEditPoints="1" noAdjustHandles="1" noChangeArrowheads="1" noChangeShapeType="1" noTextEdit="1"/>
+          </p:cNvSpPr>
+          <p:nvPr>
+            <p:extLst>
+              <p:ext uri="{386F3935-93C4-4BCD-93E2-E3B085C9AB24}">
+                <p16:designElem xmlns:p16="http://schemas.microsoft.com/office/powerpoint/2015/main" val="1"/>
+              </p:ext>
+            </p:extLst>
+          </p:nvPr>
+        </p:nvSpPr>
+        <p:spPr>
+          <a:xfrm>
+            <a:off x="0" y="0"/>
+            <a:ext cx="3490722" cy="5143500"/>
+          </a:xfrm>
+          <a:prstGeom prst="rect">
+            <a:avLst/>
+          </a:prstGeom>
+          <a:solidFill>
+            <a:schemeClr val="tx1">
+              <a:lumMod val="75000"/>
+              <a:lumOff val="25000"/>
+            </a:schemeClr>
+          </a:solidFill>
+          <a:ln>
+            <a:noFill/>
+          </a:ln>
+        </p:spPr>
+        <p:style>
+          <a:lnRef idx="0">
+            <a:scrgbClr r="0" g="0" b="0"/>
+          </a:lnRef>
+          <a:fillRef idx="0">
+            <a:scrgbClr r="0" g="0" b="0"/>
+          </a:fillRef>
+          <a:effectRef idx="0">
+            <a:scrgbClr r="0" g="0" b="0"/>
+          </a:effectRef>
+          <a:fontRef idx="minor">
+            <a:schemeClr val="lt1"/>
+          </a:fontRef>
+        </p:style>
+        <p:txBody>
+          <a:bodyPr rtlCol="0" anchor="ctr"/>
+          <a:lstStyle/>
+          <a:p>
+            <a:pPr algn="ctr"/>
+            <a:endParaRPr lang="en-US"/>
+          </a:p>
+        </p:txBody>
+      </p:sp>
+      <p:sp>
+        <p:nvSpPr>
+          <p:cNvPr id="3" name="Title 2">
+            <a:extLst>
+              <a:ext uri="{FF2B5EF4-FFF2-40B4-BE49-F238E27FC236}">
+                <a16:creationId xmlns:a16="http://schemas.microsoft.com/office/drawing/2014/main" id="{63240F59-B728-4E62-8E4F-FC897FCAA564}"/>
+              </a:ext>
+            </a:extLst>
+          </p:cNvPr>
+          <p:cNvSpPr>
+            <a:spLocks noGrp="1"/>
+          </p:cNvSpPr>
+          <p:nvPr>
+            <p:ph type="title"/>
+          </p:nvPr>
+        </p:nvSpPr>
+        <p:spPr>
+          <a:xfrm>
+            <a:off x="482600" y="482600"/>
+            <a:ext cx="2522980" cy="1197986"/>
+          </a:xfrm>
+          <a:noFill/>
+          <a:ln w="19050">
+            <a:solidFill>
+              <a:schemeClr val="bg1"/>
+            </a:solidFill>
+          </a:ln>
+        </p:spPr>
+        <p:txBody>
+          <a:bodyPr wrap="square">
+            <a:normAutofit/>
+          </a:bodyPr>
+          <a:lstStyle/>
+          <a:p>
+            <a:pPr algn="ctr"/>
+            <a:r>
+              <a:rPr lang="en-US" sz="2100" dirty="0"/>
+              <a:t>Data Understanding</a:t>
+            </a:r>
+          </a:p>
+        </p:txBody>
+      </p:sp>
+      <p:sp>
+        <p:nvSpPr>
+          <p:cNvPr id="2" name="Content Placeholder 1">
+            <a:extLst>
+              <a:ext uri="{FF2B5EF4-FFF2-40B4-BE49-F238E27FC236}">
+                <a16:creationId xmlns:a16="http://schemas.microsoft.com/office/drawing/2014/main" id="{B45B095B-64D1-4F3C-990E-3AD62B6A5031}"/>
+              </a:ext>
+            </a:extLst>
+          </p:cNvPr>
+          <p:cNvSpPr>
+            <a:spLocks noGrp="1"/>
+          </p:cNvSpPr>
+          <p:nvPr>
+            <p:ph idx="1"/>
+          </p:nvPr>
+        </p:nvSpPr>
+        <p:spPr>
+          <a:xfrm>
+            <a:off x="482601" y="1978533"/>
+            <a:ext cx="2522980" cy="2561716"/>
+          </a:xfrm>
+        </p:spPr>
+        <p:txBody>
+          <a:bodyPr>
+            <a:normAutofit/>
+          </a:bodyPr>
+          <a:lstStyle/>
+          <a:p>
+            <a:r>
+              <a:rPr lang="en-US" sz="1500" dirty="0">
+                <a:solidFill>
+                  <a:schemeClr val="bg1"/>
+                </a:solidFill>
+              </a:rPr>
+              <a:t>What data is available to us?</a:t>
+            </a:r>
+          </a:p>
+          <a:p>
+            <a:r>
+              <a:rPr lang="en-US" sz="1500" dirty="0">
+                <a:solidFill>
+                  <a:schemeClr val="bg1"/>
+                </a:solidFill>
+              </a:rPr>
+              <a:t>Do we need to collect more data to achieve our goal?</a:t>
+            </a:r>
+          </a:p>
+          <a:p>
+            <a:r>
+              <a:rPr lang="en-US" sz="1500" dirty="0">
+                <a:solidFill>
+                  <a:schemeClr val="bg1"/>
+                </a:solidFill>
+              </a:rPr>
+              <a:t>How informative are the features? (Columns)</a:t>
+            </a:r>
+          </a:p>
+          <a:p>
+            <a:endParaRPr lang="en-US" sz="1500" dirty="0">
+              <a:solidFill>
+                <a:schemeClr val="bg1"/>
+              </a:solidFill>
+            </a:endParaRPr>
+          </a:p>
+        </p:txBody>
+      </p:sp>
+      <p:pic>
+        <p:nvPicPr>
+          <p:cNvPr id="6" name="Picture 5" descr="A picture containing sky&#10;&#10;Description generated with very high confidence">
+            <a:extLst>
+              <a:ext uri="{FF2B5EF4-FFF2-40B4-BE49-F238E27FC236}">
+                <a16:creationId xmlns:a16="http://schemas.microsoft.com/office/drawing/2014/main" id="{3E9C8661-1A63-4E88-BAC8-5459D2F1C723}"/>
+              </a:ext>
+            </a:extLst>
+          </p:cNvPr>
+          <p:cNvPicPr>
+            <a:picLocks noChangeAspect="1"/>
+          </p:cNvPicPr>
+          <p:nvPr/>
+        </p:nvPicPr>
+        <p:blipFill>
+          <a:blip r:embed="rId2"/>
+          <a:stretch>
+            <a:fillRect/>
+          </a:stretch>
+        </p:blipFill>
+        <p:spPr>
+          <a:xfrm>
+            <a:off x="4214951" y="482600"/>
+            <a:ext cx="4204818" cy="4057649"/>
+          </a:xfrm>
+          <a:prstGeom prst="rect">
+            <a:avLst/>
+          </a:prstGeom>
+        </p:spPr>
+      </p:pic>
+    </p:spTree>
+    <p:extLst>
+      <p:ext uri="{BB962C8B-B14F-4D97-AF65-F5344CB8AC3E}">
+        <p14:creationId xmlns:p14="http://schemas.microsoft.com/office/powerpoint/2010/main" val="2308307468"/>
+      </p:ext>
+    </p:extLst>
+  </p:cSld>
+  <p:clrMapOvr>
+    <a:masterClrMapping/>
+  </p:clrMapOvr>
+</p:sld>
+</file>
+
+<file path=ppt/slides/slide19.xml><?xml version="1.0" encoding="utf-8"?>
+<p:sld xmlns:a="http://schemas.openxmlformats.org/drawingml/2006/main" xmlns:r="http://schemas.openxmlformats.org/officeDocument/2006/relationships" xmlns:p="http://schemas.openxmlformats.org/presentationml/2006/main">
+  <p:cSld>
+    <p:bg>
+      <p:bgPr>
+        <a:solidFill>
+          <a:schemeClr val="bg1"/>
+        </a:solidFill>
+        <a:effectLst/>
+      </p:bgPr>
+    </p:bg>
+    <p:spTree>
+      <p:nvGrpSpPr>
+        <p:cNvPr id="1" name=""/>
+        <p:cNvGrpSpPr/>
+        <p:nvPr/>
+      </p:nvGrpSpPr>
+      <p:grpSpPr>
+        <a:xfrm>
+          <a:off x="0" y="0"/>
+          <a:ext cx="0" cy="0"/>
+          <a:chOff x="0" y="0"/>
+          <a:chExt cx="0" cy="0"/>
+        </a:xfrm>
+      </p:grpSpPr>
+      <p:sp>
+        <p:nvSpPr>
+          <p:cNvPr id="76" name="Rectangle 75">
+            <a:extLst>
+              <a:ext uri="{FF2B5EF4-FFF2-40B4-BE49-F238E27FC236}">
+                <a16:creationId xmlns:a16="http://schemas.microsoft.com/office/drawing/2014/main" id="{867D4867-5BA7-4462-B2F6-A23F4A622AA7}"/>
+              </a:ext>
+              <a:ext uri="{C183D7F6-B498-43B3-948B-1728B52AA6E4}">
+                <adec:decorative xmlns:adec="http://schemas.microsoft.com/office/drawing/2017/decorative" val="1"/>
+              </a:ext>
+            </a:extLst>
+          </p:cNvPr>
+          <p:cNvSpPr>
+            <a:spLocks noGrp="1" noRot="1" noChangeAspect="1" noMove="1" noResize="1" noEditPoints="1" noAdjustHandles="1" noChangeArrowheads="1" noChangeShapeType="1" noTextEdit="1"/>
+          </p:cNvSpPr>
+          <p:nvPr>
+            <p:extLst>
+              <p:ext uri="{386F3935-93C4-4BCD-93E2-E3B085C9AB24}">
+                <p16:designElem xmlns:p16="http://schemas.microsoft.com/office/powerpoint/2015/main" val="1"/>
+              </p:ext>
+            </p:extLst>
+          </p:nvPr>
+        </p:nvSpPr>
+        <p:spPr>
+          <a:xfrm>
+            <a:off x="0" y="0"/>
+            <a:ext cx="3490722" cy="5143500"/>
+          </a:xfrm>
+          <a:prstGeom prst="rect">
+            <a:avLst/>
+          </a:prstGeom>
+          <a:solidFill>
+            <a:schemeClr val="tx1">
+              <a:lumMod val="75000"/>
+              <a:lumOff val="25000"/>
+            </a:schemeClr>
+          </a:solidFill>
+          <a:ln>
+            <a:noFill/>
+          </a:ln>
+        </p:spPr>
+        <p:style>
+          <a:lnRef idx="0">
+            <a:scrgbClr r="0" g="0" b="0"/>
+          </a:lnRef>
+          <a:fillRef idx="0">
+            <a:scrgbClr r="0" g="0" b="0"/>
+          </a:fillRef>
+          <a:effectRef idx="0">
+            <a:scrgbClr r="0" g="0" b="0"/>
+          </a:effectRef>
+          <a:fontRef idx="minor">
+            <a:schemeClr val="lt1"/>
+          </a:fontRef>
+        </p:style>
+        <p:txBody>
+          <a:bodyPr rtlCol="0" anchor="ctr"/>
+          <a:lstStyle/>
+          <a:p>
+            <a:pPr algn="ctr"/>
+            <a:endParaRPr lang="en-US" dirty="0"/>
+          </a:p>
+        </p:txBody>
+      </p:sp>
+      <p:sp>
+        <p:nvSpPr>
+          <p:cNvPr id="3" name="Title 2">
+            <a:extLst>
+              <a:ext uri="{FF2B5EF4-FFF2-40B4-BE49-F238E27FC236}">
+                <a16:creationId xmlns:a16="http://schemas.microsoft.com/office/drawing/2014/main" id="{63240F59-B728-4E62-8E4F-FC897FCAA564}"/>
+              </a:ext>
+            </a:extLst>
+          </p:cNvPr>
+          <p:cNvSpPr>
+            <a:spLocks noGrp="1"/>
+          </p:cNvSpPr>
+          <p:nvPr>
+            <p:ph type="title"/>
+          </p:nvPr>
+        </p:nvSpPr>
+        <p:spPr>
+          <a:xfrm>
+            <a:off x="482600" y="482600"/>
+            <a:ext cx="2522980" cy="1197986"/>
+          </a:xfrm>
+          <a:noFill/>
+          <a:ln w="19050">
+            <a:solidFill>
+              <a:schemeClr val="bg1"/>
+            </a:solidFill>
+          </a:ln>
+        </p:spPr>
+        <p:txBody>
+          <a:bodyPr wrap="square">
+            <a:normAutofit/>
+          </a:bodyPr>
+          <a:lstStyle/>
+          <a:p>
+            <a:pPr algn="ctr"/>
+            <a:r>
+              <a:rPr lang="en-US" sz="2100" dirty="0"/>
+              <a:t>Data Preparation</a:t>
+            </a:r>
+          </a:p>
+        </p:txBody>
+      </p:sp>
+      <p:sp>
+        <p:nvSpPr>
+          <p:cNvPr id="2" name="Content Placeholder 1">
+            <a:extLst>
+              <a:ext uri="{FF2B5EF4-FFF2-40B4-BE49-F238E27FC236}">
+                <a16:creationId xmlns:a16="http://schemas.microsoft.com/office/drawing/2014/main" id="{B45B095B-64D1-4F3C-990E-3AD62B6A5031}"/>
+              </a:ext>
+            </a:extLst>
+          </p:cNvPr>
+          <p:cNvSpPr>
+            <a:spLocks noGrp="1"/>
+          </p:cNvSpPr>
+          <p:nvPr>
+            <p:ph idx="1"/>
+          </p:nvPr>
+        </p:nvSpPr>
+        <p:spPr>
+          <a:xfrm>
+            <a:off x="482601" y="1978533"/>
+            <a:ext cx="2522980" cy="2561716"/>
+          </a:xfrm>
+        </p:spPr>
+        <p:txBody>
+          <a:bodyPr>
+            <a:normAutofit/>
+          </a:bodyPr>
+          <a:lstStyle/>
+          <a:p>
+            <a:r>
+              <a:rPr lang="en-US" sz="1500" dirty="0">
+                <a:solidFill>
+                  <a:schemeClr val="bg1"/>
+                </a:solidFill>
+              </a:rPr>
+              <a:t>Already seems pretty prepared.</a:t>
+            </a:r>
+          </a:p>
+        </p:txBody>
+      </p:sp>
+      <p:pic>
+        <p:nvPicPr>
+          <p:cNvPr id="4" name="Picture 3">
+            <a:extLst>
+              <a:ext uri="{FF2B5EF4-FFF2-40B4-BE49-F238E27FC236}">
+                <a16:creationId xmlns:a16="http://schemas.microsoft.com/office/drawing/2014/main" id="{3909600D-EA10-451D-BF87-06C8F19A1713}"/>
+              </a:ext>
+            </a:extLst>
+          </p:cNvPr>
+          <p:cNvPicPr>
+            <a:picLocks noChangeAspect="1"/>
+          </p:cNvPicPr>
+          <p:nvPr/>
+        </p:nvPicPr>
+        <p:blipFill>
+          <a:blip r:embed="rId2"/>
+          <a:stretch>
+            <a:fillRect/>
+          </a:stretch>
+        </p:blipFill>
+        <p:spPr>
+          <a:xfrm>
+            <a:off x="5653280" y="862012"/>
+            <a:ext cx="1981200" cy="3419475"/>
+          </a:xfrm>
+          <a:prstGeom prst="rect">
+            <a:avLst/>
+          </a:prstGeom>
+        </p:spPr>
+      </p:pic>
+    </p:spTree>
+    <p:extLst>
+      <p:ext uri="{BB962C8B-B14F-4D97-AF65-F5344CB8AC3E}">
+        <p14:creationId xmlns:p14="http://schemas.microsoft.com/office/powerpoint/2010/main" val="4213833738"/>
+      </p:ext>
+    </p:extLst>
+  </p:cSld>
+  <p:clrMapOvr>
+    <a:masterClrMapping/>
+  </p:clrMapOvr>
+</p:sld>
+</file>
+
+<file path=ppt/slides/slide2.xml><?xml version="1.0" encoding="utf-8"?>
+<p:sld xmlns:a="http://schemas.openxmlformats.org/drawingml/2006/main" xmlns:r="http://schemas.openxmlformats.org/officeDocument/2006/relationships" xmlns:p="http://schemas.openxmlformats.org/presentationml/2006/main">
+  <p:cSld>
+    <p:spTree>
+      <p:nvGrpSpPr>
+        <p:cNvPr id="1" name=""/>
+        <p:cNvGrpSpPr/>
+        <p:nvPr/>
+      </p:nvGrpSpPr>
+      <p:grpSpPr>
+        <a:xfrm>
+          <a:off x="0" y="0"/>
+          <a:ext cx="0" cy="0"/>
+          <a:chOff x="0" y="0"/>
+          <a:chExt cx="0" cy="0"/>
+        </a:xfrm>
+      </p:grpSpPr>
+      <p:sp>
+        <p:nvSpPr>
+          <p:cNvPr id="2" name="Content Placeholder 1">
+            <a:extLst>
+              <a:ext uri="{FF2B5EF4-FFF2-40B4-BE49-F238E27FC236}">
+                <a16:creationId xmlns:a16="http://schemas.microsoft.com/office/drawing/2014/main" id="{8F61C954-1BD8-4222-B836-85DC78848182}"/>
+              </a:ext>
+            </a:extLst>
+          </p:cNvPr>
+          <p:cNvSpPr>
+            <a:spLocks noGrp="1"/>
+          </p:cNvSpPr>
+          <p:nvPr>
+            <p:ph idx="1"/>
+          </p:nvPr>
+        </p:nvSpPr>
+        <p:spPr/>
+        <p:txBody>
+          <a:bodyPr/>
+          <a:lstStyle/>
+          <a:p>
+            <a:r>
+              <a:rPr lang="en-US" dirty="0"/>
+              <a:t>Assumptions:</a:t>
+            </a:r>
+          </a:p>
+          <a:p>
+            <a:pPr lvl="1"/>
+            <a:r>
+              <a:rPr lang="en-US" dirty="0"/>
+              <a:t>Most data is the result of a statistical process.</a:t>
+            </a:r>
+          </a:p>
+          <a:p>
+            <a:pPr lvl="1"/>
+            <a:r>
+              <a:rPr lang="en-US" dirty="0"/>
+              <a:t>Inherent error</a:t>
+            </a:r>
+          </a:p>
+          <a:p>
+            <a:r>
+              <a:rPr lang="en-US" dirty="0"/>
+              <a:t>Melding of statistics, programming, and mathematics.</a:t>
+            </a:r>
+          </a:p>
+          <a:p>
+            <a:r>
+              <a:rPr lang="en-US" dirty="0"/>
+              <a:t>Identify business problems</a:t>
+            </a:r>
+          </a:p>
+          <a:p>
+            <a:r>
+              <a:rPr lang="en-US" dirty="0"/>
+              <a:t>Find applicable data</a:t>
+            </a:r>
+          </a:p>
+          <a:p>
+            <a:r>
+              <a:rPr lang="en-US" dirty="0"/>
+              <a:t>Come up with applicable solution</a:t>
+            </a:r>
+          </a:p>
+          <a:p>
+            <a:pPr marL="0" indent="0">
+              <a:buNone/>
+            </a:pPr>
+            <a:endParaRPr lang="en-US" dirty="0"/>
+          </a:p>
+          <a:p>
+            <a:pPr marL="0" indent="0">
+              <a:buNone/>
+            </a:pPr>
+            <a:r>
+              <a:rPr lang="en-US" sz="1800" dirty="0"/>
+              <a:t>What Data Science is not:</a:t>
+            </a:r>
+          </a:p>
+          <a:p>
+            <a:r>
+              <a:rPr lang="en-US" dirty="0"/>
+              <a:t>Machine Learning</a:t>
+            </a:r>
+          </a:p>
+          <a:p>
+            <a:pPr lvl="1"/>
+            <a:r>
+              <a:rPr lang="en-US" dirty="0"/>
+              <a:t>Machine learning is a toolset.</a:t>
+            </a:r>
+          </a:p>
+          <a:p>
+            <a:r>
+              <a:rPr lang="en-US" dirty="0"/>
+              <a:t>AI</a:t>
+            </a:r>
+          </a:p>
+        </p:txBody>
+      </p:sp>
+      <p:sp>
+        <p:nvSpPr>
+          <p:cNvPr id="3" name="Title 2">
+            <a:extLst>
+              <a:ext uri="{FF2B5EF4-FFF2-40B4-BE49-F238E27FC236}">
+                <a16:creationId xmlns:a16="http://schemas.microsoft.com/office/drawing/2014/main" id="{38FF392E-3388-4AFC-9884-10DAA507C3A8}"/>
+              </a:ext>
+            </a:extLst>
+          </p:cNvPr>
+          <p:cNvSpPr>
+            <a:spLocks noGrp="1"/>
+          </p:cNvSpPr>
+          <p:nvPr>
+            <p:ph type="title"/>
+          </p:nvPr>
+        </p:nvSpPr>
+        <p:spPr/>
+        <p:txBody>
+          <a:bodyPr/>
+          <a:lstStyle/>
+          <a:p>
+            <a:r>
+              <a:rPr lang="en-US" dirty="0"/>
+              <a:t>What is Data Science?</a:t>
+            </a:r>
+          </a:p>
+        </p:txBody>
+      </p:sp>
+    </p:spTree>
+    <p:extLst>
+      <p:ext uri="{BB962C8B-B14F-4D97-AF65-F5344CB8AC3E}">
+        <p14:creationId xmlns:p14="http://schemas.microsoft.com/office/powerpoint/2010/main" val="3771183930"/>
+      </p:ext>
+    </p:extLst>
+  </p:cSld>
+  <p:clrMapOvr>
+    <a:masterClrMapping/>
+  </p:clrMapOvr>
+</p:sld>
+</file>
+
+<file path=ppt/slides/slide20.xml><?xml version="1.0" encoding="utf-8"?>
+<p:sld xmlns:a="http://schemas.openxmlformats.org/drawingml/2006/main" xmlns:r="http://schemas.openxmlformats.org/officeDocument/2006/relationships" xmlns:p="http://schemas.openxmlformats.org/presentationml/2006/main">
+  <p:cSld>
+    <p:bg>
+      <p:bgPr>
+        <a:solidFill>
+          <a:schemeClr val="bg1"/>
+        </a:solidFill>
+        <a:effectLst/>
+      </p:bgPr>
+    </p:bg>
+    <p:spTree>
+      <p:nvGrpSpPr>
+        <p:cNvPr id="1" name=""/>
+        <p:cNvGrpSpPr/>
+        <p:nvPr/>
+      </p:nvGrpSpPr>
+      <p:grpSpPr>
+        <a:xfrm>
+          <a:off x="0" y="0"/>
+          <a:ext cx="0" cy="0"/>
+          <a:chOff x="0" y="0"/>
+          <a:chExt cx="0" cy="0"/>
+        </a:xfrm>
+      </p:grpSpPr>
+      <p:sp>
+        <p:nvSpPr>
+          <p:cNvPr id="76" name="Rectangle 75">
+            <a:extLst>
+              <a:ext uri="{FF2B5EF4-FFF2-40B4-BE49-F238E27FC236}">
+                <a16:creationId xmlns:a16="http://schemas.microsoft.com/office/drawing/2014/main" id="{867D4867-5BA7-4462-B2F6-A23F4A622AA7}"/>
+              </a:ext>
+              <a:ext uri="{C183D7F6-B498-43B3-948B-1728B52AA6E4}">
+                <adec:decorative xmlns:adec="http://schemas.microsoft.com/office/drawing/2017/decorative" val="1"/>
+              </a:ext>
+            </a:extLst>
+          </p:cNvPr>
+          <p:cNvSpPr>
+            <a:spLocks noGrp="1" noRot="1" noChangeAspect="1" noMove="1" noResize="1" noEditPoints="1" noAdjustHandles="1" noChangeArrowheads="1" noChangeShapeType="1" noTextEdit="1"/>
+          </p:cNvSpPr>
+          <p:nvPr>
+            <p:extLst>
+              <p:ext uri="{386F3935-93C4-4BCD-93E2-E3B085C9AB24}">
+                <p16:designElem xmlns:p16="http://schemas.microsoft.com/office/powerpoint/2015/main" val="1"/>
+              </p:ext>
+            </p:extLst>
+          </p:nvPr>
+        </p:nvSpPr>
+        <p:spPr>
+          <a:xfrm>
+            <a:off x="0" y="0"/>
+            <a:ext cx="3490722" cy="5143500"/>
+          </a:xfrm>
+          <a:prstGeom prst="rect">
+            <a:avLst/>
+          </a:prstGeom>
+          <a:solidFill>
+            <a:schemeClr val="tx1">
+              <a:lumMod val="75000"/>
+              <a:lumOff val="25000"/>
+            </a:schemeClr>
+          </a:solidFill>
+          <a:ln>
+            <a:noFill/>
+          </a:ln>
+        </p:spPr>
+        <p:style>
+          <a:lnRef idx="0">
+            <a:scrgbClr r="0" g="0" b="0"/>
+          </a:lnRef>
+          <a:fillRef idx="0">
+            <a:scrgbClr r="0" g="0" b="0"/>
+          </a:fillRef>
+          <a:effectRef idx="0">
+            <a:scrgbClr r="0" g="0" b="0"/>
+          </a:effectRef>
+          <a:fontRef idx="minor">
+            <a:schemeClr val="lt1"/>
+          </a:fontRef>
+        </p:style>
+        <p:txBody>
+          <a:bodyPr rtlCol="0" anchor="ctr"/>
+          <a:lstStyle/>
+          <a:p>
+            <a:pPr algn="ctr"/>
+            <a:endParaRPr lang="en-US" dirty="0"/>
+          </a:p>
+        </p:txBody>
+      </p:sp>
+      <p:sp>
+        <p:nvSpPr>
+          <p:cNvPr id="3" name="Title 2">
+            <a:extLst>
+              <a:ext uri="{FF2B5EF4-FFF2-40B4-BE49-F238E27FC236}">
+                <a16:creationId xmlns:a16="http://schemas.microsoft.com/office/drawing/2014/main" id="{63240F59-B728-4E62-8E4F-FC897FCAA564}"/>
+              </a:ext>
+            </a:extLst>
+          </p:cNvPr>
+          <p:cNvSpPr>
+            <a:spLocks noGrp="1"/>
+          </p:cNvSpPr>
+          <p:nvPr>
+            <p:ph type="title"/>
+          </p:nvPr>
+        </p:nvSpPr>
+        <p:spPr>
+          <a:xfrm>
+            <a:off x="482600" y="482600"/>
+            <a:ext cx="2522980" cy="1197986"/>
+          </a:xfrm>
+          <a:noFill/>
+          <a:ln w="19050">
+            <a:solidFill>
+              <a:schemeClr val="bg1"/>
+            </a:solidFill>
+          </a:ln>
+        </p:spPr>
+        <p:txBody>
+          <a:bodyPr wrap="square">
+            <a:normAutofit/>
+          </a:bodyPr>
+          <a:lstStyle/>
+          <a:p>
+            <a:pPr algn="ctr"/>
+            <a:r>
+              <a:rPr lang="en-US" sz="2100" dirty="0"/>
+              <a:t>Modelling</a:t>
+            </a:r>
+          </a:p>
+        </p:txBody>
+      </p:sp>
+      <p:sp>
+        <p:nvSpPr>
+          <p:cNvPr id="2" name="Content Placeholder 1">
+            <a:extLst>
+              <a:ext uri="{FF2B5EF4-FFF2-40B4-BE49-F238E27FC236}">
+                <a16:creationId xmlns:a16="http://schemas.microsoft.com/office/drawing/2014/main" id="{B45B095B-64D1-4F3C-990E-3AD62B6A5031}"/>
+              </a:ext>
+            </a:extLst>
+          </p:cNvPr>
+          <p:cNvSpPr>
+            <a:spLocks noGrp="1"/>
+          </p:cNvSpPr>
+          <p:nvPr>
+            <p:ph idx="1"/>
+          </p:nvPr>
+        </p:nvSpPr>
+        <p:spPr>
+          <a:xfrm>
+            <a:off x="482601" y="1978533"/>
+            <a:ext cx="2522980" cy="2561716"/>
+          </a:xfrm>
+        </p:spPr>
+        <p:txBody>
+          <a:bodyPr>
+            <a:normAutofit/>
+          </a:bodyPr>
+          <a:lstStyle/>
+          <a:p>
+            <a:r>
+              <a:rPr lang="en-US" sz="1500" dirty="0">
+                <a:solidFill>
+                  <a:schemeClr val="bg1"/>
+                </a:solidFill>
+              </a:rPr>
+              <a:t>Utilize business logic to decide on how you want to optimize the model.</a:t>
+            </a:r>
+          </a:p>
+          <a:p>
+            <a:r>
+              <a:rPr lang="en-US" sz="1500" dirty="0">
+                <a:solidFill>
+                  <a:schemeClr val="bg1"/>
+                </a:solidFill>
+              </a:rPr>
+              <a:t>Try many models and parameters (grid-search).</a:t>
+            </a:r>
+          </a:p>
+          <a:p>
+            <a:endParaRPr lang="en-US" sz="1500" dirty="0">
+              <a:solidFill>
+                <a:schemeClr val="bg1"/>
+              </a:solidFill>
+            </a:endParaRPr>
+          </a:p>
+        </p:txBody>
+      </p:sp>
+      <p:pic>
+        <p:nvPicPr>
+          <p:cNvPr id="6" name="Picture 5">
+            <a:extLst>
+              <a:ext uri="{FF2B5EF4-FFF2-40B4-BE49-F238E27FC236}">
+                <a16:creationId xmlns:a16="http://schemas.microsoft.com/office/drawing/2014/main" id="{573A91B9-630F-4D2D-97C6-C21A549BC69D}"/>
+              </a:ext>
+            </a:extLst>
+          </p:cNvPr>
+          <p:cNvPicPr>
+            <a:picLocks noChangeAspect="1"/>
+          </p:cNvPicPr>
+          <p:nvPr/>
+        </p:nvPicPr>
+        <p:blipFill>
+          <a:blip r:embed="rId2"/>
+          <a:stretch>
+            <a:fillRect/>
+          </a:stretch>
+        </p:blipFill>
+        <p:spPr>
+          <a:xfrm>
+            <a:off x="4214951" y="482600"/>
+            <a:ext cx="4204818" cy="4057649"/>
+          </a:xfrm>
+          <a:prstGeom prst="rect">
+            <a:avLst/>
+          </a:prstGeom>
+        </p:spPr>
+      </p:pic>
+    </p:spTree>
+    <p:extLst>
+      <p:ext uri="{BB962C8B-B14F-4D97-AF65-F5344CB8AC3E}">
+        <p14:creationId xmlns:p14="http://schemas.microsoft.com/office/powerpoint/2010/main" val="598917357"/>
+      </p:ext>
+    </p:extLst>
+  </p:cSld>
+  <p:clrMapOvr>
+    <a:masterClrMapping/>
+  </p:clrMapOvr>
+</p:sld>
+</file>
+
+<file path=ppt/slides/slide21.xml><?xml version="1.0" encoding="utf-8"?>
+<p:sld xmlns:a="http://schemas.openxmlformats.org/drawingml/2006/main" xmlns:r="http://schemas.openxmlformats.org/officeDocument/2006/relationships" xmlns:p="http://schemas.openxmlformats.org/presentationml/2006/main">
+  <p:cSld>
+    <p:bg>
+      <p:bgPr>
+        <a:solidFill>
+          <a:schemeClr val="bg1"/>
+        </a:solidFill>
+        <a:effectLst/>
+      </p:bgPr>
+    </p:bg>
+    <p:spTree>
+      <p:nvGrpSpPr>
+        <p:cNvPr id="1" name=""/>
+        <p:cNvGrpSpPr/>
+        <p:nvPr/>
+      </p:nvGrpSpPr>
+      <p:grpSpPr>
+        <a:xfrm>
+          <a:off x="0" y="0"/>
+          <a:ext cx="0" cy="0"/>
+          <a:chOff x="0" y="0"/>
+          <a:chExt cx="0" cy="0"/>
+        </a:xfrm>
+      </p:grpSpPr>
+      <p:sp>
+        <p:nvSpPr>
+          <p:cNvPr id="76" name="Rectangle 75">
+            <a:extLst>
+              <a:ext uri="{FF2B5EF4-FFF2-40B4-BE49-F238E27FC236}">
+                <a16:creationId xmlns:a16="http://schemas.microsoft.com/office/drawing/2014/main" id="{867D4867-5BA7-4462-B2F6-A23F4A622AA7}"/>
+              </a:ext>
+              <a:ext uri="{C183D7F6-B498-43B3-948B-1728B52AA6E4}">
+                <adec:decorative xmlns:adec="http://schemas.microsoft.com/office/drawing/2017/decorative" val="1"/>
+              </a:ext>
+            </a:extLst>
+          </p:cNvPr>
+          <p:cNvSpPr>
+            <a:spLocks noGrp="1" noRot="1" noChangeAspect="1" noMove="1" noResize="1" noEditPoints="1" noAdjustHandles="1" noChangeArrowheads="1" noChangeShapeType="1" noTextEdit="1"/>
+          </p:cNvSpPr>
+          <p:nvPr>
+            <p:extLst>
+              <p:ext uri="{386F3935-93C4-4BCD-93E2-E3B085C9AB24}">
+                <p16:designElem xmlns:p16="http://schemas.microsoft.com/office/powerpoint/2015/main" val="1"/>
+              </p:ext>
+            </p:extLst>
+          </p:nvPr>
+        </p:nvSpPr>
+        <p:spPr>
+          <a:xfrm>
+            <a:off x="0" y="0"/>
+            <a:ext cx="3490722" cy="5143500"/>
+          </a:xfrm>
+          <a:prstGeom prst="rect">
+            <a:avLst/>
+          </a:prstGeom>
+          <a:solidFill>
+            <a:schemeClr val="tx1">
+              <a:lumMod val="75000"/>
+              <a:lumOff val="25000"/>
+            </a:schemeClr>
+          </a:solidFill>
+          <a:ln>
+            <a:noFill/>
+          </a:ln>
+        </p:spPr>
+        <p:style>
+          <a:lnRef idx="0">
+            <a:scrgbClr r="0" g="0" b="0"/>
+          </a:lnRef>
+          <a:fillRef idx="0">
+            <a:scrgbClr r="0" g="0" b="0"/>
+          </a:fillRef>
+          <a:effectRef idx="0">
+            <a:scrgbClr r="0" g="0" b="0"/>
+          </a:effectRef>
+          <a:fontRef idx="minor">
+            <a:schemeClr val="lt1"/>
+          </a:fontRef>
+        </p:style>
+        <p:txBody>
+          <a:bodyPr rtlCol="0" anchor="ctr"/>
+          <a:lstStyle/>
+          <a:p>
+            <a:pPr algn="ctr"/>
+            <a:endParaRPr lang="en-US" dirty="0"/>
+          </a:p>
+        </p:txBody>
+      </p:sp>
+      <p:sp>
+        <p:nvSpPr>
+          <p:cNvPr id="3" name="Title 2">
+            <a:extLst>
+              <a:ext uri="{FF2B5EF4-FFF2-40B4-BE49-F238E27FC236}">
+                <a16:creationId xmlns:a16="http://schemas.microsoft.com/office/drawing/2014/main" id="{63240F59-B728-4E62-8E4F-FC897FCAA564}"/>
+              </a:ext>
+            </a:extLst>
+          </p:cNvPr>
+          <p:cNvSpPr>
+            <a:spLocks noGrp="1"/>
+          </p:cNvSpPr>
+          <p:nvPr>
+            <p:ph type="title"/>
+          </p:nvPr>
+        </p:nvSpPr>
+        <p:spPr>
+          <a:xfrm>
+            <a:off x="482600" y="482600"/>
+            <a:ext cx="2522980" cy="1197986"/>
+          </a:xfrm>
+          <a:noFill/>
+          <a:ln w="19050">
+            <a:solidFill>
+              <a:schemeClr val="bg1"/>
+            </a:solidFill>
+          </a:ln>
+        </p:spPr>
+        <p:txBody>
+          <a:bodyPr wrap="square">
+            <a:normAutofit/>
+          </a:bodyPr>
+          <a:lstStyle/>
+          <a:p>
+            <a:pPr algn="ctr"/>
+            <a:r>
+              <a:rPr lang="en-US" sz="2100" dirty="0"/>
+              <a:t>Modelling</a:t>
+            </a:r>
+          </a:p>
+        </p:txBody>
+      </p:sp>
+      <p:sp>
+        <p:nvSpPr>
+          <p:cNvPr id="2" name="Content Placeholder 1">
+            <a:extLst>
+              <a:ext uri="{FF2B5EF4-FFF2-40B4-BE49-F238E27FC236}">
+                <a16:creationId xmlns:a16="http://schemas.microsoft.com/office/drawing/2014/main" id="{B45B095B-64D1-4F3C-990E-3AD62B6A5031}"/>
+              </a:ext>
+            </a:extLst>
+          </p:cNvPr>
+          <p:cNvSpPr>
+            <a:spLocks noGrp="1"/>
+          </p:cNvSpPr>
+          <p:nvPr>
+            <p:ph idx="1"/>
+          </p:nvPr>
+        </p:nvSpPr>
+        <p:spPr>
+          <a:xfrm>
+            <a:off x="482601" y="1978533"/>
+            <a:ext cx="2522980" cy="2561716"/>
+          </a:xfrm>
+        </p:spPr>
+        <p:txBody>
+          <a:bodyPr>
+            <a:normAutofit/>
+          </a:bodyPr>
+          <a:lstStyle/>
+          <a:p>
+            <a:r>
+              <a:rPr lang="en-US" sz="1500" dirty="0">
+                <a:solidFill>
+                  <a:schemeClr val="bg1"/>
+                </a:solidFill>
+              </a:rPr>
+              <a:t>Utilize business logic to decide on how you want to optimize the model.</a:t>
+            </a:r>
+          </a:p>
+          <a:p>
+            <a:r>
+              <a:rPr lang="en-US" sz="1500" dirty="0">
+                <a:solidFill>
+                  <a:schemeClr val="bg1"/>
+                </a:solidFill>
+              </a:rPr>
+              <a:t>Try many models and parameters (grid-search).</a:t>
+            </a:r>
+          </a:p>
+          <a:p>
+            <a:r>
+              <a:rPr lang="en-US" sz="1500" dirty="0">
+                <a:solidFill>
+                  <a:schemeClr val="bg1"/>
+                </a:solidFill>
+              </a:rPr>
+              <a:t>RMSE</a:t>
+            </a:r>
+          </a:p>
+          <a:p>
+            <a:endParaRPr lang="en-US" sz="1500" dirty="0">
+              <a:solidFill>
+                <a:schemeClr val="bg1"/>
+              </a:solidFill>
+            </a:endParaRPr>
+          </a:p>
+        </p:txBody>
+      </p:sp>
+      <p:pic>
+        <p:nvPicPr>
+          <p:cNvPr id="6" name="Picture 5">
+            <a:extLst>
+              <a:ext uri="{FF2B5EF4-FFF2-40B4-BE49-F238E27FC236}">
+                <a16:creationId xmlns:a16="http://schemas.microsoft.com/office/drawing/2014/main" id="{573A91B9-630F-4D2D-97C6-C21A549BC69D}"/>
+              </a:ext>
+            </a:extLst>
+          </p:cNvPr>
+          <p:cNvPicPr>
+            <a:picLocks noChangeAspect="1"/>
+          </p:cNvPicPr>
+          <p:nvPr/>
+        </p:nvPicPr>
+        <p:blipFill>
+          <a:blip r:embed="rId2"/>
+          <a:stretch>
+            <a:fillRect/>
+          </a:stretch>
+        </p:blipFill>
+        <p:spPr>
+          <a:xfrm>
+            <a:off x="4214951" y="482600"/>
+            <a:ext cx="4204818" cy="4057649"/>
+          </a:xfrm>
+          <a:prstGeom prst="rect">
+            <a:avLst/>
+          </a:prstGeom>
+        </p:spPr>
+      </p:pic>
+    </p:spTree>
+    <p:extLst>
+      <p:ext uri="{BB962C8B-B14F-4D97-AF65-F5344CB8AC3E}">
+        <p14:creationId xmlns:p14="http://schemas.microsoft.com/office/powerpoint/2010/main" val="3439787193"/>
+      </p:ext>
+    </p:extLst>
+  </p:cSld>
+  <p:clrMapOvr>
+    <a:masterClrMapping/>
+  </p:clrMapOvr>
+</p:sld>
+</file>
+
+<file path=ppt/slides/slide22.xml><?xml version="1.0" encoding="utf-8"?>
+<p:sld xmlns:a="http://schemas.openxmlformats.org/drawingml/2006/main" xmlns:r="http://schemas.openxmlformats.org/officeDocument/2006/relationships" xmlns:p="http://schemas.openxmlformats.org/presentationml/2006/main">
+  <p:cSld>
+    <p:bg>
+      <p:bgPr>
+        <a:solidFill>
+          <a:schemeClr val="bg1"/>
+        </a:solidFill>
+        <a:effectLst/>
+      </p:bgPr>
+    </p:bg>
+    <p:spTree>
+      <p:nvGrpSpPr>
+        <p:cNvPr id="1" name=""/>
+        <p:cNvGrpSpPr/>
+        <p:nvPr/>
+      </p:nvGrpSpPr>
+      <p:grpSpPr>
+        <a:xfrm>
+          <a:off x="0" y="0"/>
+          <a:ext cx="0" cy="0"/>
+          <a:chOff x="0" y="0"/>
+          <a:chExt cx="0" cy="0"/>
+        </a:xfrm>
+      </p:grpSpPr>
+      <p:sp>
+        <p:nvSpPr>
+          <p:cNvPr id="81" name="Rectangle 80">
+            <a:extLst>
+              <a:ext uri="{FF2B5EF4-FFF2-40B4-BE49-F238E27FC236}">
+                <a16:creationId xmlns:a16="http://schemas.microsoft.com/office/drawing/2014/main" id="{867D4867-5BA7-4462-B2F6-A23F4A622AA7}"/>
+              </a:ext>
+              <a:ext uri="{C183D7F6-B498-43B3-948B-1728B52AA6E4}">
+                <adec:decorative xmlns:adec="http://schemas.microsoft.com/office/drawing/2017/decorative" val="1"/>
+              </a:ext>
+            </a:extLst>
+          </p:cNvPr>
+          <p:cNvSpPr>
+            <a:spLocks noGrp="1" noRot="1" noChangeAspect="1" noMove="1" noResize="1" noEditPoints="1" noAdjustHandles="1" noChangeArrowheads="1" noChangeShapeType="1" noTextEdit="1"/>
+          </p:cNvSpPr>
+          <p:nvPr>
+            <p:extLst>
+              <p:ext uri="{386F3935-93C4-4BCD-93E2-E3B085C9AB24}">
+                <p16:designElem xmlns:p16="http://schemas.microsoft.com/office/powerpoint/2015/main" val="1"/>
+              </p:ext>
+            </p:extLst>
+          </p:nvPr>
+        </p:nvSpPr>
+        <p:spPr>
+          <a:xfrm>
+            <a:off x="0" y="0"/>
+            <a:ext cx="3490722" cy="5143500"/>
+          </a:xfrm>
+          <a:prstGeom prst="rect">
+            <a:avLst/>
+          </a:prstGeom>
+          <a:solidFill>
+            <a:schemeClr val="tx1">
+              <a:lumMod val="75000"/>
+              <a:lumOff val="25000"/>
+            </a:schemeClr>
+          </a:solidFill>
+          <a:ln>
+            <a:noFill/>
+          </a:ln>
+        </p:spPr>
+        <p:style>
+          <a:lnRef idx="0">
+            <a:scrgbClr r="0" g="0" b="0"/>
+          </a:lnRef>
+          <a:fillRef idx="0">
+            <a:scrgbClr r="0" g="0" b="0"/>
+          </a:fillRef>
+          <a:effectRef idx="0">
+            <a:scrgbClr r="0" g="0" b="0"/>
+          </a:effectRef>
+          <a:fontRef idx="minor">
+            <a:schemeClr val="lt1"/>
+          </a:fontRef>
+        </p:style>
+        <p:txBody>
+          <a:bodyPr rtlCol="0" anchor="ctr"/>
+          <a:lstStyle/>
+          <a:p>
+            <a:pPr algn="ctr"/>
+            <a:endParaRPr lang="en-US"/>
+          </a:p>
+        </p:txBody>
+      </p:sp>
+      <p:sp>
+        <p:nvSpPr>
+          <p:cNvPr id="3" name="Title 2">
+            <a:extLst>
+              <a:ext uri="{FF2B5EF4-FFF2-40B4-BE49-F238E27FC236}">
+                <a16:creationId xmlns:a16="http://schemas.microsoft.com/office/drawing/2014/main" id="{63240F59-B728-4E62-8E4F-FC897FCAA564}"/>
+              </a:ext>
+            </a:extLst>
+          </p:cNvPr>
+          <p:cNvSpPr>
+            <a:spLocks noGrp="1"/>
+          </p:cNvSpPr>
+          <p:nvPr>
+            <p:ph type="title"/>
+          </p:nvPr>
+        </p:nvSpPr>
+        <p:spPr>
+          <a:xfrm>
+            <a:off x="482600" y="482600"/>
+            <a:ext cx="2522980" cy="1197986"/>
+          </a:xfrm>
+          <a:noFill/>
+          <a:ln w="19050">
+            <a:solidFill>
+              <a:schemeClr val="bg1"/>
+            </a:solidFill>
+          </a:ln>
+        </p:spPr>
+        <p:txBody>
+          <a:bodyPr wrap="square">
+            <a:normAutofit/>
+          </a:bodyPr>
+          <a:lstStyle/>
+          <a:p>
+            <a:pPr algn="ctr"/>
+            <a:r>
+              <a:rPr lang="en-US" sz="2100" dirty="0"/>
+              <a:t>Modelling</a:t>
+            </a:r>
+            <a:br>
+              <a:rPr lang="en-US" sz="2100" dirty="0"/>
+            </a:br>
+            <a:r>
+              <a:rPr lang="en-US" sz="2100" dirty="0"/>
+              <a:t>Regression:</a:t>
+            </a:r>
+          </a:p>
+        </p:txBody>
+      </p:sp>
+      <p:sp>
+        <p:nvSpPr>
+          <p:cNvPr id="2" name="Content Placeholder 1">
+            <a:extLst>
+              <a:ext uri="{FF2B5EF4-FFF2-40B4-BE49-F238E27FC236}">
+                <a16:creationId xmlns:a16="http://schemas.microsoft.com/office/drawing/2014/main" id="{B45B095B-64D1-4F3C-990E-3AD62B6A5031}"/>
+              </a:ext>
+            </a:extLst>
+          </p:cNvPr>
+          <p:cNvSpPr>
+            <a:spLocks noGrp="1"/>
+          </p:cNvSpPr>
+          <p:nvPr>
+            <p:ph idx="1"/>
+          </p:nvPr>
+        </p:nvSpPr>
+        <p:spPr>
+          <a:xfrm>
+            <a:off x="482601" y="1978533"/>
+            <a:ext cx="2522980" cy="2561716"/>
+          </a:xfrm>
+        </p:spPr>
+        <p:txBody>
+          <a:bodyPr>
+            <a:normAutofit/>
+          </a:bodyPr>
+          <a:lstStyle/>
+          <a:p>
+            <a:r>
+              <a:rPr lang="en-US" sz="1500" dirty="0">
+                <a:solidFill>
+                  <a:schemeClr val="bg1"/>
+                </a:solidFill>
+              </a:rPr>
+              <a:t>0</a:t>
+            </a:r>
+            <a:r>
+              <a:rPr lang="en-US" sz="1500" baseline="30000" dirty="0">
+                <a:solidFill>
+                  <a:schemeClr val="bg1"/>
+                </a:solidFill>
+              </a:rPr>
+              <a:t>th</a:t>
+            </a:r>
+            <a:r>
+              <a:rPr lang="en-US" sz="1500" dirty="0">
+                <a:solidFill>
+                  <a:schemeClr val="bg1"/>
+                </a:solidFill>
+              </a:rPr>
+              <a:t> Degree Polynomial</a:t>
+            </a:r>
+          </a:p>
+          <a:p>
+            <a:pPr lvl="1"/>
+            <a:r>
+              <a:rPr lang="en-US" sz="1500" dirty="0">
+                <a:solidFill>
+                  <a:schemeClr val="bg1"/>
+                </a:solidFill>
+              </a:rPr>
+              <a:t>Mean Fit</a:t>
+            </a:r>
+          </a:p>
+          <a:p>
+            <a:endParaRPr lang="en-US" sz="1500" dirty="0">
+              <a:solidFill>
+                <a:schemeClr val="bg1"/>
+              </a:solidFill>
+            </a:endParaRPr>
+          </a:p>
+        </p:txBody>
+      </p:sp>
+      <p:pic>
+        <p:nvPicPr>
+          <p:cNvPr id="5" name="Picture 4">
+            <a:extLst>
+              <a:ext uri="{FF2B5EF4-FFF2-40B4-BE49-F238E27FC236}">
+                <a16:creationId xmlns:a16="http://schemas.microsoft.com/office/drawing/2014/main" id="{65DED9AB-BF01-48F5-A9DF-7D6A5686E54F}"/>
+              </a:ext>
+            </a:extLst>
+          </p:cNvPr>
+          <p:cNvPicPr>
+            <a:picLocks noChangeAspect="1"/>
+          </p:cNvPicPr>
+          <p:nvPr/>
+        </p:nvPicPr>
+        <p:blipFill>
+          <a:blip r:embed="rId2"/>
+          <a:stretch>
+            <a:fillRect/>
+          </a:stretch>
+        </p:blipFill>
+        <p:spPr>
+          <a:xfrm>
+            <a:off x="4214951" y="482600"/>
+            <a:ext cx="4204818" cy="4057649"/>
+          </a:xfrm>
+          <a:prstGeom prst="rect">
+            <a:avLst/>
+          </a:prstGeom>
+        </p:spPr>
+      </p:pic>
+    </p:spTree>
+    <p:extLst>
+      <p:ext uri="{BB962C8B-B14F-4D97-AF65-F5344CB8AC3E}">
+        <p14:creationId xmlns:p14="http://schemas.microsoft.com/office/powerpoint/2010/main" val="1729604804"/>
+      </p:ext>
+    </p:extLst>
+  </p:cSld>
+  <p:clrMapOvr>
+    <a:masterClrMapping/>
+  </p:clrMapOvr>
+</p:sld>
+</file>
+
+<file path=ppt/slides/slide23.xml><?xml version="1.0" encoding="utf-8"?>
+<p:sld xmlns:a="http://schemas.openxmlformats.org/drawingml/2006/main" xmlns:r="http://schemas.openxmlformats.org/officeDocument/2006/relationships" xmlns:p="http://schemas.openxmlformats.org/presentationml/2006/main">
+  <p:cSld>
+    <p:bg>
+      <p:bgPr>
+        <a:solidFill>
+          <a:schemeClr val="bg1"/>
+        </a:solidFill>
+        <a:effectLst/>
+      </p:bgPr>
+    </p:bg>
+    <p:spTree>
+      <p:nvGrpSpPr>
+        <p:cNvPr id="1" name=""/>
+        <p:cNvGrpSpPr/>
+        <p:nvPr/>
+      </p:nvGrpSpPr>
+      <p:grpSpPr>
+        <a:xfrm>
+          <a:off x="0" y="0"/>
+          <a:ext cx="0" cy="0"/>
+          <a:chOff x="0" y="0"/>
+          <a:chExt cx="0" cy="0"/>
+        </a:xfrm>
+      </p:grpSpPr>
+      <p:sp>
+        <p:nvSpPr>
+          <p:cNvPr id="91" name="Rectangle 90">
+            <a:extLst>
+              <a:ext uri="{FF2B5EF4-FFF2-40B4-BE49-F238E27FC236}">
+                <a16:creationId xmlns:a16="http://schemas.microsoft.com/office/drawing/2014/main" id="{867D4867-5BA7-4462-B2F6-A23F4A622AA7}"/>
+              </a:ext>
+              <a:ext uri="{C183D7F6-B498-43B3-948B-1728B52AA6E4}">
+                <adec:decorative xmlns:adec="http://schemas.microsoft.com/office/drawing/2017/decorative" val="1"/>
+              </a:ext>
+            </a:extLst>
+          </p:cNvPr>
+          <p:cNvSpPr>
+            <a:spLocks noGrp="1" noRot="1" noChangeAspect="1" noMove="1" noResize="1" noEditPoints="1" noAdjustHandles="1" noChangeArrowheads="1" noChangeShapeType="1" noTextEdit="1"/>
+          </p:cNvSpPr>
+          <p:nvPr>
+            <p:extLst>
+              <p:ext uri="{386F3935-93C4-4BCD-93E2-E3B085C9AB24}">
+                <p16:designElem xmlns:p16="http://schemas.microsoft.com/office/powerpoint/2015/main" val="1"/>
+              </p:ext>
+            </p:extLst>
+          </p:nvPr>
+        </p:nvSpPr>
+        <p:spPr>
+          <a:xfrm>
+            <a:off x="0" y="0"/>
+            <a:ext cx="3490722" cy="5143500"/>
+          </a:xfrm>
+          <a:prstGeom prst="rect">
+            <a:avLst/>
+          </a:prstGeom>
+          <a:solidFill>
+            <a:schemeClr val="tx1">
+              <a:lumMod val="75000"/>
+              <a:lumOff val="25000"/>
+            </a:schemeClr>
+          </a:solidFill>
+          <a:ln>
+            <a:noFill/>
+          </a:ln>
+        </p:spPr>
+        <p:style>
+          <a:lnRef idx="0">
+            <a:scrgbClr r="0" g="0" b="0"/>
+          </a:lnRef>
+          <a:fillRef idx="0">
+            <a:scrgbClr r="0" g="0" b="0"/>
+          </a:fillRef>
+          <a:effectRef idx="0">
+            <a:scrgbClr r="0" g="0" b="0"/>
+          </a:effectRef>
+          <a:fontRef idx="minor">
+            <a:schemeClr val="lt1"/>
+          </a:fontRef>
+        </p:style>
+        <p:txBody>
+          <a:bodyPr rtlCol="0" anchor="ctr"/>
+          <a:lstStyle/>
+          <a:p>
+            <a:pPr algn="ctr"/>
+            <a:endParaRPr lang="en-US"/>
+          </a:p>
+        </p:txBody>
+      </p:sp>
+      <p:sp>
+        <p:nvSpPr>
+          <p:cNvPr id="3" name="Title 2">
+            <a:extLst>
+              <a:ext uri="{FF2B5EF4-FFF2-40B4-BE49-F238E27FC236}">
+                <a16:creationId xmlns:a16="http://schemas.microsoft.com/office/drawing/2014/main" id="{63240F59-B728-4E62-8E4F-FC897FCAA564}"/>
+              </a:ext>
+            </a:extLst>
+          </p:cNvPr>
+          <p:cNvSpPr>
+            <a:spLocks noGrp="1"/>
+          </p:cNvSpPr>
+          <p:nvPr>
+            <p:ph type="title"/>
+          </p:nvPr>
+        </p:nvSpPr>
+        <p:spPr>
+          <a:xfrm>
+            <a:off x="482600" y="482600"/>
+            <a:ext cx="2522980" cy="1197986"/>
+          </a:xfrm>
+          <a:noFill/>
+          <a:ln w="19050">
+            <a:solidFill>
+              <a:schemeClr val="bg1"/>
+            </a:solidFill>
+          </a:ln>
+        </p:spPr>
+        <p:txBody>
+          <a:bodyPr wrap="square">
+            <a:normAutofit/>
+          </a:bodyPr>
+          <a:lstStyle/>
+          <a:p>
+            <a:pPr algn="ctr"/>
+            <a:r>
+              <a:rPr lang="en-US" sz="2100" dirty="0"/>
+              <a:t>Modelling</a:t>
+            </a:r>
+            <a:br>
+              <a:rPr lang="en-US" sz="2100" dirty="0"/>
+            </a:br>
+            <a:r>
+              <a:rPr lang="en-US" sz="2100" dirty="0"/>
+              <a:t>Regression:</a:t>
+            </a:r>
+          </a:p>
+        </p:txBody>
+      </p:sp>
+      <p:sp>
+        <p:nvSpPr>
+          <p:cNvPr id="2" name="Content Placeholder 1">
+            <a:extLst>
+              <a:ext uri="{FF2B5EF4-FFF2-40B4-BE49-F238E27FC236}">
+                <a16:creationId xmlns:a16="http://schemas.microsoft.com/office/drawing/2014/main" id="{B45B095B-64D1-4F3C-990E-3AD62B6A5031}"/>
+              </a:ext>
+            </a:extLst>
+          </p:cNvPr>
+          <p:cNvSpPr>
+            <a:spLocks noGrp="1"/>
+          </p:cNvSpPr>
+          <p:nvPr>
+            <p:ph idx="1"/>
+          </p:nvPr>
+        </p:nvSpPr>
+        <p:spPr>
+          <a:xfrm>
+            <a:off x="482601" y="1978533"/>
+            <a:ext cx="2522980" cy="2561716"/>
+          </a:xfrm>
+        </p:spPr>
+        <p:txBody>
+          <a:bodyPr>
+            <a:normAutofit/>
+          </a:bodyPr>
+          <a:lstStyle/>
+          <a:p>
+            <a:r>
+              <a:rPr lang="en-US" sz="1500" dirty="0">
+                <a:solidFill>
+                  <a:schemeClr val="bg1"/>
+                </a:solidFill>
+              </a:rPr>
+              <a:t>1</a:t>
+            </a:r>
+            <a:r>
+              <a:rPr lang="en-US" sz="1500" baseline="30000" dirty="0">
+                <a:solidFill>
+                  <a:schemeClr val="bg1"/>
+                </a:solidFill>
+              </a:rPr>
+              <a:t>st</a:t>
+            </a:r>
+            <a:r>
+              <a:rPr lang="en-US" sz="1500" dirty="0">
+                <a:solidFill>
+                  <a:schemeClr val="bg1"/>
+                </a:solidFill>
+              </a:rPr>
+              <a:t> Degree Polynomial</a:t>
+            </a:r>
+          </a:p>
+          <a:p>
+            <a:pPr lvl="1"/>
+            <a:r>
+              <a:rPr lang="en-US" sz="1500" dirty="0">
+                <a:solidFill>
+                  <a:schemeClr val="bg1"/>
+                </a:solidFill>
+              </a:rPr>
+              <a:t>Linear Fit</a:t>
+            </a:r>
+          </a:p>
+          <a:p>
+            <a:endParaRPr lang="en-US" sz="1500" dirty="0">
+              <a:solidFill>
+                <a:schemeClr val="bg1"/>
+              </a:solidFill>
+            </a:endParaRPr>
+          </a:p>
+        </p:txBody>
+      </p:sp>
+      <p:pic>
+        <p:nvPicPr>
+          <p:cNvPr id="8" name="Picture 7">
+            <a:extLst>
+              <a:ext uri="{FF2B5EF4-FFF2-40B4-BE49-F238E27FC236}">
+                <a16:creationId xmlns:a16="http://schemas.microsoft.com/office/drawing/2014/main" id="{A1E443B9-2422-4E3B-AE49-2634BCC2CD2D}"/>
+              </a:ext>
+            </a:extLst>
+          </p:cNvPr>
+          <p:cNvPicPr>
+            <a:picLocks noChangeAspect="1"/>
+          </p:cNvPicPr>
+          <p:nvPr/>
+        </p:nvPicPr>
+        <p:blipFill>
+          <a:blip r:embed="rId2"/>
+          <a:stretch>
+            <a:fillRect/>
+          </a:stretch>
+        </p:blipFill>
+        <p:spPr>
+          <a:xfrm>
+            <a:off x="4214951" y="482600"/>
+            <a:ext cx="4204818" cy="4057649"/>
+          </a:xfrm>
+          <a:prstGeom prst="rect">
+            <a:avLst/>
+          </a:prstGeom>
+        </p:spPr>
+      </p:pic>
+    </p:spTree>
+    <p:extLst>
+      <p:ext uri="{BB962C8B-B14F-4D97-AF65-F5344CB8AC3E}">
+        <p14:creationId xmlns:p14="http://schemas.microsoft.com/office/powerpoint/2010/main" val="2755578782"/>
+      </p:ext>
+    </p:extLst>
+  </p:cSld>
+  <p:clrMapOvr>
+    <a:masterClrMapping/>
+  </p:clrMapOvr>
+</p:sld>
+</file>
+
+<file path=ppt/slides/slide24.xml><?xml version="1.0" encoding="utf-8"?>
+<p:sld xmlns:a="http://schemas.openxmlformats.org/drawingml/2006/main" xmlns:r="http://schemas.openxmlformats.org/officeDocument/2006/relationships" xmlns:p="http://schemas.openxmlformats.org/presentationml/2006/main">
+  <p:cSld>
+    <p:bg>
+      <p:bgPr>
+        <a:solidFill>
+          <a:schemeClr val="bg1"/>
+        </a:solidFill>
+        <a:effectLst/>
+      </p:bgPr>
+    </p:bg>
+    <p:spTree>
+      <p:nvGrpSpPr>
+        <p:cNvPr id="1" name=""/>
+        <p:cNvGrpSpPr/>
+        <p:nvPr/>
+      </p:nvGrpSpPr>
+      <p:grpSpPr>
+        <a:xfrm>
+          <a:off x="0" y="0"/>
+          <a:ext cx="0" cy="0"/>
+          <a:chOff x="0" y="0"/>
+          <a:chExt cx="0" cy="0"/>
+        </a:xfrm>
+      </p:grpSpPr>
+      <p:sp>
+        <p:nvSpPr>
+          <p:cNvPr id="91" name="Rectangle 90">
+            <a:extLst>
+              <a:ext uri="{FF2B5EF4-FFF2-40B4-BE49-F238E27FC236}">
+                <a16:creationId xmlns:a16="http://schemas.microsoft.com/office/drawing/2014/main" id="{867D4867-5BA7-4462-B2F6-A23F4A622AA7}"/>
+              </a:ext>
+              <a:ext uri="{C183D7F6-B498-43B3-948B-1728B52AA6E4}">
+                <adec:decorative xmlns:adec="http://schemas.microsoft.com/office/drawing/2017/decorative" val="1"/>
+              </a:ext>
+            </a:extLst>
+          </p:cNvPr>
+          <p:cNvSpPr>
+            <a:spLocks noGrp="1" noRot="1" noChangeAspect="1" noMove="1" noResize="1" noEditPoints="1" noAdjustHandles="1" noChangeArrowheads="1" noChangeShapeType="1" noTextEdit="1"/>
+          </p:cNvSpPr>
+          <p:nvPr>
+            <p:extLst>
+              <p:ext uri="{386F3935-93C4-4BCD-93E2-E3B085C9AB24}">
+                <p16:designElem xmlns:p16="http://schemas.microsoft.com/office/powerpoint/2015/main" val="1"/>
+              </p:ext>
+            </p:extLst>
+          </p:nvPr>
+        </p:nvSpPr>
+        <p:spPr>
+          <a:xfrm>
+            <a:off x="0" y="0"/>
+            <a:ext cx="3490722" cy="5143500"/>
+          </a:xfrm>
+          <a:prstGeom prst="rect">
+            <a:avLst/>
+          </a:prstGeom>
+          <a:solidFill>
+            <a:schemeClr val="tx1">
+              <a:lumMod val="75000"/>
+              <a:lumOff val="25000"/>
+            </a:schemeClr>
+          </a:solidFill>
+          <a:ln>
+            <a:noFill/>
+          </a:ln>
+        </p:spPr>
+        <p:style>
+          <a:lnRef idx="0">
+            <a:scrgbClr r="0" g="0" b="0"/>
+          </a:lnRef>
+          <a:fillRef idx="0">
+            <a:scrgbClr r="0" g="0" b="0"/>
+          </a:fillRef>
+          <a:effectRef idx="0">
+            <a:scrgbClr r="0" g="0" b="0"/>
+          </a:effectRef>
+          <a:fontRef idx="minor">
+            <a:schemeClr val="lt1"/>
+          </a:fontRef>
+        </p:style>
+        <p:txBody>
+          <a:bodyPr rtlCol="0" anchor="ctr"/>
+          <a:lstStyle/>
+          <a:p>
+            <a:pPr algn="ctr"/>
+            <a:endParaRPr lang="en-US"/>
+          </a:p>
+        </p:txBody>
+      </p:sp>
+      <p:sp>
+        <p:nvSpPr>
+          <p:cNvPr id="3" name="Title 2">
+            <a:extLst>
+              <a:ext uri="{FF2B5EF4-FFF2-40B4-BE49-F238E27FC236}">
+                <a16:creationId xmlns:a16="http://schemas.microsoft.com/office/drawing/2014/main" id="{63240F59-B728-4E62-8E4F-FC897FCAA564}"/>
+              </a:ext>
+            </a:extLst>
+          </p:cNvPr>
+          <p:cNvSpPr>
+            <a:spLocks noGrp="1"/>
+          </p:cNvSpPr>
+          <p:nvPr>
+            <p:ph type="title"/>
+          </p:nvPr>
+        </p:nvSpPr>
+        <p:spPr>
+          <a:xfrm>
+            <a:off x="482600" y="482600"/>
+            <a:ext cx="2522980" cy="1197986"/>
+          </a:xfrm>
+          <a:noFill/>
+          <a:ln w="19050">
+            <a:solidFill>
+              <a:schemeClr val="bg1"/>
+            </a:solidFill>
+          </a:ln>
+        </p:spPr>
+        <p:txBody>
+          <a:bodyPr wrap="square">
+            <a:normAutofit/>
+          </a:bodyPr>
+          <a:lstStyle/>
+          <a:p>
+            <a:pPr algn="ctr"/>
+            <a:r>
+              <a:rPr lang="en-US" sz="2100" dirty="0"/>
+              <a:t>Modelling</a:t>
+            </a:r>
+            <a:br>
+              <a:rPr lang="en-US" sz="2100" dirty="0"/>
+            </a:br>
+            <a:r>
+              <a:rPr lang="en-US" sz="2100" dirty="0"/>
+              <a:t>Regression:</a:t>
+            </a:r>
+          </a:p>
+        </p:txBody>
+      </p:sp>
+      <p:sp>
+        <p:nvSpPr>
+          <p:cNvPr id="2" name="Content Placeholder 1">
+            <a:extLst>
+              <a:ext uri="{FF2B5EF4-FFF2-40B4-BE49-F238E27FC236}">
+                <a16:creationId xmlns:a16="http://schemas.microsoft.com/office/drawing/2014/main" id="{B45B095B-64D1-4F3C-990E-3AD62B6A5031}"/>
+              </a:ext>
+            </a:extLst>
+          </p:cNvPr>
+          <p:cNvSpPr>
+            <a:spLocks noGrp="1"/>
+          </p:cNvSpPr>
+          <p:nvPr>
+            <p:ph idx="1"/>
+          </p:nvPr>
+        </p:nvSpPr>
+        <p:spPr>
+          <a:xfrm>
+            <a:off x="482601" y="1978533"/>
+            <a:ext cx="2522980" cy="2561716"/>
+          </a:xfrm>
+        </p:spPr>
+        <p:txBody>
+          <a:bodyPr>
+            <a:normAutofit/>
+          </a:bodyPr>
+          <a:lstStyle/>
+          <a:p>
+            <a:r>
+              <a:rPr lang="en-US" sz="1500" dirty="0">
+                <a:solidFill>
+                  <a:schemeClr val="bg1"/>
+                </a:solidFill>
+              </a:rPr>
+              <a:t>2</a:t>
+            </a:r>
+            <a:r>
+              <a:rPr lang="en-US" sz="1500" baseline="30000" dirty="0">
+                <a:solidFill>
+                  <a:schemeClr val="bg1"/>
+                </a:solidFill>
+              </a:rPr>
+              <a:t>nd</a:t>
+            </a:r>
+            <a:r>
+              <a:rPr lang="en-US" sz="1500" dirty="0">
+                <a:solidFill>
+                  <a:schemeClr val="bg1"/>
+                </a:solidFill>
+              </a:rPr>
+              <a:t> Degree Polynomial</a:t>
+            </a:r>
+          </a:p>
+          <a:p>
+            <a:pPr lvl="1"/>
+            <a:r>
+              <a:rPr lang="en-US" sz="1500" dirty="0">
+                <a:solidFill>
+                  <a:schemeClr val="bg1"/>
+                </a:solidFill>
+              </a:rPr>
+              <a:t>Quadratic Fit</a:t>
+            </a:r>
+          </a:p>
+          <a:p>
+            <a:endParaRPr lang="en-US" sz="1500" dirty="0">
+              <a:solidFill>
+                <a:schemeClr val="bg1"/>
+              </a:solidFill>
+            </a:endParaRPr>
+          </a:p>
+        </p:txBody>
+      </p:sp>
+      <p:pic>
+        <p:nvPicPr>
+          <p:cNvPr id="5" name="Picture 4">
+            <a:extLst>
+              <a:ext uri="{FF2B5EF4-FFF2-40B4-BE49-F238E27FC236}">
+                <a16:creationId xmlns:a16="http://schemas.microsoft.com/office/drawing/2014/main" id="{2863949F-8C8A-4838-AE96-DCD9A901D40F}"/>
+              </a:ext>
+            </a:extLst>
+          </p:cNvPr>
+          <p:cNvPicPr>
+            <a:picLocks noChangeAspect="1"/>
+          </p:cNvPicPr>
+          <p:nvPr/>
+        </p:nvPicPr>
+        <p:blipFill>
+          <a:blip r:embed="rId2"/>
+          <a:stretch>
+            <a:fillRect/>
+          </a:stretch>
+        </p:blipFill>
+        <p:spPr>
+          <a:xfrm>
+            <a:off x="4236515" y="482600"/>
+            <a:ext cx="4161691" cy="4057649"/>
+          </a:xfrm>
+          <a:prstGeom prst="rect">
+            <a:avLst/>
+          </a:prstGeom>
+        </p:spPr>
+      </p:pic>
+    </p:spTree>
+    <p:extLst>
+      <p:ext uri="{BB962C8B-B14F-4D97-AF65-F5344CB8AC3E}">
+        <p14:creationId xmlns:p14="http://schemas.microsoft.com/office/powerpoint/2010/main" val="1218170770"/>
+      </p:ext>
+    </p:extLst>
+  </p:cSld>
+  <p:clrMapOvr>
+    <a:masterClrMapping/>
+  </p:clrMapOvr>
+</p:sld>
+</file>
+
+<file path=ppt/slides/slide25.xml><?xml version="1.0" encoding="utf-8"?>
+<p:sld xmlns:a="http://schemas.openxmlformats.org/drawingml/2006/main" xmlns:r="http://schemas.openxmlformats.org/officeDocument/2006/relationships" xmlns:p="http://schemas.openxmlformats.org/presentationml/2006/main">
+  <p:cSld>
+    <p:bg>
+      <p:bgPr>
+        <a:solidFill>
+          <a:schemeClr val="bg1"/>
+        </a:solidFill>
+        <a:effectLst/>
+      </p:bgPr>
+    </p:bg>
+    <p:spTree>
+      <p:nvGrpSpPr>
+        <p:cNvPr id="1" name=""/>
+        <p:cNvGrpSpPr/>
+        <p:nvPr/>
+      </p:nvGrpSpPr>
+      <p:grpSpPr>
+        <a:xfrm>
+          <a:off x="0" y="0"/>
+          <a:ext cx="0" cy="0"/>
+          <a:chOff x="0" y="0"/>
+          <a:chExt cx="0" cy="0"/>
+        </a:xfrm>
+      </p:grpSpPr>
+      <p:sp>
+        <p:nvSpPr>
+          <p:cNvPr id="96" name="Rectangle 95">
+            <a:extLst>
+              <a:ext uri="{FF2B5EF4-FFF2-40B4-BE49-F238E27FC236}">
+                <a16:creationId xmlns:a16="http://schemas.microsoft.com/office/drawing/2014/main" id="{867D4867-5BA7-4462-B2F6-A23F4A622AA7}"/>
+              </a:ext>
+              <a:ext uri="{C183D7F6-B498-43B3-948B-1728B52AA6E4}">
+                <adec:decorative xmlns:adec="http://schemas.microsoft.com/office/drawing/2017/decorative" val="1"/>
+              </a:ext>
+            </a:extLst>
+          </p:cNvPr>
+          <p:cNvSpPr>
+            <a:spLocks noGrp="1" noRot="1" noChangeAspect="1" noMove="1" noResize="1" noEditPoints="1" noAdjustHandles="1" noChangeArrowheads="1" noChangeShapeType="1" noTextEdit="1"/>
+          </p:cNvSpPr>
+          <p:nvPr>
+            <p:extLst>
+              <p:ext uri="{386F3935-93C4-4BCD-93E2-E3B085C9AB24}">
+                <p16:designElem xmlns:p16="http://schemas.microsoft.com/office/powerpoint/2015/main" val="1"/>
+              </p:ext>
+            </p:extLst>
+          </p:nvPr>
+        </p:nvSpPr>
+        <p:spPr>
+          <a:xfrm>
+            <a:off x="0" y="0"/>
+            <a:ext cx="3490722" cy="5143500"/>
+          </a:xfrm>
+          <a:prstGeom prst="rect">
+            <a:avLst/>
+          </a:prstGeom>
+          <a:solidFill>
+            <a:schemeClr val="tx1">
+              <a:lumMod val="75000"/>
+              <a:lumOff val="25000"/>
+            </a:schemeClr>
+          </a:solidFill>
+          <a:ln>
+            <a:noFill/>
+          </a:ln>
+        </p:spPr>
+        <p:style>
+          <a:lnRef idx="0">
+            <a:scrgbClr r="0" g="0" b="0"/>
+          </a:lnRef>
+          <a:fillRef idx="0">
+            <a:scrgbClr r="0" g="0" b="0"/>
+          </a:fillRef>
+          <a:effectRef idx="0">
+            <a:scrgbClr r="0" g="0" b="0"/>
+          </a:effectRef>
+          <a:fontRef idx="minor">
+            <a:schemeClr val="lt1"/>
+          </a:fontRef>
+        </p:style>
+        <p:txBody>
+          <a:bodyPr rtlCol="0" anchor="ctr"/>
+          <a:lstStyle/>
+          <a:p>
+            <a:pPr algn="ctr"/>
+            <a:endParaRPr lang="en-US"/>
+          </a:p>
+        </p:txBody>
+      </p:sp>
+      <p:sp>
+        <p:nvSpPr>
+          <p:cNvPr id="3" name="Title 2">
+            <a:extLst>
+              <a:ext uri="{FF2B5EF4-FFF2-40B4-BE49-F238E27FC236}">
+                <a16:creationId xmlns:a16="http://schemas.microsoft.com/office/drawing/2014/main" id="{63240F59-B728-4E62-8E4F-FC897FCAA564}"/>
+              </a:ext>
+            </a:extLst>
+          </p:cNvPr>
+          <p:cNvSpPr>
+            <a:spLocks noGrp="1"/>
+          </p:cNvSpPr>
+          <p:nvPr>
+            <p:ph type="title"/>
+          </p:nvPr>
+        </p:nvSpPr>
+        <p:spPr>
+          <a:xfrm>
+            <a:off x="482600" y="482600"/>
+            <a:ext cx="2522980" cy="1197986"/>
+          </a:xfrm>
+          <a:noFill/>
+          <a:ln w="19050">
+            <a:solidFill>
+              <a:schemeClr val="bg1"/>
+            </a:solidFill>
+          </a:ln>
+        </p:spPr>
+        <p:txBody>
+          <a:bodyPr wrap="square">
+            <a:normAutofit/>
+          </a:bodyPr>
+          <a:lstStyle/>
+          <a:p>
+            <a:pPr algn="ctr"/>
+            <a:r>
+              <a:rPr lang="en-US" sz="2100" dirty="0"/>
+              <a:t>Evaluation</a:t>
+            </a:r>
+          </a:p>
+        </p:txBody>
+      </p:sp>
+      <p:sp>
+        <p:nvSpPr>
+          <p:cNvPr id="2" name="Content Placeholder 1">
+            <a:extLst>
+              <a:ext uri="{FF2B5EF4-FFF2-40B4-BE49-F238E27FC236}">
+                <a16:creationId xmlns:a16="http://schemas.microsoft.com/office/drawing/2014/main" id="{B45B095B-64D1-4F3C-990E-3AD62B6A5031}"/>
+              </a:ext>
+            </a:extLst>
+          </p:cNvPr>
+          <p:cNvSpPr>
+            <a:spLocks noGrp="1"/>
+          </p:cNvSpPr>
+          <p:nvPr>
+            <p:ph idx="1"/>
+          </p:nvPr>
+        </p:nvSpPr>
+        <p:spPr>
+          <a:xfrm>
+            <a:off x="482601" y="1978533"/>
+            <a:ext cx="2522980" cy="2561716"/>
+          </a:xfrm>
+        </p:spPr>
+        <p:txBody>
+          <a:bodyPr>
+            <a:normAutofit/>
+          </a:bodyPr>
+          <a:lstStyle/>
+          <a:p>
+            <a:r>
+              <a:rPr lang="en-US" sz="1500" dirty="0">
+                <a:solidFill>
+                  <a:schemeClr val="bg1"/>
+                </a:solidFill>
+              </a:rPr>
+              <a:t>Did we do a good job?</a:t>
+            </a:r>
+          </a:p>
+          <a:p>
+            <a:r>
+              <a:rPr lang="en-US" sz="1500" dirty="0">
+                <a:solidFill>
+                  <a:schemeClr val="bg1"/>
+                </a:solidFill>
+              </a:rPr>
+              <a:t>Is there more informative data?</a:t>
+            </a:r>
+          </a:p>
+          <a:p>
+            <a:endParaRPr lang="en-US" sz="1500" dirty="0">
+              <a:solidFill>
+                <a:schemeClr val="bg1"/>
+              </a:solidFill>
+            </a:endParaRPr>
+          </a:p>
+        </p:txBody>
+      </p:sp>
+      <p:pic>
+        <p:nvPicPr>
+          <p:cNvPr id="6" name="Picture 5">
+            <a:extLst>
+              <a:ext uri="{FF2B5EF4-FFF2-40B4-BE49-F238E27FC236}">
+                <a16:creationId xmlns:a16="http://schemas.microsoft.com/office/drawing/2014/main" id="{9047853B-69AD-450B-A63A-5DFD398712F2}"/>
+              </a:ext>
+            </a:extLst>
+          </p:cNvPr>
+          <p:cNvPicPr>
+            <a:picLocks noChangeAspect="1"/>
+          </p:cNvPicPr>
+          <p:nvPr/>
+        </p:nvPicPr>
+        <p:blipFill>
+          <a:blip r:embed="rId2"/>
+          <a:stretch>
+            <a:fillRect/>
+          </a:stretch>
+        </p:blipFill>
+        <p:spPr>
+          <a:xfrm>
+            <a:off x="4236515" y="482600"/>
+            <a:ext cx="4161691" cy="4057649"/>
+          </a:xfrm>
+          <a:prstGeom prst="rect">
+            <a:avLst/>
+          </a:prstGeom>
+        </p:spPr>
+      </p:pic>
+    </p:spTree>
+    <p:extLst>
+      <p:ext uri="{BB962C8B-B14F-4D97-AF65-F5344CB8AC3E}">
+        <p14:creationId xmlns:p14="http://schemas.microsoft.com/office/powerpoint/2010/main" val="759772418"/>
+      </p:ext>
+    </p:extLst>
+  </p:cSld>
+  <p:clrMapOvr>
+    <a:masterClrMapping/>
+  </p:clrMapOvr>
+</p:sld>
+</file>
+
+<file path=ppt/slides/slide26.xml><?xml version="1.0" encoding="utf-8"?>
+<p:sld xmlns:a="http://schemas.openxmlformats.org/drawingml/2006/main" xmlns:r="http://schemas.openxmlformats.org/officeDocument/2006/relationships" xmlns:p="http://schemas.openxmlformats.org/presentationml/2006/main">
+  <p:cSld>
+    <p:bg>
+      <p:bgPr>
+        <a:solidFill>
+          <a:schemeClr val="bg1"/>
+        </a:solidFill>
+        <a:effectLst/>
+      </p:bgPr>
+    </p:bg>
+    <p:spTree>
+      <p:nvGrpSpPr>
+        <p:cNvPr id="1" name=""/>
+        <p:cNvGrpSpPr/>
+        <p:nvPr/>
+      </p:nvGrpSpPr>
+      <p:grpSpPr>
+        <a:xfrm>
+          <a:off x="0" y="0"/>
+          <a:ext cx="0" cy="0"/>
+          <a:chOff x="0" y="0"/>
+          <a:chExt cx="0" cy="0"/>
+        </a:xfrm>
+      </p:grpSpPr>
+      <p:sp>
+        <p:nvSpPr>
+          <p:cNvPr id="106" name="Rectangle 105">
+            <a:extLst>
+              <a:ext uri="{FF2B5EF4-FFF2-40B4-BE49-F238E27FC236}">
+                <a16:creationId xmlns:a16="http://schemas.microsoft.com/office/drawing/2014/main" id="{867D4867-5BA7-4462-B2F6-A23F4A622AA7}"/>
+              </a:ext>
+              <a:ext uri="{C183D7F6-B498-43B3-948B-1728B52AA6E4}">
+                <adec:decorative xmlns:adec="http://schemas.microsoft.com/office/drawing/2017/decorative" val="1"/>
+              </a:ext>
+            </a:extLst>
+          </p:cNvPr>
+          <p:cNvSpPr>
+            <a:spLocks noGrp="1" noRot="1" noChangeAspect="1" noMove="1" noResize="1" noEditPoints="1" noAdjustHandles="1" noChangeArrowheads="1" noChangeShapeType="1" noTextEdit="1"/>
+          </p:cNvSpPr>
+          <p:nvPr>
+            <p:extLst>
+              <p:ext uri="{386F3935-93C4-4BCD-93E2-E3B085C9AB24}">
+                <p16:designElem xmlns:p16="http://schemas.microsoft.com/office/powerpoint/2015/main" val="1"/>
+              </p:ext>
+            </p:extLst>
+          </p:nvPr>
+        </p:nvSpPr>
+        <p:spPr>
+          <a:xfrm>
+            <a:off x="0" y="0"/>
+            <a:ext cx="3490722" cy="5143500"/>
+          </a:xfrm>
+          <a:prstGeom prst="rect">
+            <a:avLst/>
+          </a:prstGeom>
+          <a:solidFill>
+            <a:schemeClr val="tx1">
+              <a:lumMod val="75000"/>
+              <a:lumOff val="25000"/>
+            </a:schemeClr>
+          </a:solidFill>
+          <a:ln>
+            <a:noFill/>
+          </a:ln>
+        </p:spPr>
+        <p:style>
+          <a:lnRef idx="0">
+            <a:scrgbClr r="0" g="0" b="0"/>
+          </a:lnRef>
+          <a:fillRef idx="0">
+            <a:scrgbClr r="0" g="0" b="0"/>
+          </a:fillRef>
+          <a:effectRef idx="0">
+            <a:scrgbClr r="0" g="0" b="0"/>
+          </a:effectRef>
+          <a:fontRef idx="minor">
+            <a:schemeClr val="lt1"/>
+          </a:fontRef>
+        </p:style>
+        <p:txBody>
+          <a:bodyPr rtlCol="0" anchor="ctr"/>
+          <a:lstStyle/>
+          <a:p>
+            <a:pPr algn="ctr"/>
+            <a:endParaRPr lang="en-US"/>
+          </a:p>
+        </p:txBody>
+      </p:sp>
+      <p:sp>
+        <p:nvSpPr>
+          <p:cNvPr id="3" name="Title 2">
+            <a:extLst>
+              <a:ext uri="{FF2B5EF4-FFF2-40B4-BE49-F238E27FC236}">
+                <a16:creationId xmlns:a16="http://schemas.microsoft.com/office/drawing/2014/main" id="{63240F59-B728-4E62-8E4F-FC897FCAA564}"/>
+              </a:ext>
+            </a:extLst>
+          </p:cNvPr>
+          <p:cNvSpPr>
+            <a:spLocks noGrp="1"/>
+          </p:cNvSpPr>
+          <p:nvPr>
+            <p:ph type="title"/>
+          </p:nvPr>
+        </p:nvSpPr>
+        <p:spPr>
+          <a:xfrm>
+            <a:off x="482600" y="482600"/>
+            <a:ext cx="2522980" cy="1197986"/>
+          </a:xfrm>
+          <a:noFill/>
+          <a:ln w="19050">
+            <a:solidFill>
+              <a:schemeClr val="bg1"/>
+            </a:solidFill>
+          </a:ln>
+        </p:spPr>
+        <p:txBody>
+          <a:bodyPr wrap="square">
+            <a:normAutofit/>
+          </a:bodyPr>
+          <a:lstStyle/>
+          <a:p>
+            <a:pPr algn="ctr"/>
+            <a:r>
+              <a:rPr lang="en-US" sz="1900"/>
+              <a:t>Evaluation</a:t>
+            </a:r>
+            <a:br>
+              <a:rPr lang="en-US" sz="1900"/>
+            </a:br>
+            <a:r>
+              <a:rPr lang="en-US" sz="1900">
+                <a:sym typeface="Wingdings" panose="05000000000000000000" pitchFamily="2" charset="2"/>
+              </a:rPr>
+              <a:t> Data Understanding / Acquisition</a:t>
+            </a:r>
+            <a:endParaRPr lang="en-US" sz="1900"/>
+          </a:p>
+        </p:txBody>
+      </p:sp>
+      <p:sp>
+        <p:nvSpPr>
+          <p:cNvPr id="2" name="Content Placeholder 1">
+            <a:extLst>
+              <a:ext uri="{FF2B5EF4-FFF2-40B4-BE49-F238E27FC236}">
+                <a16:creationId xmlns:a16="http://schemas.microsoft.com/office/drawing/2014/main" id="{B45B095B-64D1-4F3C-990E-3AD62B6A5031}"/>
+              </a:ext>
+            </a:extLst>
+          </p:cNvPr>
+          <p:cNvSpPr>
+            <a:spLocks noGrp="1"/>
+          </p:cNvSpPr>
+          <p:nvPr>
+            <p:ph idx="1"/>
+          </p:nvPr>
+        </p:nvSpPr>
+        <p:spPr>
+          <a:xfrm>
+            <a:off x="482601" y="1978533"/>
+            <a:ext cx="2522980" cy="2561716"/>
+          </a:xfrm>
+        </p:spPr>
+        <p:txBody>
+          <a:bodyPr>
+            <a:normAutofit/>
+          </a:bodyPr>
+          <a:lstStyle/>
+          <a:p>
+            <a:r>
+              <a:rPr lang="en-US" sz="1500" dirty="0">
+                <a:solidFill>
+                  <a:schemeClr val="bg1"/>
+                </a:solidFill>
+              </a:rPr>
+              <a:t>What if we discover that we had gender of the birds?</a:t>
+            </a:r>
+          </a:p>
+          <a:p>
+            <a:pPr marL="0" indent="0">
+              <a:buNone/>
+            </a:pPr>
+            <a:endParaRPr lang="en-US" sz="1500" dirty="0">
+              <a:solidFill>
+                <a:schemeClr val="bg1"/>
+              </a:solidFill>
+            </a:endParaRPr>
+          </a:p>
+          <a:p>
+            <a:endParaRPr lang="en-US" sz="1500" dirty="0">
+              <a:solidFill>
+                <a:schemeClr val="bg1"/>
+              </a:solidFill>
+            </a:endParaRPr>
+          </a:p>
+        </p:txBody>
+      </p:sp>
+      <p:pic>
+        <p:nvPicPr>
+          <p:cNvPr id="10" name="Picture 9">
+            <a:extLst>
+              <a:ext uri="{FF2B5EF4-FFF2-40B4-BE49-F238E27FC236}">
+                <a16:creationId xmlns:a16="http://schemas.microsoft.com/office/drawing/2014/main" id="{0A6017DC-6DD8-4E34-BA0A-28EC61523171}"/>
+              </a:ext>
+            </a:extLst>
+          </p:cNvPr>
+          <p:cNvPicPr>
+            <a:picLocks noChangeAspect="1"/>
+          </p:cNvPicPr>
+          <p:nvPr/>
+        </p:nvPicPr>
+        <p:blipFill>
+          <a:blip r:embed="rId2"/>
+          <a:stretch>
+            <a:fillRect/>
+          </a:stretch>
+        </p:blipFill>
+        <p:spPr>
+          <a:xfrm>
+            <a:off x="4236515" y="482600"/>
+            <a:ext cx="4161691" cy="4057649"/>
+          </a:xfrm>
+          <a:prstGeom prst="rect">
+            <a:avLst/>
+          </a:prstGeom>
+        </p:spPr>
+      </p:pic>
+    </p:spTree>
+    <p:extLst>
+      <p:ext uri="{BB962C8B-B14F-4D97-AF65-F5344CB8AC3E}">
+        <p14:creationId xmlns:p14="http://schemas.microsoft.com/office/powerpoint/2010/main" val="1005640126"/>
+      </p:ext>
+    </p:extLst>
+  </p:cSld>
+  <p:clrMapOvr>
+    <a:masterClrMapping/>
+  </p:clrMapOvr>
+</p:sld>
+</file>
+
+<file path=ppt/slides/slide27.xml><?xml version="1.0" encoding="utf-8"?>
+<p:sld xmlns:a="http://schemas.openxmlformats.org/drawingml/2006/main" xmlns:r="http://schemas.openxmlformats.org/officeDocument/2006/relationships" xmlns:p="http://schemas.openxmlformats.org/presentationml/2006/main">
+  <p:cSld>
+    <p:bg>
+      <p:bgPr>
+        <a:solidFill>
+          <a:schemeClr val="bg1"/>
+        </a:solidFill>
+        <a:effectLst/>
+      </p:bgPr>
+    </p:bg>
+    <p:spTree>
+      <p:nvGrpSpPr>
+        <p:cNvPr id="1" name=""/>
+        <p:cNvGrpSpPr/>
+        <p:nvPr/>
+      </p:nvGrpSpPr>
+      <p:grpSpPr>
+        <a:xfrm>
+          <a:off x="0" y="0"/>
+          <a:ext cx="0" cy="0"/>
+          <a:chOff x="0" y="0"/>
+          <a:chExt cx="0" cy="0"/>
+        </a:xfrm>
+      </p:grpSpPr>
+      <p:sp>
+        <p:nvSpPr>
+          <p:cNvPr id="111" name="Rectangle 110">
+            <a:extLst>
+              <a:ext uri="{FF2B5EF4-FFF2-40B4-BE49-F238E27FC236}">
+                <a16:creationId xmlns:a16="http://schemas.microsoft.com/office/drawing/2014/main" id="{867D4867-5BA7-4462-B2F6-A23F4A622AA7}"/>
+              </a:ext>
+              <a:ext uri="{C183D7F6-B498-43B3-948B-1728B52AA6E4}">
+                <adec:decorative xmlns:adec="http://schemas.microsoft.com/office/drawing/2017/decorative" val="1"/>
+              </a:ext>
+            </a:extLst>
+          </p:cNvPr>
+          <p:cNvSpPr>
+            <a:spLocks noGrp="1" noRot="1" noChangeAspect="1" noMove="1" noResize="1" noEditPoints="1" noAdjustHandles="1" noChangeArrowheads="1" noChangeShapeType="1" noTextEdit="1"/>
+          </p:cNvSpPr>
+          <p:nvPr>
+            <p:extLst>
+              <p:ext uri="{386F3935-93C4-4BCD-93E2-E3B085C9AB24}">
+                <p16:designElem xmlns:p16="http://schemas.microsoft.com/office/powerpoint/2015/main" val="1"/>
+              </p:ext>
+            </p:extLst>
+          </p:nvPr>
+        </p:nvSpPr>
+        <p:spPr>
+          <a:xfrm>
+            <a:off x="0" y="0"/>
+            <a:ext cx="3490722" cy="5143500"/>
+          </a:xfrm>
+          <a:prstGeom prst="rect">
+            <a:avLst/>
+          </a:prstGeom>
+          <a:solidFill>
+            <a:schemeClr val="tx1">
+              <a:lumMod val="75000"/>
+              <a:lumOff val="25000"/>
+            </a:schemeClr>
+          </a:solidFill>
+          <a:ln>
+            <a:noFill/>
+          </a:ln>
+        </p:spPr>
+        <p:style>
+          <a:lnRef idx="0">
+            <a:scrgbClr r="0" g="0" b="0"/>
+          </a:lnRef>
+          <a:fillRef idx="0">
+            <a:scrgbClr r="0" g="0" b="0"/>
+          </a:fillRef>
+          <a:effectRef idx="0">
+            <a:scrgbClr r="0" g="0" b="0"/>
+          </a:effectRef>
+          <a:fontRef idx="minor">
+            <a:schemeClr val="lt1"/>
+          </a:fontRef>
+        </p:style>
+        <p:txBody>
+          <a:bodyPr rtlCol="0" anchor="ctr"/>
+          <a:lstStyle/>
+          <a:p>
+            <a:pPr algn="ctr"/>
+            <a:endParaRPr lang="en-US"/>
+          </a:p>
+        </p:txBody>
+      </p:sp>
+      <p:sp>
+        <p:nvSpPr>
+          <p:cNvPr id="3" name="Title 2">
+            <a:extLst>
+              <a:ext uri="{FF2B5EF4-FFF2-40B4-BE49-F238E27FC236}">
+                <a16:creationId xmlns:a16="http://schemas.microsoft.com/office/drawing/2014/main" id="{63240F59-B728-4E62-8E4F-FC897FCAA564}"/>
+              </a:ext>
+            </a:extLst>
+          </p:cNvPr>
+          <p:cNvSpPr>
+            <a:spLocks noGrp="1"/>
+          </p:cNvSpPr>
+          <p:nvPr>
+            <p:ph type="title"/>
+          </p:nvPr>
+        </p:nvSpPr>
+        <p:spPr>
+          <a:xfrm>
+            <a:off x="482600" y="482600"/>
+            <a:ext cx="2522980" cy="1197986"/>
+          </a:xfrm>
+          <a:noFill/>
+          <a:ln w="19050">
+            <a:solidFill>
+              <a:schemeClr val="bg1"/>
+            </a:solidFill>
+          </a:ln>
+        </p:spPr>
+        <p:txBody>
+          <a:bodyPr wrap="square">
+            <a:normAutofit/>
+          </a:bodyPr>
+          <a:lstStyle/>
+          <a:p>
+            <a:pPr algn="ctr"/>
+            <a:r>
+              <a:rPr lang="en-US" sz="1900"/>
+              <a:t>Evaluation</a:t>
+            </a:r>
+            <a:br>
+              <a:rPr lang="en-US" sz="1900"/>
+            </a:br>
+            <a:r>
+              <a:rPr lang="en-US" sz="1900">
+                <a:sym typeface="Wingdings" panose="05000000000000000000" pitchFamily="2" charset="2"/>
+              </a:rPr>
+              <a:t> Data Understanding / Acquisition</a:t>
+            </a:r>
+            <a:endParaRPr lang="en-US" sz="1900"/>
+          </a:p>
+        </p:txBody>
+      </p:sp>
+      <p:sp>
+        <p:nvSpPr>
+          <p:cNvPr id="2" name="Content Placeholder 1">
+            <a:extLst>
+              <a:ext uri="{FF2B5EF4-FFF2-40B4-BE49-F238E27FC236}">
+                <a16:creationId xmlns:a16="http://schemas.microsoft.com/office/drawing/2014/main" id="{B45B095B-64D1-4F3C-990E-3AD62B6A5031}"/>
+              </a:ext>
+            </a:extLst>
+          </p:cNvPr>
+          <p:cNvSpPr>
+            <a:spLocks noGrp="1"/>
+          </p:cNvSpPr>
+          <p:nvPr>
+            <p:ph idx="1"/>
+          </p:nvPr>
+        </p:nvSpPr>
+        <p:spPr>
+          <a:xfrm>
+            <a:off x="482601" y="1978533"/>
+            <a:ext cx="2522980" cy="2561716"/>
+          </a:xfrm>
+        </p:spPr>
+        <p:txBody>
+          <a:bodyPr>
+            <a:normAutofit/>
+          </a:bodyPr>
+          <a:lstStyle/>
+          <a:p>
+            <a:r>
+              <a:rPr lang="en-US" sz="1500" dirty="0">
+                <a:solidFill>
+                  <a:schemeClr val="bg1"/>
+                </a:solidFill>
+              </a:rPr>
+              <a:t>What if we discover data for gender of the birds?</a:t>
+            </a:r>
+          </a:p>
+          <a:p>
+            <a:r>
+              <a:rPr lang="en-US" sz="1500" dirty="0">
+                <a:solidFill>
+                  <a:schemeClr val="bg1"/>
+                </a:solidFill>
+              </a:rPr>
+              <a:t>And we built two models?</a:t>
+            </a:r>
+          </a:p>
+          <a:p>
+            <a:pPr marL="0" indent="0">
+              <a:buNone/>
+            </a:pPr>
+            <a:endParaRPr lang="en-US" sz="1500" dirty="0">
+              <a:solidFill>
+                <a:schemeClr val="bg1"/>
+              </a:solidFill>
+            </a:endParaRPr>
+          </a:p>
+          <a:p>
+            <a:endParaRPr lang="en-US" sz="1500" dirty="0">
+              <a:solidFill>
+                <a:schemeClr val="bg1"/>
+              </a:solidFill>
+            </a:endParaRPr>
+          </a:p>
+        </p:txBody>
+      </p:sp>
+      <p:pic>
+        <p:nvPicPr>
+          <p:cNvPr id="5" name="Picture 4">
+            <a:extLst>
+              <a:ext uri="{FF2B5EF4-FFF2-40B4-BE49-F238E27FC236}">
+                <a16:creationId xmlns:a16="http://schemas.microsoft.com/office/drawing/2014/main" id="{60A09C3D-668D-4201-B23D-DB5F1FAE3FBD}"/>
+              </a:ext>
+            </a:extLst>
+          </p:cNvPr>
+          <p:cNvPicPr>
+            <a:picLocks noChangeAspect="1"/>
+          </p:cNvPicPr>
+          <p:nvPr/>
+        </p:nvPicPr>
+        <p:blipFill>
+          <a:blip r:embed="rId2"/>
+          <a:stretch>
+            <a:fillRect/>
+          </a:stretch>
+        </p:blipFill>
+        <p:spPr>
+          <a:xfrm>
+            <a:off x="4236515" y="482600"/>
+            <a:ext cx="4161691" cy="4057649"/>
+          </a:xfrm>
+          <a:prstGeom prst="rect">
+            <a:avLst/>
+          </a:prstGeom>
+        </p:spPr>
+      </p:pic>
+    </p:spTree>
+    <p:extLst>
+      <p:ext uri="{BB962C8B-B14F-4D97-AF65-F5344CB8AC3E}">
+        <p14:creationId xmlns:p14="http://schemas.microsoft.com/office/powerpoint/2010/main" val="1834469154"/>
+      </p:ext>
+    </p:extLst>
+  </p:cSld>
+  <p:clrMapOvr>
+    <a:masterClrMapping/>
+  </p:clrMapOvr>
+</p:sld>
+</file>
+
+<file path=ppt/slides/slide28.xml><?xml version="1.0" encoding="utf-8"?>
+<p:sld xmlns:a="http://schemas.openxmlformats.org/drawingml/2006/main" xmlns:r="http://schemas.openxmlformats.org/officeDocument/2006/relationships" xmlns:p="http://schemas.openxmlformats.org/presentationml/2006/main">
+  <p:cSld>
+    <p:bg>
+      <p:bgPr>
+        <a:solidFill>
+          <a:schemeClr val="bg1"/>
+        </a:solidFill>
+        <a:effectLst/>
+      </p:bgPr>
+    </p:bg>
+    <p:spTree>
+      <p:nvGrpSpPr>
+        <p:cNvPr id="1" name=""/>
+        <p:cNvGrpSpPr/>
+        <p:nvPr/>
+      </p:nvGrpSpPr>
+      <p:grpSpPr>
+        <a:xfrm>
+          <a:off x="0" y="0"/>
+          <a:ext cx="0" cy="0"/>
+          <a:chOff x="0" y="0"/>
+          <a:chExt cx="0" cy="0"/>
+        </a:xfrm>
+      </p:grpSpPr>
+      <p:sp>
+        <p:nvSpPr>
+          <p:cNvPr id="8" name="Rectangle 7">
+            <a:extLst>
+              <a:ext uri="{FF2B5EF4-FFF2-40B4-BE49-F238E27FC236}">
+                <a16:creationId xmlns:a16="http://schemas.microsoft.com/office/drawing/2014/main" id="{8D70B121-56F4-4848-B38B-182089D909FA}"/>
+              </a:ext>
+              <a:ext uri="{C183D7F6-B498-43B3-948B-1728B52AA6E4}">
+                <adec:decorative xmlns:adec="http://schemas.microsoft.com/office/drawing/2017/decorative" val="1"/>
+              </a:ext>
+            </a:extLst>
+          </p:cNvPr>
+          <p:cNvSpPr>
+            <a:spLocks noGrp="1" noRot="1" noChangeAspect="1" noMove="1" noResize="1" noEditPoints="1" noAdjustHandles="1" noChangeArrowheads="1" noChangeShapeType="1" noTextEdit="1"/>
+          </p:cNvSpPr>
+          <p:nvPr>
+            <p:extLst>
+              <p:ext uri="{386F3935-93C4-4BCD-93E2-E3B085C9AB24}">
+                <p16:designElem xmlns:p16="http://schemas.microsoft.com/office/powerpoint/2015/main" val="1"/>
+              </p:ext>
+            </p:extLst>
+          </p:nvPr>
+        </p:nvSpPr>
+        <p:spPr bwMode="ltGray">
+          <a:xfrm>
+            <a:off x="241173" y="240030"/>
+            <a:ext cx="8661654" cy="4663440"/>
+          </a:xfrm>
+          <a:prstGeom prst="rect">
+            <a:avLst/>
+          </a:prstGeom>
+          <a:solidFill>
+            <a:schemeClr val="tx1">
+              <a:alpha val="8000"/>
+            </a:schemeClr>
+          </a:solidFill>
+          <a:ln w="127000" cap="sq" cmpd="thinThick">
+            <a:noFill/>
+          </a:ln>
+        </p:spPr>
+        <p:style>
+          <a:lnRef idx="2">
+            <a:schemeClr val="accent1">
+              <a:shade val="50000"/>
+            </a:schemeClr>
+          </a:lnRef>
+          <a:fillRef idx="1">
+            <a:schemeClr val="accent1"/>
+          </a:fillRef>
+          <a:effectRef idx="0">
+            <a:schemeClr val="accent1"/>
+          </a:effectRef>
+          <a:fontRef idx="minor">
+            <a:schemeClr val="lt1"/>
+          </a:fontRef>
+        </p:style>
+        <p:txBody>
+          <a:bodyPr rtlCol="0" anchor="ctr"/>
+          <a:lstStyle/>
+          <a:p>
+            <a:pPr algn="ctr"/>
+            <a:endParaRPr lang="en-US"/>
+          </a:p>
+        </p:txBody>
+      </p:sp>
+      <p:sp>
+        <p:nvSpPr>
+          <p:cNvPr id="3" name="Title 2">
+            <a:extLst>
+              <a:ext uri="{FF2B5EF4-FFF2-40B4-BE49-F238E27FC236}">
+                <a16:creationId xmlns:a16="http://schemas.microsoft.com/office/drawing/2014/main" id="{63240F59-B728-4E62-8E4F-FC897FCAA564}"/>
+              </a:ext>
+            </a:extLst>
+          </p:cNvPr>
+          <p:cNvSpPr>
+            <a:spLocks noGrp="1"/>
+          </p:cNvSpPr>
+          <p:nvPr>
+            <p:ph type="title"/>
+          </p:nvPr>
+        </p:nvSpPr>
+        <p:spPr>
+          <a:xfrm>
+            <a:off x="628650" y="722907"/>
+            <a:ext cx="2620771" cy="3697685"/>
+          </a:xfrm>
+        </p:spPr>
+        <p:txBody>
+          <a:bodyPr>
+            <a:normAutofit/>
+          </a:bodyPr>
+          <a:lstStyle/>
+          <a:p>
+            <a:pPr algn="r"/>
+            <a:r>
+              <a:rPr lang="en-US" dirty="0">
+                <a:solidFill>
+                  <a:schemeClr val="accent1"/>
+                </a:solidFill>
+              </a:rPr>
+              <a:t>Deployment</a:t>
+            </a:r>
+          </a:p>
+        </p:txBody>
+      </p:sp>
+      <p:cxnSp>
+        <p:nvCxnSpPr>
+          <p:cNvPr id="10" name="Straight Connector 9">
+            <a:extLst>
+              <a:ext uri="{FF2B5EF4-FFF2-40B4-BE49-F238E27FC236}">
+                <a16:creationId xmlns:a16="http://schemas.microsoft.com/office/drawing/2014/main" id="{2D72A2C9-F3CA-4216-8BAD-FA4C970C3C4E}"/>
+              </a:ext>
+              <a:ext uri="{C183D7F6-B498-43B3-948B-1728B52AA6E4}">
+                <adec:decorative xmlns:adec="http://schemas.microsoft.com/office/drawing/2017/decorative" val="1"/>
+              </a:ext>
+            </a:extLst>
+          </p:cNvPr>
+          <p:cNvCxnSpPr>
+            <a:cxnSpLocks noGrp="1" noRot="1" noChangeAspect="1" noMove="1" noResize="1" noEditPoints="1" noAdjustHandles="1" noChangeArrowheads="1" noChangeShapeType="1"/>
+          </p:cNvCxnSpPr>
+          <p:nvPr>
+            <p:extLst>
+              <p:ext uri="{386F3935-93C4-4BCD-93E2-E3B085C9AB24}">
+                <p16:designElem xmlns:p16="http://schemas.microsoft.com/office/powerpoint/2015/main" val="1"/>
+              </p:ext>
+            </p:extLst>
+          </p:nvPr>
+        </p:nvCxnSpPr>
+        <p:spPr>
+          <a:xfrm>
+            <a:off x="3490722" y="1543050"/>
+            <a:ext cx="0" cy="2057400"/>
+          </a:xfrm>
+          <a:prstGeom prst="line">
+            <a:avLst/>
+          </a:prstGeom>
+          <a:ln w="19050">
+            <a:solidFill>
+              <a:schemeClr val="tx1">
+                <a:lumMod val="85000"/>
+                <a:lumOff val="15000"/>
+              </a:schemeClr>
+            </a:solidFill>
+          </a:ln>
+        </p:spPr>
+        <p:style>
+          <a:lnRef idx="1">
+            <a:schemeClr val="accent1"/>
+          </a:lnRef>
+          <a:fillRef idx="0">
+            <a:schemeClr val="accent1"/>
+          </a:fillRef>
+          <a:effectRef idx="0">
+            <a:schemeClr val="accent1"/>
+          </a:effectRef>
+          <a:fontRef idx="minor">
+            <a:schemeClr val="tx1"/>
+          </a:fontRef>
+        </p:style>
+      </p:cxnSp>
+      <p:sp>
+        <p:nvSpPr>
+          <p:cNvPr id="2" name="Content Placeholder 1">
+            <a:extLst>
+              <a:ext uri="{FF2B5EF4-FFF2-40B4-BE49-F238E27FC236}">
+                <a16:creationId xmlns:a16="http://schemas.microsoft.com/office/drawing/2014/main" id="{B45B095B-64D1-4F3C-990E-3AD62B6A5031}"/>
+              </a:ext>
+            </a:extLst>
+          </p:cNvPr>
+          <p:cNvSpPr>
+            <a:spLocks noGrp="1"/>
+          </p:cNvSpPr>
+          <p:nvPr>
+            <p:ph idx="1"/>
+          </p:nvPr>
+        </p:nvSpPr>
+        <p:spPr>
+          <a:xfrm>
+            <a:off x="3732023" y="722907"/>
+            <a:ext cx="4783327" cy="3697685"/>
+          </a:xfrm>
+        </p:spPr>
+        <p:txBody>
+          <a:bodyPr anchor="ctr">
+            <a:normAutofit/>
+          </a:bodyPr>
+          <a:lstStyle/>
+          <a:p>
+            <a:r>
+              <a:rPr lang="en-US" sz="1800" dirty="0"/>
+              <a:t>Build an web application</a:t>
+            </a:r>
+          </a:p>
+          <a:p>
+            <a:r>
+              <a:rPr lang="en-US" sz="1800" dirty="0"/>
+              <a:t> Integrate to existing systems</a:t>
+            </a:r>
+          </a:p>
+          <a:p>
+            <a:r>
+              <a:rPr lang="en-US" sz="1800" dirty="0"/>
+              <a:t>Whatever the </a:t>
+            </a:r>
+            <a:r>
+              <a:rPr lang="en-US" sz="1800"/>
+              <a:t>business needs</a:t>
+            </a:r>
+            <a:endParaRPr lang="en-US" sz="1800" dirty="0"/>
+          </a:p>
+          <a:p>
+            <a:pPr marL="0" indent="0">
+              <a:buNone/>
+            </a:pPr>
+            <a:endParaRPr lang="en-US" sz="1800" dirty="0"/>
+          </a:p>
+          <a:p>
+            <a:endParaRPr lang="en-US" sz="1800" dirty="0"/>
+          </a:p>
+        </p:txBody>
+      </p:sp>
+    </p:spTree>
+    <p:extLst>
+      <p:ext uri="{BB962C8B-B14F-4D97-AF65-F5344CB8AC3E}">
+        <p14:creationId xmlns:p14="http://schemas.microsoft.com/office/powerpoint/2010/main" val="2885215196"/>
       </p:ext>
     </p:extLst>
   </p:cSld>
@@ -5213,7 +8960,7 @@
           <a:lstStyle/>
           <a:p>
             <a:pPr algn="ctr"/>
-            <a:endParaRPr lang="en-US"/>
+            <a:endParaRPr lang="en-US" dirty="0"/>
           </a:p>
         </p:txBody>
       </p:sp>
@@ -5254,7 +9001,7 @@
             <a:pPr algn="ctr"/>
             <a:r>
               <a:rPr lang="en-US" sz="2100" dirty="0"/>
-              <a:t>Business Understanding</a:t>
+              <a:t>CRISP – DM Framework</a:t>
             </a:r>
           </a:p>
         </p:txBody>
@@ -5293,48 +9040,17 @@
                   <a:schemeClr val="bg1"/>
                 </a:solidFill>
               </a:rPr>
-              <a:t>What are the project objectives?</a:t>
-            </a:r>
-          </a:p>
-          <a:p>
-            <a:pPr lvl="1"/>
+              <a:t>Standard data science project workflow.</a:t>
+            </a:r>
+          </a:p>
+          <a:p>
             <a:r>
               <a:rPr lang="en-US" sz="1500" dirty="0">
                 <a:solidFill>
                   <a:schemeClr val="bg1"/>
                 </a:solidFill>
               </a:rPr>
-              <a:t>How to integrate?</a:t>
-            </a:r>
-          </a:p>
-          <a:p>
-            <a:r>
-              <a:rPr lang="en-US" sz="1500" dirty="0">
-                <a:solidFill>
-                  <a:schemeClr val="bg1"/>
-                </a:solidFill>
-              </a:rPr>
-              <a:t>Possible outcomes, good and bad.</a:t>
-            </a:r>
-          </a:p>
-          <a:p>
-            <a:r>
-              <a:rPr lang="en-US" sz="1500" dirty="0">
-                <a:solidFill>
-                  <a:schemeClr val="bg1"/>
-                </a:solidFill>
-              </a:rPr>
-              <a:t>Criteria for project success?</a:t>
-            </a:r>
-          </a:p>
-          <a:p>
-            <a:r>
-              <a:rPr lang="en-US" sz="1500" dirty="0">
-                <a:solidFill>
-                  <a:schemeClr val="bg1"/>
-                </a:solidFill>
-              </a:rPr>
-              <a:t>Conversion to a data science type problem.</a:t>
+              <a:t>Very iterative</a:t>
             </a:r>
           </a:p>
         </p:txBody>
@@ -5389,7 +9105,7 @@
     </p:spTree>
     <p:extLst>
       <p:ext uri="{BB962C8B-B14F-4D97-AF65-F5344CB8AC3E}">
-        <p14:creationId xmlns:p14="http://schemas.microsoft.com/office/powerpoint/2010/main" val="1897945659"/>
+        <p14:creationId xmlns:p14="http://schemas.microsoft.com/office/powerpoint/2010/main" val="640394626"/>
       </p:ext>
     </p:extLst>
   </p:cSld>
@@ -5484,7 +9200,7 @@
           <a:lstStyle/>
           <a:p>
             <a:pPr algn="ctr"/>
-            <a:endParaRPr lang="en-US"/>
+            <a:endParaRPr lang="en-US" dirty="0"/>
           </a:p>
         </p:txBody>
       </p:sp>
@@ -5525,7 +9241,7 @@
             <a:pPr algn="ctr"/>
             <a:r>
               <a:rPr lang="en-US" sz="2100" dirty="0"/>
-              <a:t>Data Understanding</a:t>
+              <a:t>Business Understanding</a:t>
             </a:r>
           </a:p>
         </p:txBody>
@@ -5564,7 +9280,7 @@
                   <a:schemeClr val="bg1"/>
                 </a:solidFill>
               </a:rPr>
-              <a:t>Data collection:</a:t>
+              <a:t>What are the project objectives?</a:t>
             </a:r>
           </a:p>
           <a:p>
@@ -5575,18 +9291,17 @@
                   <a:schemeClr val="bg1"/>
                 </a:solidFill>
               </a:rPr>
-              <a:t>Contacting different teams.</a:t>
-            </a:r>
-          </a:p>
-          <a:p>
-            <a:pPr lvl="1"/>
+              <a:t>How to integrate?</a:t>
+            </a:r>
+          </a:p>
+          <a:p>
             <a:r>
               <a:rPr lang="en-US" sz="1500" dirty="0">
                 <a:solidFill>
                   <a:schemeClr val="bg1"/>
                 </a:solidFill>
               </a:rPr>
-              <a:t>Understanding what is available / needed.</a:t>
+              <a:t>Possible outcomes, good and bad.</a:t>
             </a:r>
           </a:p>
           <a:p>
@@ -5596,29 +9311,17 @@
                   <a:schemeClr val="bg1"/>
                 </a:solidFill>
               </a:rPr>
-              <a:t>Exploratory Data Analysis</a:t>
-            </a:r>
-          </a:p>
-          <a:p>
-            <a:pPr lvl="1"/>
+              <a:t>Criteria for project success?</a:t>
+            </a:r>
+          </a:p>
+          <a:p>
             <a:r>
               <a:rPr lang="en-US" sz="1500" dirty="0">
                 <a:solidFill>
                   <a:schemeClr val="bg1"/>
                 </a:solidFill>
               </a:rPr>
-              <a:t>Quality of data (from a prediction standpoint)</a:t>
-            </a:r>
-          </a:p>
-          <a:p>
-            <a:pPr lvl="1"/>
-            <a:r>
-              <a:rPr lang="en-US" sz="1500" dirty="0">
-                <a:solidFill>
-                  <a:schemeClr val="bg1"/>
-                </a:solidFill>
-              </a:rPr>
-              <a:t>Redundancies?</a:t>
+              <a:t>Conversion to a data science type problem.</a:t>
             </a:r>
           </a:p>
         </p:txBody>
@@ -5673,7 +9376,7 @@
     </p:spTree>
     <p:extLst>
       <p:ext uri="{BB962C8B-B14F-4D97-AF65-F5344CB8AC3E}">
-        <p14:creationId xmlns:p14="http://schemas.microsoft.com/office/powerpoint/2010/main" val="1170414256"/>
+        <p14:creationId xmlns:p14="http://schemas.microsoft.com/office/powerpoint/2010/main" val="2243264707"/>
       </p:ext>
     </p:extLst>
   </p:cSld>
@@ -5768,7 +9471,7 @@
           <a:lstStyle/>
           <a:p>
             <a:pPr algn="ctr"/>
-            <a:endParaRPr lang="en-US"/>
+            <a:endParaRPr lang="en-US" dirty="0"/>
           </a:p>
         </p:txBody>
       </p:sp>
@@ -5809,7 +9512,7 @@
             <a:pPr algn="ctr"/>
             <a:r>
               <a:rPr lang="en-US" sz="2100" dirty="0"/>
-              <a:t>Data Preparation</a:t>
+              <a:t>Data Understanding</a:t>
             </a:r>
           </a:p>
         </p:txBody>
@@ -5848,27 +9551,61 @@
                   <a:schemeClr val="bg1"/>
                 </a:solidFill>
               </a:rPr>
-              <a:t>Creating base analytics table.</a:t>
-            </a:r>
-          </a:p>
-          <a:p>
+              <a:t>Data collection:</a:t>
+            </a:r>
+          </a:p>
+          <a:p>
+            <a:pPr lvl="1"/>
             <a:r>
               <a:rPr lang="en-US" sz="1500" dirty="0">
                 <a:solidFill>
                   <a:schemeClr val="bg1"/>
                 </a:solidFill>
               </a:rPr>
-              <a:t>Create unique fields, tease out more information.</a:t>
-            </a:r>
-          </a:p>
-          <a:p>
+              <a:t>Contacting different teams.</a:t>
+            </a:r>
+          </a:p>
+          <a:p>
+            <a:pPr lvl="1"/>
             <a:r>
               <a:rPr lang="en-US" sz="1500" dirty="0">
                 <a:solidFill>
                   <a:schemeClr val="bg1"/>
                 </a:solidFill>
               </a:rPr>
-              <a:t>Creating dummy variables (as needed)</a:t>
+              <a:t>Understanding what is available / needed.</a:t>
+            </a:r>
+          </a:p>
+          <a:p>
+            <a:r>
+              <a:rPr lang="en-US" sz="1500" dirty="0">
+                <a:solidFill>
+                  <a:schemeClr val="bg1"/>
+                </a:solidFill>
+              </a:rPr>
+              <a:t>Exploratory Data Analysis</a:t>
+            </a:r>
+          </a:p>
+          <a:p>
+            <a:pPr lvl="1"/>
+            <a:r>
+              <a:rPr lang="en-US" sz="1500" dirty="0">
+                <a:solidFill>
+                  <a:schemeClr val="bg1"/>
+                </a:solidFill>
+              </a:rPr>
+              <a:t>Quality of data (from a prediction standpoint)</a:t>
+            </a:r>
+          </a:p>
+          <a:p>
+            <a:pPr lvl="1"/>
+            <a:r>
+              <a:rPr lang="en-US" sz="1500" dirty="0">
+                <a:solidFill>
+                  <a:schemeClr val="bg1"/>
+                </a:solidFill>
+              </a:rPr>
+              <a:t>Redundancies?</a:t>
             </a:r>
           </a:p>
         </p:txBody>
@@ -5923,7 +9660,7 @@
     </p:spTree>
     <p:extLst>
       <p:ext uri="{BB962C8B-B14F-4D97-AF65-F5344CB8AC3E}">
-        <p14:creationId xmlns:p14="http://schemas.microsoft.com/office/powerpoint/2010/main" val="1523803648"/>
+        <p14:creationId xmlns:p14="http://schemas.microsoft.com/office/powerpoint/2010/main" val="1170414256"/>
       </p:ext>
     </p:extLst>
   </p:cSld>
@@ -6018,7 +9755,7 @@
           <a:lstStyle/>
           <a:p>
             <a:pPr algn="ctr"/>
-            <a:endParaRPr lang="en-US"/>
+            <a:endParaRPr lang="en-US" dirty="0"/>
           </a:p>
         </p:txBody>
       </p:sp>
@@ -6059,7 +9796,7 @@
             <a:pPr algn="ctr"/>
             <a:r>
               <a:rPr lang="en-US" sz="2100" dirty="0"/>
-              <a:t>Modelling</a:t>
+              <a:t>Data Preparation</a:t>
             </a:r>
           </a:p>
         </p:txBody>
@@ -6098,7 +9835,7 @@
                   <a:schemeClr val="bg1"/>
                 </a:solidFill>
               </a:rPr>
-              <a:t>Grid-searching model types and parameters.</a:t>
+              <a:t>Creating base analytics table.</a:t>
             </a:r>
           </a:p>
           <a:p>
@@ -6108,7 +9845,7 @@
                   <a:schemeClr val="bg1"/>
                 </a:solidFill>
               </a:rPr>
-              <a:t>Re-tuning models.</a:t>
+              <a:t>Create unique fields, tease out more information.</a:t>
             </a:r>
           </a:p>
           <a:p>
@@ -6118,7 +9855,7 @@
                   <a:schemeClr val="bg1"/>
                 </a:solidFill>
               </a:rPr>
-              <a:t>Testing models against each-other.</a:t>
+              <a:t>Creating dummy variables (as needed)</a:t>
             </a:r>
           </a:p>
         </p:txBody>
@@ -6173,7 +9910,7 @@
     </p:spTree>
     <p:extLst>
       <p:ext uri="{BB962C8B-B14F-4D97-AF65-F5344CB8AC3E}">
-        <p14:creationId xmlns:p14="http://schemas.microsoft.com/office/powerpoint/2010/main" val="1777208435"/>
+        <p14:creationId xmlns:p14="http://schemas.microsoft.com/office/powerpoint/2010/main" val="1523803648"/>
       </p:ext>
     </p:extLst>
   </p:cSld>
@@ -6268,7 +10005,7 @@
           <a:lstStyle/>
           <a:p>
             <a:pPr algn="ctr"/>
-            <a:endParaRPr lang="en-US"/>
+            <a:endParaRPr lang="en-US" dirty="0"/>
           </a:p>
         </p:txBody>
       </p:sp>
@@ -6309,7 +10046,7 @@
             <a:pPr algn="ctr"/>
             <a:r>
               <a:rPr lang="en-US" sz="2100" dirty="0"/>
-              <a:t>Evaluation</a:t>
+              <a:t>Modelling</a:t>
             </a:r>
           </a:p>
         </p:txBody>
@@ -6348,7 +10085,7 @@
                   <a:schemeClr val="bg1"/>
                 </a:solidFill>
               </a:rPr>
-              <a:t>Understanding impact (ROC and scoring)</a:t>
+              <a:t>Grid-searching model types and parameters.</a:t>
             </a:r>
           </a:p>
           <a:p>
@@ -6358,15 +10095,18 @@
                   <a:schemeClr val="bg1"/>
                 </a:solidFill>
               </a:rPr>
-              <a:t>Accomplish goals set in step 1?</a:t>
-            </a:r>
-          </a:p>
-          <a:p>
-            <a:endParaRPr lang="en-US" sz="1500" dirty="0">
-              <a:solidFill>
-                <a:schemeClr val="bg1"/>
-              </a:solidFill>
-            </a:endParaRPr>
+              <a:t>Re-tuning models.</a:t>
+            </a:r>
+          </a:p>
+          <a:p>
+            <a:r>
+              <a:rPr lang="en-US" sz="1500" dirty="0">
+                <a:solidFill>
+                  <a:schemeClr val="bg1"/>
+                </a:solidFill>
+              </a:rPr>
+              <a:t>Testing models against each-other.</a:t>
+            </a:r>
           </a:p>
         </p:txBody>
       </p:sp>
@@ -6420,7 +10160,7 @@
     </p:spTree>
     <p:extLst>
       <p:ext uri="{BB962C8B-B14F-4D97-AF65-F5344CB8AC3E}">
-        <p14:creationId xmlns:p14="http://schemas.microsoft.com/office/powerpoint/2010/main" val="1872096937"/>
+        <p14:creationId xmlns:p14="http://schemas.microsoft.com/office/powerpoint/2010/main" val="1777208435"/>
       </p:ext>
     </p:extLst>
   </p:cSld>
@@ -6515,7 +10255,7 @@
           <a:lstStyle/>
           <a:p>
             <a:pPr algn="ctr"/>
-            <a:endParaRPr lang="en-US"/>
+            <a:endParaRPr lang="en-US" dirty="0"/>
           </a:p>
         </p:txBody>
       </p:sp>
@@ -6556,7 +10296,7 @@
             <a:pPr algn="ctr"/>
             <a:r>
               <a:rPr lang="en-US" sz="2100" dirty="0"/>
-              <a:t>Deployment</a:t>
+              <a:t>Evaluation</a:t>
             </a:r>
           </a:p>
         </p:txBody>
@@ -6595,48 +10335,18 @@
                   <a:schemeClr val="bg1"/>
                 </a:solidFill>
               </a:rPr>
-              <a:t>Automate model</a:t>
-            </a:r>
-          </a:p>
-          <a:p>
-            <a:pPr lvl="1"/>
+              <a:t>Understanding impact (ROC and scoring)</a:t>
+            </a:r>
+          </a:p>
+          <a:p>
             <a:r>
               <a:rPr lang="en-US" sz="1500" dirty="0">
                 <a:solidFill>
                   <a:schemeClr val="bg1"/>
                 </a:solidFill>
               </a:rPr>
-              <a:t>Application</a:t>
-            </a:r>
-          </a:p>
-          <a:p>
-            <a:pPr lvl="1"/>
-            <a:r>
-              <a:rPr lang="en-US" sz="1500" dirty="0">
-                <a:solidFill>
-                  <a:schemeClr val="bg1"/>
-                </a:solidFill>
-              </a:rPr>
-              <a:t>Single report</a:t>
-            </a:r>
-          </a:p>
-          <a:p>
-            <a:r>
-              <a:rPr lang="en-US" sz="1500" dirty="0">
-                <a:solidFill>
-                  <a:schemeClr val="bg1"/>
-                </a:solidFill>
-              </a:rPr>
-              <a:t>Part of Business Understanding</a:t>
-            </a:r>
-          </a:p>
-          <a:p>
-            <a:pPr lvl="1"/>
-            <a:endParaRPr lang="en-US" sz="1500" dirty="0">
-              <a:solidFill>
-                <a:schemeClr val="bg1"/>
-              </a:solidFill>
-            </a:endParaRPr>
+              <a:t>Accomplish goals set in step 1?</a:t>
+            </a:r>
           </a:p>
           <a:p>
             <a:endParaRPr lang="en-US" sz="1500" dirty="0">
@@ -6697,7 +10407,7 @@
     </p:spTree>
     <p:extLst>
       <p:ext uri="{BB962C8B-B14F-4D97-AF65-F5344CB8AC3E}">
-        <p14:creationId xmlns:p14="http://schemas.microsoft.com/office/powerpoint/2010/main" val="3048240742"/>
+        <p14:creationId xmlns:p14="http://schemas.microsoft.com/office/powerpoint/2010/main" val="1872096937"/>
       </p:ext>
     </p:extLst>
   </p:cSld>
@@ -6710,6 +10420,14 @@
 <file path=ppt/slides/slide9.xml><?xml version="1.0" encoding="utf-8"?>
 <p:sld xmlns:a="http://schemas.openxmlformats.org/drawingml/2006/main" xmlns:r="http://schemas.openxmlformats.org/officeDocument/2006/relationships" xmlns:p="http://schemas.openxmlformats.org/presentationml/2006/main">
   <p:cSld>
+    <p:bg>
+      <p:bgPr>
+        <a:solidFill>
+          <a:schemeClr val="bg1"/>
+        </a:solidFill>
+        <a:effectLst/>
+      </p:bgPr>
+    </p:bg>
     <p:spTree>
       <p:nvGrpSpPr>
         <p:cNvPr id="1" name=""/>
@@ -6726,10 +10444,74 @@
       </p:grpSpPr>
       <p:sp>
         <p:nvSpPr>
-          <p:cNvPr id="6" name="Title 5">
+          <p:cNvPr id="71" name="Rectangle 70">
             <a:extLst>
               <a:ext uri="{FF2B5EF4-FFF2-40B4-BE49-F238E27FC236}">
-                <a16:creationId xmlns:a16="http://schemas.microsoft.com/office/drawing/2014/main" id="{898590CF-2427-48BB-8D91-FAB356CA0275}"/>
+                <a16:creationId xmlns:a16="http://schemas.microsoft.com/office/drawing/2014/main" id="{867D4867-5BA7-4462-B2F6-A23F4A622AA7}"/>
+              </a:ext>
+              <a:ext uri="{C183D7F6-B498-43B3-948B-1728B52AA6E4}">
+                <adec:decorative xmlns:adec="http://schemas.microsoft.com/office/drawing/2017/decorative" val="1"/>
+              </a:ext>
+            </a:extLst>
+          </p:cNvPr>
+          <p:cNvSpPr>
+            <a:spLocks noGrp="1" noRot="1" noChangeAspect="1" noMove="1" noResize="1" noEditPoints="1" noAdjustHandles="1" noChangeArrowheads="1" noChangeShapeType="1" noTextEdit="1"/>
+          </p:cNvSpPr>
+          <p:nvPr>
+            <p:extLst>
+              <p:ext uri="{386F3935-93C4-4BCD-93E2-E3B085C9AB24}">
+                <p16:designElem xmlns:p16="http://schemas.microsoft.com/office/powerpoint/2015/main" val="1"/>
+              </p:ext>
+            </p:extLst>
+          </p:nvPr>
+        </p:nvSpPr>
+        <p:spPr>
+          <a:xfrm>
+            <a:off x="0" y="0"/>
+            <a:ext cx="3490722" cy="5143500"/>
+          </a:xfrm>
+          <a:prstGeom prst="rect">
+            <a:avLst/>
+          </a:prstGeom>
+          <a:solidFill>
+            <a:schemeClr val="tx1">
+              <a:lumMod val="75000"/>
+              <a:lumOff val="25000"/>
+            </a:schemeClr>
+          </a:solidFill>
+          <a:ln>
+            <a:noFill/>
+          </a:ln>
+        </p:spPr>
+        <p:style>
+          <a:lnRef idx="0">
+            <a:scrgbClr r="0" g="0" b="0"/>
+          </a:lnRef>
+          <a:fillRef idx="0">
+            <a:scrgbClr r="0" g="0" b="0"/>
+          </a:fillRef>
+          <a:effectRef idx="0">
+            <a:scrgbClr r="0" g="0" b="0"/>
+          </a:effectRef>
+          <a:fontRef idx="minor">
+            <a:schemeClr val="lt1"/>
+          </a:fontRef>
+        </p:style>
+        <p:txBody>
+          <a:bodyPr rtlCol="0" anchor="ctr"/>
+          <a:lstStyle/>
+          <a:p>
+            <a:pPr algn="ctr"/>
+            <a:endParaRPr lang="en-US" dirty="0"/>
+          </a:p>
+        </p:txBody>
+      </p:sp>
+      <p:sp>
+        <p:nvSpPr>
+          <p:cNvPr id="3" name="Title 2">
+            <a:extLst>
+              <a:ext uri="{FF2B5EF4-FFF2-40B4-BE49-F238E27FC236}">
+                <a16:creationId xmlns:a16="http://schemas.microsoft.com/office/drawing/2014/main" id="{63240F59-B728-4E62-8E4F-FC897FCAA564}"/>
               </a:ext>
             </a:extLst>
           </p:cNvPr>
@@ -6737,25 +10519,172 @@
             <a:spLocks noGrp="1"/>
           </p:cNvSpPr>
           <p:nvPr>
-            <p:ph type="ctrTitle"/>
+            <p:ph type="title"/>
           </p:nvPr>
         </p:nvSpPr>
-        <p:spPr/>
+        <p:spPr>
+          <a:xfrm>
+            <a:off x="482600" y="482600"/>
+            <a:ext cx="2522980" cy="1197986"/>
+          </a:xfrm>
+          <a:noFill/>
+          <a:ln w="19050">
+            <a:solidFill>
+              <a:schemeClr val="bg1"/>
+            </a:solidFill>
+          </a:ln>
+        </p:spPr>
         <p:txBody>
-          <a:bodyPr/>
+          <a:bodyPr wrap="square">
+            <a:normAutofit/>
+          </a:bodyPr>
           <a:lstStyle/>
           <a:p>
-            <a:r>
-              <a:rPr lang="en-US" dirty="0"/>
-              <a:t>Short Case Study</a:t>
+            <a:pPr algn="ctr"/>
+            <a:r>
+              <a:rPr lang="en-US" sz="2100" dirty="0"/>
+              <a:t>Deployment</a:t>
             </a:r>
           </a:p>
         </p:txBody>
       </p:sp>
+      <p:sp>
+        <p:nvSpPr>
+          <p:cNvPr id="2" name="Content Placeholder 1">
+            <a:extLst>
+              <a:ext uri="{FF2B5EF4-FFF2-40B4-BE49-F238E27FC236}">
+                <a16:creationId xmlns:a16="http://schemas.microsoft.com/office/drawing/2014/main" id="{B45B095B-64D1-4F3C-990E-3AD62B6A5031}"/>
+              </a:ext>
+            </a:extLst>
+          </p:cNvPr>
+          <p:cNvSpPr>
+            <a:spLocks noGrp="1"/>
+          </p:cNvSpPr>
+          <p:nvPr>
+            <p:ph idx="1"/>
+          </p:nvPr>
+        </p:nvSpPr>
+        <p:spPr>
+          <a:xfrm>
+            <a:off x="482601" y="1978533"/>
+            <a:ext cx="2522980" cy="2561716"/>
+          </a:xfrm>
+        </p:spPr>
+        <p:txBody>
+          <a:bodyPr>
+            <a:normAutofit/>
+          </a:bodyPr>
+          <a:lstStyle/>
+          <a:p>
+            <a:r>
+              <a:rPr lang="en-US" sz="1500" dirty="0">
+                <a:solidFill>
+                  <a:schemeClr val="bg1"/>
+                </a:solidFill>
+              </a:rPr>
+              <a:t>Automate model</a:t>
+            </a:r>
+          </a:p>
+          <a:p>
+            <a:pPr lvl="1"/>
+            <a:r>
+              <a:rPr lang="en-US" sz="1500" dirty="0">
+                <a:solidFill>
+                  <a:schemeClr val="bg1"/>
+                </a:solidFill>
+              </a:rPr>
+              <a:t>Application</a:t>
+            </a:r>
+          </a:p>
+          <a:p>
+            <a:pPr lvl="1"/>
+            <a:r>
+              <a:rPr lang="en-US" sz="1500" dirty="0">
+                <a:solidFill>
+                  <a:schemeClr val="bg1"/>
+                </a:solidFill>
+              </a:rPr>
+              <a:t>Single report</a:t>
+            </a:r>
+          </a:p>
+          <a:p>
+            <a:r>
+              <a:rPr lang="en-US" sz="1500" dirty="0">
+                <a:solidFill>
+                  <a:schemeClr val="bg1"/>
+                </a:solidFill>
+              </a:rPr>
+              <a:t>Part of Business Understanding</a:t>
+            </a:r>
+          </a:p>
+          <a:p>
+            <a:pPr lvl="1"/>
+            <a:endParaRPr lang="en-US" sz="1500" dirty="0">
+              <a:solidFill>
+                <a:schemeClr val="bg1"/>
+              </a:solidFill>
+            </a:endParaRPr>
+          </a:p>
+          <a:p>
+            <a:endParaRPr lang="en-US" sz="1500" dirty="0">
+              <a:solidFill>
+                <a:schemeClr val="bg1"/>
+              </a:solidFill>
+            </a:endParaRPr>
+          </a:p>
+        </p:txBody>
+      </p:sp>
+      <p:pic>
+        <p:nvPicPr>
+          <p:cNvPr id="1026" name="Picture 2" descr="https://upload.wikimedia.org/wikipedia/commons/thumb/b/b9/CRISP-DM_Process_Diagram.png/800px-CRISP-DM_Process_Diagram.png">
+            <a:extLst>
+              <a:ext uri="{FF2B5EF4-FFF2-40B4-BE49-F238E27FC236}">
+                <a16:creationId xmlns:a16="http://schemas.microsoft.com/office/drawing/2014/main" id="{421C6C38-E4E0-497E-97E9-11A0E5ED52CA}"/>
+              </a:ext>
+            </a:extLst>
+          </p:cNvPr>
+          <p:cNvPicPr>
+            <a:picLocks noChangeAspect="1" noChangeArrowheads="1"/>
+          </p:cNvPicPr>
+          <p:nvPr/>
+        </p:nvPicPr>
+        <p:blipFill>
+          <a:blip r:embed="rId2">
+            <a:extLst>
+              <a:ext uri="{28A0092B-C50C-407E-A947-70E740481C1C}">
+                <a14:useLocalDpi xmlns:a14="http://schemas.microsoft.com/office/drawing/2010/main" val="0"/>
+              </a:ext>
+            </a:extLst>
+          </a:blip>
+          <a:srcRect/>
+          <a:stretch>
+            <a:fillRect/>
+          </a:stretch>
+        </p:blipFill>
+        <p:spPr bwMode="auto">
+          <a:xfrm>
+            <a:off x="4293608" y="482600"/>
+            <a:ext cx="4047504" cy="4057649"/>
+          </a:xfrm>
+          <a:prstGeom prst="rect">
+            <a:avLst/>
+          </a:prstGeom>
+          <a:noFill/>
+          <a:extLst>
+            <a:ext uri="{909E8E84-426E-40DD-AFC4-6F175D3DCCD1}">
+              <a14:hiddenFill xmlns:a14="http://schemas.microsoft.com/office/drawing/2010/main">
+                <a:solidFill>
+                  <a:srgbClr val="FFFFFF"/>
+                </a:solidFill>
+              </a14:hiddenFill>
+            </a:ext>
+          </a:extLst>
+        </p:spPr>
+      </p:pic>
     </p:spTree>
     <p:extLst>
       <p:ext uri="{BB962C8B-B14F-4D97-AF65-F5344CB8AC3E}">
-        <p14:creationId xmlns:p14="http://schemas.microsoft.com/office/powerpoint/2010/main" val="1598818332"/>
+        <p14:creationId xmlns:p14="http://schemas.microsoft.com/office/powerpoint/2010/main" val="3048240742"/>
       </p:ext>
     </p:extLst>
   </p:cSld>

--- a/Introduction/Part_0/Data Science 101.pptx
+++ b/Introduction/Part_0/Data Science 101.pptx
@@ -5,7 +5,7 @@
     <p:sldMasterId id="2147483660" r:id="rId1"/>
   </p:sldMasterIdLst>
   <p:notesMasterIdLst>
-    <p:notesMasterId r:id="rId30"/>
+    <p:notesMasterId r:id="rId31"/>
   </p:notesMasterIdLst>
   <p:sldIdLst>
     <p:sldId id="887" r:id="rId2"/>
@@ -36,6 +36,7 @@
     <p:sldId id="917" r:id="rId27"/>
     <p:sldId id="918" r:id="rId28"/>
     <p:sldId id="919" r:id="rId29"/>
+    <p:sldId id="920" r:id="rId30"/>
   </p:sldIdLst>
   <p:sldSz cx="9144000" cy="5143500" type="screen16x9"/>
   <p:notesSz cx="6858000" cy="9144000"/>
@@ -6559,9 +6560,10 @@
           <a:p>
             <a:pPr lvl="1"/>
             <a:r>
-              <a:rPr lang="en-US" dirty="0"/>
-              <a:t>Inherent error</a:t>
-            </a:r>
+              <a:rPr lang="en-US"/>
+              <a:t>Inherent noise</a:t>
+            </a:r>
+            <a:endParaRPr lang="en-US" dirty="0"/>
           </a:p>
           <a:p>
             <a:r>
@@ -8843,13 +8845,8 @@
           <a:p>
             <a:r>
               <a:rPr lang="en-US" sz="1800" dirty="0"/>
-              <a:t>Whatever the </a:t>
-            </a:r>
-            <a:r>
-              <a:rPr lang="en-US" sz="1800"/>
-              <a:t>business needs</a:t>
-            </a:r>
-            <a:endParaRPr lang="en-US" sz="1800" dirty="0"/>
+              <a:t>Whatever the business needs</a:t>
+            </a:r>
           </a:p>
           <a:p>
             <a:pPr marL="0" indent="0">
@@ -8866,6 +8863,316 @@
     <p:extLst>
       <p:ext uri="{BB962C8B-B14F-4D97-AF65-F5344CB8AC3E}">
         <p14:creationId xmlns:p14="http://schemas.microsoft.com/office/powerpoint/2010/main" val="2885215196"/>
+      </p:ext>
+    </p:extLst>
+  </p:cSld>
+  <p:clrMapOvr>
+    <a:masterClrMapping/>
+  </p:clrMapOvr>
+</p:sld>
+</file>
+
+<file path=ppt/slides/slide29.xml><?xml version="1.0" encoding="utf-8"?>
+<p:sld xmlns:a="http://schemas.openxmlformats.org/drawingml/2006/main" xmlns:r="http://schemas.openxmlformats.org/officeDocument/2006/relationships" xmlns:p="http://schemas.openxmlformats.org/presentationml/2006/main">
+  <p:cSld>
+    <p:bg>
+      <p:bgPr>
+        <a:solidFill>
+          <a:schemeClr val="bg1"/>
+        </a:solidFill>
+        <a:effectLst/>
+      </p:bgPr>
+    </p:bg>
+    <p:spTree>
+      <p:nvGrpSpPr>
+        <p:cNvPr id="1" name=""/>
+        <p:cNvGrpSpPr/>
+        <p:nvPr/>
+      </p:nvGrpSpPr>
+      <p:grpSpPr>
+        <a:xfrm>
+          <a:off x="0" y="0"/>
+          <a:ext cx="0" cy="0"/>
+          <a:chOff x="0" y="0"/>
+          <a:chExt cx="0" cy="0"/>
+        </a:xfrm>
+      </p:grpSpPr>
+      <p:sp>
+        <p:nvSpPr>
+          <p:cNvPr id="48" name="Rectangle 47">
+            <a:extLst>
+              <a:ext uri="{FF2B5EF4-FFF2-40B4-BE49-F238E27FC236}">
+                <a16:creationId xmlns:a16="http://schemas.microsoft.com/office/drawing/2014/main" id="{823AC064-BC96-4F32-8AE1-B2FD38754823}"/>
+              </a:ext>
+              <a:ext uri="{C183D7F6-B498-43B3-948B-1728B52AA6E4}">
+                <adec:decorative xmlns:adec="http://schemas.microsoft.com/office/drawing/2017/decorative" val="1"/>
+              </a:ext>
+            </a:extLst>
+          </p:cNvPr>
+          <p:cNvSpPr>
+            <a:spLocks noGrp="1" noRot="1" noChangeAspect="1" noMove="1" noResize="1" noEditPoints="1" noAdjustHandles="1" noChangeArrowheads="1" noChangeShapeType="1" noTextEdit="1"/>
+          </p:cNvSpPr>
+          <p:nvPr>
+            <p:extLst>
+              <p:ext uri="{386F3935-93C4-4BCD-93E2-E3B085C9AB24}">
+                <p16:designElem xmlns:p16="http://schemas.microsoft.com/office/powerpoint/2015/main" val="1"/>
+              </p:ext>
+            </p:extLst>
+          </p:nvPr>
+        </p:nvSpPr>
+        <p:spPr bwMode="ltGray">
+          <a:xfrm>
+            <a:off x="297661" y="210280"/>
+            <a:ext cx="8579095" cy="1383192"/>
+          </a:xfrm>
+          <a:prstGeom prst="rect">
+            <a:avLst/>
+          </a:prstGeom>
+          <a:solidFill>
+            <a:srgbClr val="404040"/>
+          </a:solidFill>
+          <a:ln w="127000" cap="sq" cmpd="thinThick">
+            <a:solidFill>
+              <a:srgbClr val="404040"/>
+            </a:solidFill>
+          </a:ln>
+        </p:spPr>
+        <p:style>
+          <a:lnRef idx="2">
+            <a:schemeClr val="accent1">
+              <a:shade val="50000"/>
+            </a:schemeClr>
+          </a:lnRef>
+          <a:fillRef idx="1">
+            <a:schemeClr val="accent1"/>
+          </a:fillRef>
+          <a:effectRef idx="0">
+            <a:schemeClr val="accent1"/>
+          </a:effectRef>
+          <a:fontRef idx="minor">
+            <a:schemeClr val="lt1"/>
+          </a:fontRef>
+        </p:style>
+        <p:txBody>
+          <a:bodyPr rtlCol="0" anchor="ctr"/>
+          <a:lstStyle/>
+          <a:p>
+            <a:pPr algn="ctr"/>
+            <a:endParaRPr lang="en-US"/>
+          </a:p>
+        </p:txBody>
+      </p:sp>
+      <p:sp>
+        <p:nvSpPr>
+          <p:cNvPr id="3" name="Title 2">
+            <a:extLst>
+              <a:ext uri="{FF2B5EF4-FFF2-40B4-BE49-F238E27FC236}">
+                <a16:creationId xmlns:a16="http://schemas.microsoft.com/office/drawing/2014/main" id="{950782C7-BA08-4BA6-86AA-1F09EA0B73BC}"/>
+              </a:ext>
+            </a:extLst>
+          </p:cNvPr>
+          <p:cNvSpPr>
+            <a:spLocks noGrp="1"/>
+          </p:cNvSpPr>
+          <p:nvPr>
+            <p:ph type="title"/>
+          </p:nvPr>
+        </p:nvSpPr>
+        <p:spPr>
+          <a:xfrm>
+            <a:off x="409763" y="325158"/>
+            <a:ext cx="8354890" cy="697836"/>
+          </a:xfrm>
+        </p:spPr>
+        <p:txBody>
+          <a:bodyPr vert="horz" lIns="91440" tIns="45720" rIns="91440" bIns="45720" rtlCol="0" anchor="b">
+            <a:normAutofit/>
+          </a:bodyPr>
+          <a:lstStyle/>
+          <a:p>
+            <a:pPr algn="ctr" defTabSz="914400"/>
+            <a:r>
+              <a:rPr lang="en-US" sz="4100" dirty="0">
+                <a:solidFill>
+                  <a:srgbClr val="FFFFFF"/>
+                </a:solidFill>
+                <a:latin typeface="+mj-lt"/>
+                <a:ea typeface="+mj-ea"/>
+                <a:cs typeface="+mj-cs"/>
+              </a:rPr>
+              <a:t>Other Model Types</a:t>
+            </a:r>
+          </a:p>
+        </p:txBody>
+      </p:sp>
+      <p:cxnSp>
+        <p:nvCxnSpPr>
+          <p:cNvPr id="50" name="Straight Connector 49">
+            <a:extLst>
+              <a:ext uri="{FF2B5EF4-FFF2-40B4-BE49-F238E27FC236}">
+                <a16:creationId xmlns:a16="http://schemas.microsoft.com/office/drawing/2014/main" id="{7E7C77BC-7138-40B1-A15B-20F57A494629}"/>
+              </a:ext>
+              <a:ext uri="{C183D7F6-B498-43B3-948B-1728B52AA6E4}">
+                <adec:decorative xmlns:adec="http://schemas.microsoft.com/office/drawing/2017/decorative" val="1"/>
+              </a:ext>
+            </a:extLst>
+          </p:cNvPr>
+          <p:cNvCxnSpPr>
+            <a:cxnSpLocks noGrp="1" noRot="1" noChangeAspect="1" noMove="1" noResize="1" noEditPoints="1" noAdjustHandles="1" noChangeArrowheads="1" noChangeShapeType="1"/>
+          </p:cNvCxnSpPr>
+          <p:nvPr>
+            <p:extLst>
+              <p:ext uri="{386F3935-93C4-4BCD-93E2-E3B085C9AB24}">
+                <p16:designElem xmlns:p16="http://schemas.microsoft.com/office/powerpoint/2015/main" val="1"/>
+              </p:ext>
+            </p:extLst>
+          </p:nvPr>
+        </p:nvCxnSpPr>
+        <p:spPr>
+          <a:xfrm>
+            <a:off x="1672558" y="1141719"/>
+            <a:ext cx="5829300" cy="0"/>
+          </a:xfrm>
+          <a:prstGeom prst="line">
+            <a:avLst/>
+          </a:prstGeom>
+          <a:ln w="22225">
+            <a:solidFill>
+              <a:srgbClr val="D9D9D9"/>
+            </a:solidFill>
+          </a:ln>
+        </p:spPr>
+        <p:style>
+          <a:lnRef idx="1">
+            <a:schemeClr val="accent1"/>
+          </a:lnRef>
+          <a:fillRef idx="0">
+            <a:schemeClr val="accent1"/>
+          </a:fillRef>
+          <a:effectRef idx="0">
+            <a:schemeClr val="accent1"/>
+          </a:effectRef>
+          <a:fontRef idx="minor">
+            <a:schemeClr val="tx1"/>
+          </a:fontRef>
+        </p:style>
+      </p:cxnSp>
+      <p:pic>
+        <p:nvPicPr>
+          <p:cNvPr id="20" name="Picture 19" descr="A screenshot of a cell phone&#10;&#10;Description generated with very high confidence">
+            <a:extLst>
+              <a:ext uri="{FF2B5EF4-FFF2-40B4-BE49-F238E27FC236}">
+                <a16:creationId xmlns:a16="http://schemas.microsoft.com/office/drawing/2014/main" id="{2F313667-FC9F-4BC2-A7C5-F99359218B18}"/>
+              </a:ext>
+            </a:extLst>
+          </p:cNvPr>
+          <p:cNvPicPr>
+            <a:picLocks noChangeAspect="1"/>
+          </p:cNvPicPr>
+          <p:nvPr/>
+        </p:nvPicPr>
+        <p:blipFill>
+          <a:blip r:embed="rId2"/>
+          <a:stretch>
+            <a:fillRect/>
+          </a:stretch>
+        </p:blipFill>
+        <p:spPr>
+          <a:xfrm>
+            <a:off x="741158" y="1820113"/>
+            <a:ext cx="3106972" cy="2998228"/>
+          </a:xfrm>
+          <a:prstGeom prst="rect">
+            <a:avLst/>
+          </a:prstGeom>
+        </p:spPr>
+      </p:pic>
+      <p:cxnSp>
+        <p:nvCxnSpPr>
+          <p:cNvPr id="52" name="Straight Connector 51">
+            <a:extLst>
+              <a:ext uri="{FF2B5EF4-FFF2-40B4-BE49-F238E27FC236}">
+                <a16:creationId xmlns:a16="http://schemas.microsoft.com/office/drawing/2014/main" id="{DB146403-F3D6-484B-B2ED-97F9565D0370}"/>
+              </a:ext>
+              <a:ext uri="{C183D7F6-B498-43B3-948B-1728B52AA6E4}">
+                <adec:decorative xmlns:adec="http://schemas.microsoft.com/office/drawing/2017/decorative" val="1"/>
+              </a:ext>
+            </a:extLst>
+          </p:cNvPr>
+          <p:cNvCxnSpPr>
+            <a:cxnSpLocks noGrp="1" noRot="1" noChangeAspect="1" noMove="1" noResize="1" noEditPoints="1" noAdjustHandles="1" noChangeArrowheads="1" noChangeShapeType="1"/>
+          </p:cNvCxnSpPr>
+          <p:nvPr>
+            <p:extLst>
+              <p:ext uri="{386F3935-93C4-4BCD-93E2-E3B085C9AB24}">
+                <p16:designElem xmlns:p16="http://schemas.microsoft.com/office/powerpoint/2015/main" val="1"/>
+              </p:ext>
+            </p:extLst>
+          </p:nvPr>
+        </p:nvCxnSpPr>
+        <p:spPr>
+          <a:xfrm>
+            <a:off x="4587208" y="1947627"/>
+            <a:ext cx="0" cy="2743200"/>
+          </a:xfrm>
+          <a:prstGeom prst="line">
+            <a:avLst/>
+          </a:prstGeom>
+          <a:ln w="101600" cmpd="dbl">
+            <a:solidFill>
+              <a:srgbClr val="595959"/>
+            </a:solidFill>
+          </a:ln>
+        </p:spPr>
+        <p:style>
+          <a:lnRef idx="1">
+            <a:schemeClr val="accent1"/>
+          </a:lnRef>
+          <a:fillRef idx="0">
+            <a:schemeClr val="accent1"/>
+          </a:fillRef>
+          <a:effectRef idx="0">
+            <a:schemeClr val="accent1"/>
+          </a:effectRef>
+          <a:fontRef idx="minor">
+            <a:schemeClr val="tx1"/>
+          </a:fontRef>
+        </p:style>
+      </p:cxnSp>
+      <p:pic>
+        <p:nvPicPr>
+          <p:cNvPr id="24" name="Picture 23" descr="A screenshot of a cell phone&#10;&#10;Description generated with high confidence">
+            <a:extLst>
+              <a:ext uri="{FF2B5EF4-FFF2-40B4-BE49-F238E27FC236}">
+                <a16:creationId xmlns:a16="http://schemas.microsoft.com/office/drawing/2014/main" id="{606D8B2E-7767-4FC4-B71E-A50375A3EE0C}"/>
+              </a:ext>
+            </a:extLst>
+          </p:cNvPr>
+          <p:cNvPicPr>
+            <a:picLocks noChangeAspect="1"/>
+          </p:cNvPicPr>
+          <p:nvPr/>
+        </p:nvPicPr>
+        <p:blipFill>
+          <a:blip r:embed="rId3"/>
+          <a:stretch>
+            <a:fillRect/>
+          </a:stretch>
+        </p:blipFill>
+        <p:spPr>
+          <a:xfrm>
+            <a:off x="5326287" y="1820113"/>
+            <a:ext cx="3106972" cy="2998228"/>
+          </a:xfrm>
+          <a:prstGeom prst="rect">
+            <a:avLst/>
+          </a:prstGeom>
+        </p:spPr>
+      </p:pic>
+    </p:spTree>
+    <p:extLst>
+      <p:ext uri="{BB962C8B-B14F-4D97-AF65-F5344CB8AC3E}">
+        <p14:creationId xmlns:p14="http://schemas.microsoft.com/office/powerpoint/2010/main" val="3577490087"/>
       </p:ext>
     </p:extLst>
   </p:cSld>
